--- a/AI_Revolution_QAU.pptx
+++ b/AI_Revolution_QAU.pptx
@@ -4,6 +4,9 @@
   <p:sldMasterIdLst>
     <p:sldMasterId id="2147483648" r:id="rId1"/>
   </p:sldMasterIdLst>
+  <p:notesMasterIdLst>
+    <p:notesMasterId r:id="rId25"/>
+  </p:notesMasterIdLst>
   <p:sldIdLst>
     <p:sldId id="256" r:id="rId2"/>
     <p:sldId id="257" r:id="rId3"/>
@@ -29,10 +32,7 @@
     <p:sldId id="277" r:id="rId23"/>
     <p:sldId id="278" r:id="rId24"/>
   </p:sldIdLst>
-  <p:notesMasterIdLst>
-    <p:notesMasterId r:id="rId25"/>
-  </p:notesMasterIdLst>
-  <p:sldSz cx="9144000" cy="5143500"/>
+  <p:sldSz cx="9144000" cy="5143500" type="screen16x9"/>
   <p:notesSz cx="5143500" cy="9144000"/>
   <p:defaultTextStyle>
     <a:lvl1pPr marL="0" algn="l" defTabSz="914400" rtl="0" eaLnBrk="1" latinLnBrk="0" hangingPunct="1">
@@ -126,6 +126,11 @@
       </a:defRPr>
     </a:lvl9pPr>
   </p:defaultTextStyle>
+  <p:extLst>
+    <p:ext uri="{EFAFB233-063F-42B5-8137-9DF3F51BA10A}">
+      <p15:sldGuideLst xmlns:p15="http://schemas.microsoft.com/office/powerpoint/2012/main"/>
+    </p:ext>
+  </p:extLst>
 </p:presentation>
 </file>
 
@@ -151,234 +156,10 @@
           <a:chExt cx="0" cy="0"/>
         </a:xfrm>
       </p:grpSpPr>
-      <p:sp>
-        <p:nvSpPr>
-          <p:cNvPr id="2" name="Header Placeholder 1"/>
-          <p:cNvSpPr>
-            <a:spLocks noGrp="1"/>
-          </p:cNvSpPr>
-          <p:nvPr>
-            <p:ph type="hdr" sz="quarter"/>
-          </p:nvPr>
-        </p:nvSpPr>
-        <p:spPr>
-          <a:xfrm>
-            <a:off x="0" y="0"/>
-            <a:ext cx="2971800" cy="458788"/>
-          </a:xfrm>
-          <a:prstGeom prst="rect">
-            <a:avLst/>
-          </a:prstGeom>
-        </p:spPr>
-        <p:txBody>
-          <a:bodyPr vert="horz" lIns="91440" tIns="45720" rIns="91440" bIns="45720" rtlCol="0"/>
-          <a:lstStyle>
-            <a:lvl1pPr algn="l">
-              <a:defRPr sz="1200"/>
-            </a:lvl1pPr>
-          </a:lstStyle>
-          <a:p>
-            <a:endParaRPr lang="en-US"/>
-          </a:p>
-        </p:txBody>
-      </p:sp>
-      <p:sp>
-        <p:nvSpPr>
-          <p:cNvPr id="3" name="Date Placeholder 2"/>
-          <p:cNvSpPr>
-            <a:spLocks noGrp="1"/>
-          </p:cNvSpPr>
-          <p:nvPr>
-            <p:ph type="dt" idx="1"/>
-          </p:nvPr>
-        </p:nvSpPr>
-        <p:spPr>
-          <a:xfrm>
-            <a:off x="3884613" y="0"/>
-            <a:ext cx="2971800" cy="458788"/>
-          </a:xfrm>
-          <a:prstGeom prst="rect">
-            <a:avLst/>
-          </a:prstGeom>
-        </p:spPr>
-        <p:txBody>
-          <a:bodyPr vert="horz" lIns="91440" tIns="45720" rIns="91440" bIns="45720" rtlCol="0"/>
-          <a:lstStyle>
-            <a:lvl1pPr algn="r">
-              <a:defRPr sz="1200"/>
-            </a:lvl1pPr>
-          </a:lstStyle>
-          <a:p>
-            <a:fld id="{5282F153-3F37-0F45-9E97-73ACFA13230C}" type="datetimeFigureOut">
-              <a:rPr lang="en-US"/>
-              <a:t>7/23/19</a:t>
-            </a:fld>
-            <a:endParaRPr lang="en-US"/>
-          </a:p>
-        </p:txBody>
-      </p:sp>
-      <p:sp>
-        <p:nvSpPr>
-          <p:cNvPr id="4" name="Slide Image Placeholder 3"/>
-          <p:cNvSpPr>
-            <a:spLocks noGrp="1" noRot="1" noChangeAspect="1"/>
-          </p:cNvSpPr>
-          <p:nvPr>
-            <p:ph type="sldImg" idx="2"/>
-          </p:nvPr>
-        </p:nvSpPr>
-        <p:spPr>
-          <a:xfrm>
-            <a:off x="685800" y="1143000"/>
-            <a:ext cx="5486400" cy="3086100"/>
-          </a:xfrm>
-          <a:prstGeom prst="rect">
-            <a:avLst/>
-          </a:prstGeom>
-          <a:noFill/>
-          <a:ln w="12700">
-            <a:solidFill>
-              <a:prstClr val="black"/>
-            </a:solidFill>
-          </a:ln>
-        </p:spPr>
-        <p:txBody>
-          <a:bodyPr vert="horz" lIns="91440" tIns="45720" rIns="91440" bIns="45720" rtlCol="0" anchor="ctr"/>
-          <a:lstStyle/>
-          <a:p>
-            <a:endParaRPr lang="en-US"/>
-          </a:p>
-        </p:txBody>
-      </p:sp>
-      <p:sp>
-        <p:nvSpPr>
-          <p:cNvPr id="5" name="Notes Placeholder 4"/>
-          <p:cNvSpPr>
-            <a:spLocks noGrp="1"/>
-          </p:cNvSpPr>
-          <p:nvPr>
-            <p:ph type="body" sz="quarter" idx="3"/>
-          </p:nvPr>
-        </p:nvSpPr>
-        <p:spPr>
-          <a:xfrm>
-            <a:off x="685800" y="4400550"/>
-            <a:ext cx="5486400" cy="3600450"/>
-          </a:xfrm>
-          <a:prstGeom prst="rect">
-            <a:avLst/>
-          </a:prstGeom>
-        </p:spPr>
-        <p:txBody>
-          <a:bodyPr vert="horz" lIns="91440" tIns="45720" rIns="91440" bIns="45720" rtlCol="0"/>
-          <a:lstStyle/>
-          <a:p>
-            <a:pPr lvl="0"/>
-            <a:r>
-              <a:rPr lang="en-US"/>
-              <a:t>Click to edit Master text styles</a:t>
-            </a:r>
-          </a:p>
-          <a:p>
-            <a:pPr lvl="1"/>
-            <a:r>
-              <a:rPr lang="en-US"/>
-              <a:t>Second level</a:t>
-            </a:r>
-          </a:p>
-          <a:p>
-            <a:pPr lvl="2"/>
-            <a:r>
-              <a:rPr lang="en-US"/>
-              <a:t>Third level</a:t>
-            </a:r>
-          </a:p>
-          <a:p>
-            <a:pPr lvl="3"/>
-            <a:r>
-              <a:rPr lang="en-US"/>
-              <a:t>Fourth level</a:t>
-            </a:r>
-          </a:p>
-          <a:p>
-            <a:pPr lvl="4"/>
-            <a:r>
-              <a:rPr lang="en-US"/>
-              <a:t>Fifth level</a:t>
-            </a:r>
-          </a:p>
-        </p:txBody>
-      </p:sp>
-      <p:sp>
-        <p:nvSpPr>
-          <p:cNvPr id="6" name="Footer Placeholder 5"/>
-          <p:cNvSpPr>
-            <a:spLocks noGrp="1"/>
-          </p:cNvSpPr>
-          <p:nvPr>
-            <p:ph type="ftr" sz="quarter" idx="4"/>
-          </p:nvPr>
-        </p:nvSpPr>
-        <p:spPr>
-          <a:xfrm>
-            <a:off x="0" y="8685213"/>
-            <a:ext cx="2971800" cy="458787"/>
-          </a:xfrm>
-          <a:prstGeom prst="rect">
-            <a:avLst/>
-          </a:prstGeom>
-        </p:spPr>
-        <p:txBody>
-          <a:bodyPr vert="horz" lIns="91440" tIns="45720" rIns="91440" bIns="45720" rtlCol="0" anchor="b"/>
-          <a:lstStyle>
-            <a:lvl1pPr algn="l">
-              <a:defRPr sz="1200"/>
-            </a:lvl1pPr>
-          </a:lstStyle>
-          <a:p>
-            <a:endParaRPr lang="en-US"/>
-          </a:p>
-        </p:txBody>
-      </p:sp>
-      <p:sp>
-        <p:nvSpPr>
-          <p:cNvPr id="7" name="Slide Number Placeholder 6"/>
-          <p:cNvSpPr>
-            <a:spLocks noGrp="1"/>
-          </p:cNvSpPr>
-          <p:nvPr>
-            <p:ph type="sldNum" sz="quarter" idx="5"/>
-          </p:nvPr>
-        </p:nvSpPr>
-        <p:spPr>
-          <a:xfrm>
-            <a:off x="3884613" y="8685213"/>
-            <a:ext cx="2971800" cy="458787"/>
-          </a:xfrm>
-          <a:prstGeom prst="rect">
-            <a:avLst/>
-          </a:prstGeom>
-        </p:spPr>
-        <p:txBody>
-          <a:bodyPr vert="horz" lIns="91440" tIns="45720" rIns="91440" bIns="45720" rtlCol="0" anchor="b"/>
-          <a:lstStyle>
-            <a:lvl1pPr algn="r">
-              <a:defRPr sz="1200"/>
-            </a:lvl1pPr>
-          </a:lstStyle>
-          <a:p>
-            <a:fld id="{CE5E9CC1-C706-0F49-92D6-E571CC5EEA8F}" type="slidenum">
-              <a:rPr lang="en-US"/>
-              <a:t>‹#›</a:t>
-            </a:fld>
-            <a:endParaRPr lang="en-US"/>
-          </a:p>
-        </p:txBody>
-      </p:sp>
     </p:spTree>
     <p:extLst>
       <p:ext uri="{BB962C8B-B14F-4D97-AF65-F5344CB8AC3E}">
-        <p14:creationId xmlns:p14="http://schemas.microsoft.com/office/powerpoint/2010/main" val="1024086991"/>
+        <p14:creationId xmlns:p14="http://schemas.microsoft.com/office/powerpoint/2010/main" val="1560128835"/>
       </p:ext>
     </p:extLst>
   </p:cSld>
@@ -526,7 +307,6 @@
               <a:rPr lang="en-US" dirty="0"/>
               <a:t>Welcome slide introducing the AI Revolution course. Set an inspiring and welcoming tone.</a:t>
             </a:r>
-            <a:endParaRPr lang="en-US" dirty="0"/>
           </a:p>
         </p:txBody>
       </p:sp>
@@ -614,7 +394,6 @@
               <a:rPr lang="en-US" dirty="0"/>
               <a:t>Natural language processing capabilities and real-world applications in communication tools.</a:t>
             </a:r>
-            <a:endParaRPr lang="en-US" dirty="0"/>
           </a:p>
         </p:txBody>
       </p:sp>
@@ -702,7 +481,6 @@
               <a:rPr lang="en-US" dirty="0"/>
               <a:t>Introduction to generative AI's creative capabilities and underlying technology.</a:t>
             </a:r>
-            <a:endParaRPr lang="en-US" dirty="0"/>
           </a:p>
         </p:txBody>
       </p:sp>
@@ -790,7 +568,6 @@
               <a:rPr lang="en-US" dirty="0"/>
               <a:t>Practical AI tools available today across text, image, and specialized categories.</a:t>
             </a:r>
-            <a:endParaRPr lang="en-US" dirty="0"/>
           </a:p>
         </p:txBody>
       </p:sp>
@@ -878,7 +655,6 @@
               <a:rPr lang="en-US" dirty="0"/>
               <a:t>Key differences between traditional analytical AI and generative creative AI.</a:t>
             </a:r>
-            <a:endParaRPr lang="en-US" dirty="0"/>
           </a:p>
         </p:txBody>
       </p:sp>
@@ -966,7 +742,6 @@
               <a:rPr lang="en-US" dirty="0"/>
               <a:t>Large language models explained with examples of leading LLMs in the market.</a:t>
             </a:r>
-            <a:endParaRPr lang="en-US" dirty="0"/>
           </a:p>
         </p:txBody>
       </p:sp>
@@ -1054,7 +829,6 @@
               <a:rPr lang="en-US" dirty="0"/>
               <a:t>Shifting mindset from AI fear to AI empowerment and partnership.</a:t>
             </a:r>
-            <a:endParaRPr lang="en-US" dirty="0"/>
           </a:p>
         </p:txBody>
       </p:sp>
@@ -1142,7 +916,6 @@
               <a:rPr lang="en-US" dirty="0"/>
               <a:t>How AI democratizes expertise across all professional roles and skill levels.</a:t>
             </a:r>
-            <a:endParaRPr lang="en-US" dirty="0"/>
           </a:p>
         </p:txBody>
       </p:sp>
@@ -1230,7 +1003,6 @@
               <a:rPr lang="en-US" dirty="0"/>
               <a:t>Responsible AI use including awareness of risks and protection strategies.</a:t>
             </a:r>
-            <a:endParaRPr lang="en-US" dirty="0"/>
           </a:p>
         </p:txBody>
       </p:sp>
@@ -1318,7 +1090,6 @@
               <a:rPr lang="en-US" dirty="0"/>
               <a:t>Historical context of technological revolutions and AI's exponential growth trajectory.</a:t>
             </a:r>
-            <a:endParaRPr lang="en-US" dirty="0"/>
           </a:p>
         </p:txBody>
       </p:sp>
@@ -1406,7 +1177,6 @@
               <a:rPr lang="en-US" dirty="0"/>
               <a:t>Interactive exercise demonstrating AI's ability to adapt communication to different audiences.</a:t>
             </a:r>
-            <a:endParaRPr lang="en-US" dirty="0"/>
           </a:p>
         </p:txBody>
       </p:sp>
@@ -1494,7 +1264,6 @@
               <a:rPr lang="en-US" dirty="0"/>
               <a:t>Overview of the learning journey covering AI understanding and practical applications.</a:t>
             </a:r>
-            <a:endParaRPr lang="en-US" dirty="0"/>
           </a:p>
         </p:txBody>
       </p:sp>
@@ -1582,7 +1351,6 @@
               <a:rPr lang="en-US" dirty="0"/>
               <a:t>Professional application exercises relevant to public policy and government work.</a:t>
             </a:r>
-            <a:endParaRPr lang="en-US" dirty="0"/>
           </a:p>
         </p:txBody>
       </p:sp>
@@ -1670,7 +1438,6 @@
               <a:rPr lang="en-US" dirty="0"/>
               <a:t>Curated learning resources and tools for continued AI education and practice.</a:t>
             </a:r>
-            <a:endParaRPr lang="en-US" dirty="0"/>
           </a:p>
         </p:txBody>
       </p:sp>
@@ -1758,7 +1525,6 @@
               <a:rPr lang="en-US" dirty="0"/>
               <a:t>Key takeaways emphasizing AI as collaborative tool and the importance of starting now.</a:t>
             </a:r>
-            <a:endParaRPr lang="en-US" dirty="0"/>
           </a:p>
         </p:txBody>
       </p:sp>
@@ -1846,7 +1612,6 @@
               <a:rPr lang="en-US" dirty="0"/>
               <a:t>Thank you slide with contact information and inspiring call to action.</a:t>
             </a:r>
-            <a:endParaRPr lang="en-US" dirty="0"/>
           </a:p>
         </p:txBody>
       </p:sp>
@@ -1934,7 +1699,6 @@
               <a:rPr lang="en-US" dirty="0"/>
               <a:t>Real-world success stories and transformations showing tangible AI impact.</a:t>
             </a:r>
-            <a:endParaRPr lang="en-US" dirty="0"/>
           </a:p>
         </p:txBody>
       </p:sp>
@@ -2022,7 +1786,6 @@
               <a:rPr lang="en-US" dirty="0"/>
               <a:t>The imperative for AI adoption - emphasizing that those who use AI will have competitive advantage.</a:t>
             </a:r>
-            <a:endParaRPr lang="en-US" dirty="0"/>
           </a:p>
         </p:txBody>
       </p:sp>
@@ -2110,7 +1873,6 @@
               <a:rPr lang="en-US" dirty="0"/>
               <a:t>Core definition of AI and its fundamental capabilities like learning, reasoning, and decision-making.</a:t>
             </a:r>
-            <a:endParaRPr lang="en-US" dirty="0"/>
           </a:p>
         </p:txBody>
       </p:sp>
@@ -2198,7 +1960,6 @@
               <a:rPr lang="en-US" dirty="0"/>
               <a:t>Examples of AI in everyday life that attendees already interact with regularly.</a:t>
             </a:r>
-            <a:endParaRPr lang="en-US" dirty="0"/>
           </a:p>
         </p:txBody>
       </p:sp>
@@ -2286,7 +2047,6 @@
               <a:rPr lang="en-US" dirty="0"/>
               <a:t>Timeline of major AI achievements from AlphaGo to modern climate applications.</a:t>
             </a:r>
-            <a:endParaRPr lang="en-US" dirty="0"/>
           </a:p>
         </p:txBody>
       </p:sp>
@@ -2374,7 +2134,6 @@
               <a:rPr lang="en-US" dirty="0"/>
               <a:t>Explanation of machine learning process from data to predictions.</a:t>
             </a:r>
-            <a:endParaRPr lang="en-US" dirty="0"/>
           </a:p>
         </p:txBody>
       </p:sp>
@@ -2462,7 +2221,6 @@
               <a:rPr lang="en-US" dirty="0"/>
               <a:t>Three main types of machine learning with practical examples for each.</a:t>
             </a:r>
-            <a:endParaRPr lang="en-US" dirty="0"/>
           </a:p>
         </p:txBody>
       </p:sp>
@@ -2535,6 +2293,11 @@
 <file path=ppt/slideMasters/slideMaster1.xml><?xml version="1.0" encoding="utf-8"?>
 <p:sldMaster xmlns:a="http://schemas.openxmlformats.org/drawingml/2006/main" xmlns:r="http://schemas.openxmlformats.org/officeDocument/2006/relationships" xmlns:p="http://schemas.openxmlformats.org/presentationml/2006/main">
   <p:cSld>
+    <p:bg>
+      <p:bgRef idx="1001">
+        <a:schemeClr val="bg1"/>
+      </p:bgRef>
+    </p:bg>
     <p:spTree>
       <p:nvGrpSpPr>
         <p:cNvPr id="1" name=""/>
@@ -2815,7 +2578,7 @@
     <p:bg>
       <p:bgPr>
         <a:blipFill dpi="0" rotWithShape="1">
-          <a:blip r:embed="rId1">
+          <a:blip r:embed="rId3">
             <a:lum/>
           </a:blip>
           <a:srcRect/>
@@ -2861,7 +2624,7 @@
           <a:bodyPr wrap="square" lIns="0" tIns="0" rIns="0" bIns="0" rtlCol="0" anchor="t"/>
           <a:lstStyle/>
           <a:p>
-            <a:pPr algn="ctr" indent="0" marL="0">
+            <a:pPr marL="0" indent="0" algn="ctr">
               <a:lnSpc>
                 <a:spcPts val="6720"/>
               </a:lnSpc>
@@ -2909,7 +2672,7 @@
           <a:bodyPr wrap="square" lIns="0" tIns="0" rIns="0" bIns="0" rtlCol="0" anchor="t"/>
           <a:lstStyle/>
           <a:p>
-            <a:pPr algn="ctr" indent="0" marL="0">
+            <a:pPr marL="0" indent="0" algn="ctr">
               <a:lnSpc>
                 <a:spcPts val="3900"/>
               </a:lnSpc>
@@ -2954,7 +2717,7 @@
           <a:bodyPr wrap="square" lIns="0" tIns="0" rIns="0" bIns="0" rtlCol="0" anchor="t"/>
           <a:lstStyle/>
           <a:p>
-            <a:pPr algn="ctr" indent="0" marL="0">
+            <a:pPr marL="0" indent="0" algn="ctr">
               <a:lnSpc>
                 <a:spcPts val="2667"/>
               </a:lnSpc>
@@ -2972,7 +2735,7 @@
                 <a:ea typeface="Arial" pitchFamily="34" charset="-122"/>
                 <a:cs typeface="Arial" pitchFamily="34" charset="-120"/>
               </a:rPr>
-              <a:t>GenAI Made Simple: Your Journey into Tomorrow's Technology</a:t>
+              <a:t>AI Made Simple: Your Journey into Tomorrow's Technology</a:t>
             </a:r>
             <a:endParaRPr lang="en-US" sz="2400" dirty="0"/>
           </a:p>
@@ -2999,7 +2762,7 @@
           <a:bodyPr wrap="square" lIns="0" tIns="0" rIns="0" bIns="0" rtlCol="0" anchor="t"/>
           <a:lstStyle/>
           <a:p>
-            <a:pPr algn="ctr" indent="0" marL="0">
+            <a:pPr marL="0" indent="0" algn="ctr">
               <a:lnSpc>
                 <a:spcPts val="2520"/>
               </a:lnSpc>
@@ -3047,7 +2810,7 @@
           <a:bodyPr wrap="square" lIns="0" tIns="0" rIns="0" bIns="0" rtlCol="0" anchor="t"/>
           <a:lstStyle/>
           <a:p>
-            <a:pPr algn="ctr" indent="0" marL="0">
+            <a:pPr marL="0" indent="0" algn="ctr">
               <a:lnSpc>
                 <a:spcPts val="2520"/>
               </a:lnSpc>
@@ -3090,6 +2853,7 @@
         <a:solidFill>
           <a:srgbClr val="FFFFFF"/>
         </a:solidFill>
+        <a:effectLst/>
       </p:bgPr>
     </p:bg>
     <p:spTree>
@@ -3127,7 +2891,7 @@
           <a:bodyPr wrap="square" lIns="0" tIns="0" rIns="0" bIns="0" rtlCol="0" anchor="t"/>
           <a:lstStyle/>
           <a:p>
-            <a:pPr algn="l" indent="0" marL="0">
+            <a:pPr marL="0" indent="0" algn="l">
               <a:lnSpc>
                 <a:spcPts val="3000"/>
               </a:lnSpc>
@@ -3172,7 +2936,7 @@
           <a:bodyPr wrap="square" lIns="0" tIns="0" rIns="0" bIns="0" rtlCol="0" anchor="t"/>
           <a:lstStyle/>
           <a:p>
-            <a:pPr algn="l" indent="0" marL="0">
+            <a:pPr marL="0" indent="0" algn="l">
               <a:lnSpc>
                 <a:spcPts val="2167"/>
               </a:lnSpc>
@@ -3217,7 +2981,7 @@
           <a:bodyPr wrap="square" lIns="85725" tIns="0" rIns="0" bIns="0" rtlCol="0" anchor="t"/>
           <a:lstStyle/>
           <a:p>
-            <a:pPr algn="l" marL="85725" indent="-85725">
+            <a:pPr marL="85725" indent="-85725" algn="l">
               <a:lnSpc>
                 <a:spcPts val="2217"/>
               </a:lnSpc>
@@ -3241,7 +3005,7 @@
             <a:endParaRPr lang="en-US" sz="1425" dirty="0"/>
           </a:p>
           <a:p>
-            <a:pPr algn="l" marL="85725" indent="-85725">
+            <a:pPr marL="85725" indent="-85725" algn="l">
               <a:lnSpc>
                 <a:spcPts val="2217"/>
               </a:lnSpc>
@@ -3265,7 +3029,7 @@
             <a:endParaRPr lang="en-US" sz="1425" dirty="0"/>
           </a:p>
           <a:p>
-            <a:pPr algn="l" marL="85725" indent="-85725">
+            <a:pPr marL="85725" indent="-85725" algn="l">
               <a:lnSpc>
                 <a:spcPts val="2217"/>
               </a:lnSpc>
@@ -3289,7 +3053,7 @@
             <a:endParaRPr lang="en-US" sz="1425" dirty="0"/>
           </a:p>
           <a:p>
-            <a:pPr algn="l" marL="85725" indent="-85725">
+            <a:pPr marL="85725" indent="-85725" algn="l">
               <a:lnSpc>
                 <a:spcPts val="2217"/>
               </a:lnSpc>
@@ -3313,7 +3077,7 @@
             <a:endParaRPr lang="en-US" sz="1425" dirty="0"/>
           </a:p>
           <a:p>
-            <a:pPr algn="l" marL="85725" indent="-85725">
+            <a:pPr marL="85725" indent="-85725" algn="l">
               <a:lnSpc>
                 <a:spcPts val="2217"/>
               </a:lnSpc>
@@ -3359,7 +3123,7 @@
           <a:bodyPr wrap="square" lIns="0" tIns="0" rIns="0" bIns="0" rtlCol="0" anchor="t"/>
           <a:lstStyle/>
           <a:p>
-            <a:pPr algn="l" indent="0" marL="0">
+            <a:pPr marL="0" indent="0" algn="l">
               <a:lnSpc>
                 <a:spcPts val="2167"/>
               </a:lnSpc>
@@ -3404,7 +3168,7 @@
           <a:bodyPr wrap="square" lIns="85725" tIns="0" rIns="0" bIns="0" rtlCol="0" anchor="t"/>
           <a:lstStyle/>
           <a:p>
-            <a:pPr algn="l" marL="85725" indent="-85725">
+            <a:pPr marL="85725" indent="-85725" algn="l">
               <a:lnSpc>
                 <a:spcPts val="2217"/>
               </a:lnSpc>
@@ -3428,7 +3192,7 @@
             <a:endParaRPr lang="en-US" sz="1425" dirty="0"/>
           </a:p>
           <a:p>
-            <a:pPr algn="l" marL="85725" indent="-85725">
+            <a:pPr marL="85725" indent="-85725" algn="l">
               <a:lnSpc>
                 <a:spcPts val="2217"/>
               </a:lnSpc>
@@ -3452,7 +3216,7 @@
             <a:endParaRPr lang="en-US" sz="1425" dirty="0"/>
           </a:p>
           <a:p>
-            <a:pPr algn="l" marL="85725" indent="-85725">
+            <a:pPr marL="85725" indent="-85725" algn="l">
               <a:lnSpc>
                 <a:spcPts val="2217"/>
               </a:lnSpc>
@@ -3476,7 +3240,7 @@
             <a:endParaRPr lang="en-US" sz="1425" dirty="0"/>
           </a:p>
           <a:p>
-            <a:pPr algn="l" marL="85725" indent="-85725">
+            <a:pPr marL="85725" indent="-85725" algn="l">
               <a:lnSpc>
                 <a:spcPts val="2217"/>
               </a:lnSpc>
@@ -3500,7 +3264,7 @@
             <a:endParaRPr lang="en-US" sz="1425" dirty="0"/>
           </a:p>
           <a:p>
-            <a:pPr algn="l" marL="85725" indent="-85725">
+            <a:pPr marL="85725" indent="-85725" algn="l">
               <a:lnSpc>
                 <a:spcPts val="2217"/>
               </a:lnSpc>
@@ -3548,7 +3312,7 @@
           <a:bodyPr wrap="square" rtlCol="0" anchor="ctr"/>
           <a:lstStyle/>
           <a:p>
-            <a:pPr indent="0" marL="0">
+            <a:pPr marL="0" indent="0">
               <a:buNone/>
             </a:pPr>
             <a:endParaRPr lang="en-US" dirty="0"/>
@@ -3577,6 +3341,13 @@
             <a:prstDash val="solid"/>
           </a:ln>
         </p:spPr>
+        <p:txBody>
+          <a:bodyPr/>
+          <a:lstStyle/>
+          <a:p>
+            <a:endParaRPr lang="en-PK"/>
+          </a:p>
+        </p:txBody>
       </p:sp>
       <p:sp>
         <p:nvSpPr>
@@ -3599,7 +3370,7 @@
           <a:bodyPr wrap="square" lIns="0" tIns="0" rIns="0" bIns="0" rtlCol="0" anchor="t"/>
           <a:lstStyle/>
           <a:p>
-            <a:pPr algn="ctr" indent="0" marL="0">
+            <a:pPr marL="0" indent="0" algn="ctr">
               <a:lnSpc>
                 <a:spcPts val="2100"/>
               </a:lnSpc>
@@ -3642,6 +3413,7 @@
         <a:solidFill>
           <a:srgbClr val="FFFFFF"/>
         </a:solidFill>
+        <a:effectLst/>
       </p:bgPr>
     </p:bg>
     <p:spTree>
@@ -3679,7 +3451,7 @@
           <a:bodyPr wrap="square" lIns="0" tIns="0" rIns="0" bIns="0" rtlCol="0" anchor="t"/>
           <a:lstStyle/>
           <a:p>
-            <a:pPr algn="l" indent="0" marL="0">
+            <a:pPr marL="0" indent="0" algn="l">
               <a:lnSpc>
                 <a:spcPts val="3000"/>
               </a:lnSpc>
@@ -3724,7 +3496,7 @@
           <a:bodyPr wrap="square" lIns="0" tIns="0" rIns="0" bIns="0" rtlCol="0" anchor="t"/>
           <a:lstStyle/>
           <a:p>
-            <a:pPr algn="l" indent="0" marL="0">
+            <a:pPr marL="0" indent="0" algn="l">
               <a:lnSpc>
                 <a:spcPts val="2333"/>
               </a:lnSpc>
@@ -3769,7 +3541,7 @@
           <a:bodyPr wrap="square" lIns="85725" tIns="0" rIns="0" bIns="0" rtlCol="0" anchor="t"/>
           <a:lstStyle/>
           <a:p>
-            <a:pPr algn="l" marL="85725" indent="-85725">
+            <a:pPr marL="85725" indent="-85725" algn="l">
               <a:lnSpc>
                 <a:spcPts val="2333"/>
               </a:lnSpc>
@@ -3793,7 +3565,7 @@
             <a:endParaRPr lang="en-US" sz="1500" dirty="0"/>
           </a:p>
           <a:p>
-            <a:pPr algn="l" marL="85725" indent="-85725">
+            <a:pPr marL="85725" indent="-85725" algn="l">
               <a:lnSpc>
                 <a:spcPts val="2333"/>
               </a:lnSpc>
@@ -3817,7 +3589,7 @@
             <a:endParaRPr lang="en-US" sz="1500" dirty="0"/>
           </a:p>
           <a:p>
-            <a:pPr algn="l" marL="85725" indent="-85725">
+            <a:pPr marL="85725" indent="-85725" algn="l">
               <a:lnSpc>
                 <a:spcPts val="2333"/>
               </a:lnSpc>
@@ -3841,7 +3613,7 @@
             <a:endParaRPr lang="en-US" sz="1500" dirty="0"/>
           </a:p>
           <a:p>
-            <a:pPr algn="l" marL="85725" indent="-85725">
+            <a:pPr marL="85725" indent="-85725" algn="l">
               <a:lnSpc>
                 <a:spcPts val="2333"/>
               </a:lnSpc>
@@ -3865,7 +3637,7 @@
             <a:endParaRPr lang="en-US" sz="1500" dirty="0"/>
           </a:p>
           <a:p>
-            <a:pPr algn="l" marL="85725" indent="-85725">
+            <a:pPr marL="85725" indent="-85725" algn="l">
               <a:lnSpc>
                 <a:spcPts val="2333"/>
               </a:lnSpc>
@@ -3911,7 +3683,7 @@
           <a:bodyPr wrap="square" lIns="0" tIns="0" rIns="0" bIns="0" rtlCol="0" anchor="t"/>
           <a:lstStyle/>
           <a:p>
-            <a:pPr algn="l" indent="0" marL="0">
+            <a:pPr marL="0" indent="0" algn="l">
               <a:lnSpc>
                 <a:spcPts val="2333"/>
               </a:lnSpc>
@@ -3956,7 +3728,7 @@
           <a:bodyPr wrap="square" lIns="85725" tIns="0" rIns="0" bIns="0" rtlCol="0" anchor="t"/>
           <a:lstStyle/>
           <a:p>
-            <a:pPr algn="l" marL="85725" indent="-85725">
+            <a:pPr marL="85725" indent="-85725" algn="l">
               <a:lnSpc>
                 <a:spcPts val="2333"/>
               </a:lnSpc>
@@ -3980,7 +3752,7 @@
             <a:endParaRPr lang="en-US" sz="1500" dirty="0"/>
           </a:p>
           <a:p>
-            <a:pPr algn="l" marL="85725" indent="-85725">
+            <a:pPr marL="85725" indent="-85725" algn="l">
               <a:lnSpc>
                 <a:spcPts val="2333"/>
               </a:lnSpc>
@@ -4004,7 +3776,7 @@
             <a:endParaRPr lang="en-US" sz="1500" dirty="0"/>
           </a:p>
           <a:p>
-            <a:pPr algn="l" marL="85725" indent="-85725">
+            <a:pPr marL="85725" indent="-85725" algn="l">
               <a:lnSpc>
                 <a:spcPts val="2333"/>
               </a:lnSpc>
@@ -4028,7 +3800,7 @@
             <a:endParaRPr lang="en-US" sz="1500" dirty="0"/>
           </a:p>
           <a:p>
-            <a:pPr algn="l" marL="85725" indent="-85725">
+            <a:pPr marL="85725" indent="-85725" algn="l">
               <a:lnSpc>
                 <a:spcPts val="2333"/>
               </a:lnSpc>
@@ -4052,7 +3824,7 @@
             <a:endParaRPr lang="en-US" sz="1500" dirty="0"/>
           </a:p>
           <a:p>
-            <a:pPr algn="l" marL="85725" indent="-85725">
+            <a:pPr marL="85725" indent="-85725" algn="l">
               <a:lnSpc>
                 <a:spcPts val="2333"/>
               </a:lnSpc>
@@ -4093,6 +3865,7 @@
         <a:solidFill>
           <a:srgbClr val="FFFFFF"/>
         </a:solidFill>
+        <a:effectLst/>
       </p:bgPr>
     </p:bg>
     <p:spTree>
@@ -4130,7 +3903,7 @@
           <a:bodyPr wrap="square" lIns="0" tIns="0" rIns="0" bIns="0" rtlCol="0" anchor="t"/>
           <a:lstStyle/>
           <a:p>
-            <a:pPr algn="ctr" indent="0" marL="0">
+            <a:pPr marL="0" indent="0" algn="ctr">
               <a:lnSpc>
                 <a:spcPts val="3000"/>
               </a:lnSpc>
@@ -4156,241 +3929,7 @@
       </p:sp>
       <p:pic>
         <p:nvPicPr>
-          <p:cNvPr id="3" name="Image 0" descr="/tmp/rasterized-gradient-af224872.png">    </p:cNvPr>
-          <p:cNvPicPr>
-            <a:picLocks noChangeAspect="1"/>
-          </p:cNvPicPr>
-          <p:nvPr/>
-        </p:nvPicPr>
-        <p:blipFill>
-          <a:blip r:embed="rId1"/>
-          <a:stretch>
-            <a:fillRect/>
-          </a:stretch>
-        </p:blipFill>
-        <p:spPr>
-          <a:xfrm>
-            <a:off x="666750" y="1190625"/>
-            <a:ext cx="7810500" cy="1034951"/>
-          </a:xfrm>
-          <a:prstGeom prst="rect">
-            <a:avLst/>
-          </a:prstGeom>
-        </p:spPr>
-      </p:pic>
-      <p:sp>
-        <p:nvSpPr>
-          <p:cNvPr id="4" name="Text 1"/>
-          <p:cNvSpPr/>
-          <p:nvPr/>
-        </p:nvSpPr>
-        <p:spPr>
-          <a:xfrm>
-            <a:off x="904875" y="1381125"/>
-            <a:ext cx="3750183" cy="253901"/>
-          </a:xfrm>
-          <a:prstGeom prst="rect">
-            <a:avLst/>
-          </a:prstGeom>
-          <a:noFill/>
-          <a:ln/>
-        </p:spPr>
-        <p:txBody>
-          <a:bodyPr wrap="square" lIns="0" tIns="0" rIns="0" bIns="0" rtlCol="0" anchor="t"/>
-          <a:lstStyle/>
-          <a:p>
-            <a:pPr algn="l" indent="0" marL="0">
-              <a:lnSpc>
-                <a:spcPts val="2000"/>
-              </a:lnSpc>
-              <a:spcAft>
-                <a:spcPts val="750"/>
-              </a:spcAft>
-              <a:buNone/>
-            </a:pPr>
-            <a:r>
-              <a:rPr lang="en-US" sz="1800" b="1" dirty="0">
-                <a:solidFill>
-                  <a:srgbClr val="FFFFFF"/>
-                </a:solidFill>
-                <a:latin typeface="Arial" pitchFamily="34" charset="0"/>
-                <a:ea typeface="Arial" pitchFamily="34" charset="-122"/>
-                <a:cs typeface="Arial" pitchFamily="34" charset="-120"/>
-              </a:rPr>
-              <a:t>Text Generation</a:t>
-            </a:r>
-            <a:endParaRPr lang="en-US" sz="1800" dirty="0"/>
-          </a:p>
-        </p:txBody>
-      </p:sp>
-      <p:sp>
-        <p:nvSpPr>
-          <p:cNvPr id="5" name="Text 2"/>
-          <p:cNvSpPr/>
-          <p:nvPr/>
-        </p:nvSpPr>
-        <p:spPr>
-          <a:xfrm>
-            <a:off x="904875" y="1730276"/>
-            <a:ext cx="7480935" cy="266700"/>
-          </a:xfrm>
-          <a:prstGeom prst="rect">
-            <a:avLst/>
-          </a:prstGeom>
-          <a:noFill/>
-          <a:ln/>
-        </p:spPr>
-        <p:txBody>
-          <a:bodyPr wrap="square" lIns="0" tIns="0" rIns="0" bIns="0" rtlCol="0" anchor="t"/>
-          <a:lstStyle/>
-          <a:p>
-            <a:pPr algn="l" indent="0" marL="0">
-              <a:lnSpc>
-                <a:spcPts val="2100"/>
-              </a:lnSpc>
-              <a:spcBef>
-                <a:spcPts val="300"/>
-              </a:spcBef>
-              <a:spcAft>
-                <a:spcPts val="300"/>
-              </a:spcAft>
-              <a:buNone/>
-            </a:pPr>
-            <a:r>
-              <a:rPr lang="en-US" sz="1500" dirty="0">
-                <a:solidFill>
-                  <a:srgbClr val="FFFFFF"/>
-                </a:solidFill>
-                <a:latin typeface="Arial" pitchFamily="34" charset="0"/>
-                <a:ea typeface="Arial" pitchFamily="34" charset="-122"/>
-                <a:cs typeface="Arial" pitchFamily="34" charset="-120"/>
-              </a:rPr>
-              <a:t>ChatGPT • Claude • Gemini • Llama</a:t>
-            </a:r>
-            <a:endParaRPr lang="en-US" sz="1500" dirty="0"/>
-          </a:p>
-        </p:txBody>
-      </p:sp>
-      <p:pic>
-        <p:nvPicPr>
-          <p:cNvPr id="6" name="Image 1" descr="/tmp/rasterized-gradient-5034d783.png">    </p:cNvPr>
-          <p:cNvPicPr>
-            <a:picLocks noChangeAspect="1"/>
-          </p:cNvPicPr>
-          <p:nvPr/>
-        </p:nvPicPr>
-        <p:blipFill>
-          <a:blip r:embed="rId2"/>
-          <a:stretch>
-            <a:fillRect/>
-          </a:stretch>
-        </p:blipFill>
-        <p:spPr>
-          <a:xfrm>
-            <a:off x="666750" y="2463701"/>
-            <a:ext cx="7810500" cy="1034951"/>
-          </a:xfrm>
-          <a:prstGeom prst="rect">
-            <a:avLst/>
-          </a:prstGeom>
-        </p:spPr>
-      </p:pic>
-      <p:sp>
-        <p:nvSpPr>
-          <p:cNvPr id="7" name="Text 3"/>
-          <p:cNvSpPr/>
-          <p:nvPr/>
-        </p:nvSpPr>
-        <p:spPr>
-          <a:xfrm>
-            <a:off x="904875" y="2654201"/>
-            <a:ext cx="3750183" cy="253901"/>
-          </a:xfrm>
-          <a:prstGeom prst="rect">
-            <a:avLst/>
-          </a:prstGeom>
-          <a:noFill/>
-          <a:ln/>
-        </p:spPr>
-        <p:txBody>
-          <a:bodyPr wrap="square" lIns="0" tIns="0" rIns="0" bIns="0" rtlCol="0" anchor="t"/>
-          <a:lstStyle/>
-          <a:p>
-            <a:pPr algn="l" indent="0" marL="0">
-              <a:lnSpc>
-                <a:spcPts val="2000"/>
-              </a:lnSpc>
-              <a:spcAft>
-                <a:spcPts val="750"/>
-              </a:spcAft>
-              <a:buNone/>
-            </a:pPr>
-            <a:r>
-              <a:rPr lang="en-US" sz="1800" b="1" dirty="0">
-                <a:solidFill>
-                  <a:srgbClr val="FFFFFF"/>
-                </a:solidFill>
-                <a:latin typeface="Arial" pitchFamily="34" charset="0"/>
-                <a:ea typeface="Arial" pitchFamily="34" charset="-122"/>
-                <a:cs typeface="Arial" pitchFamily="34" charset="-120"/>
-              </a:rPr>
-              <a:t>Image Creation</a:t>
-            </a:r>
-            <a:endParaRPr lang="en-US" sz="1800" dirty="0"/>
-          </a:p>
-        </p:txBody>
-      </p:sp>
-      <p:sp>
-        <p:nvSpPr>
-          <p:cNvPr id="8" name="Text 4"/>
-          <p:cNvSpPr/>
-          <p:nvPr/>
-        </p:nvSpPr>
-        <p:spPr>
-          <a:xfrm>
-            <a:off x="904875" y="3003352"/>
-            <a:ext cx="7480935" cy="266700"/>
-          </a:xfrm>
-          <a:prstGeom prst="rect">
-            <a:avLst/>
-          </a:prstGeom>
-          <a:noFill/>
-          <a:ln/>
-        </p:spPr>
-        <p:txBody>
-          <a:bodyPr wrap="square" lIns="0" tIns="0" rIns="0" bIns="0" rtlCol="0" anchor="t"/>
-          <a:lstStyle/>
-          <a:p>
-            <a:pPr algn="l" indent="0" marL="0">
-              <a:lnSpc>
-                <a:spcPts val="2100"/>
-              </a:lnSpc>
-              <a:spcBef>
-                <a:spcPts val="300"/>
-              </a:spcBef>
-              <a:spcAft>
-                <a:spcPts val="300"/>
-              </a:spcAft>
-              <a:buNone/>
-            </a:pPr>
-            <a:r>
-              <a:rPr lang="en-US" sz="1500" dirty="0">
-                <a:solidFill>
-                  <a:srgbClr val="FFFFFF"/>
-                </a:solidFill>
-                <a:latin typeface="Arial" pitchFamily="34" charset="0"/>
-                <a:ea typeface="Arial" pitchFamily="34" charset="-122"/>
-                <a:cs typeface="Arial" pitchFamily="34" charset="-120"/>
-              </a:rPr>
-              <a:t>DALL-E 3 • Midjourney • Stable Diffusion</a:t>
-            </a:r>
-            <a:endParaRPr lang="en-US" sz="1500" dirty="0"/>
-          </a:p>
-        </p:txBody>
-      </p:sp>
-      <p:pic>
-        <p:nvPicPr>
-          <p:cNvPr id="9" name="Image 2" descr="/tmp/rasterized-gradient-3228e783.png">    </p:cNvPr>
+          <p:cNvPr id="3" name="Image 0" descr="/tmp/rasterized-gradient-af224872.png"/>
           <p:cNvPicPr>
             <a:picLocks noChangeAspect="1"/>
           </p:cNvPicPr>
@@ -4404,6 +3943,240 @@
         </p:blipFill>
         <p:spPr>
           <a:xfrm>
+            <a:off x="666750" y="1190625"/>
+            <a:ext cx="7810500" cy="1034951"/>
+          </a:xfrm>
+          <a:prstGeom prst="rect">
+            <a:avLst/>
+          </a:prstGeom>
+        </p:spPr>
+      </p:pic>
+      <p:sp>
+        <p:nvSpPr>
+          <p:cNvPr id="4" name="Text 1"/>
+          <p:cNvSpPr/>
+          <p:nvPr/>
+        </p:nvSpPr>
+        <p:spPr>
+          <a:xfrm>
+            <a:off x="904875" y="1381125"/>
+            <a:ext cx="3750183" cy="253901"/>
+          </a:xfrm>
+          <a:prstGeom prst="rect">
+            <a:avLst/>
+          </a:prstGeom>
+          <a:noFill/>
+          <a:ln/>
+        </p:spPr>
+        <p:txBody>
+          <a:bodyPr wrap="square" lIns="0" tIns="0" rIns="0" bIns="0" rtlCol="0" anchor="t"/>
+          <a:lstStyle/>
+          <a:p>
+            <a:pPr marL="0" indent="0" algn="l">
+              <a:lnSpc>
+                <a:spcPts val="2000"/>
+              </a:lnSpc>
+              <a:spcAft>
+                <a:spcPts val="750"/>
+              </a:spcAft>
+              <a:buNone/>
+            </a:pPr>
+            <a:r>
+              <a:rPr lang="en-US" sz="1800" b="1" dirty="0">
+                <a:solidFill>
+                  <a:srgbClr val="FFFFFF"/>
+                </a:solidFill>
+                <a:latin typeface="Arial" pitchFamily="34" charset="0"/>
+                <a:ea typeface="Arial" pitchFamily="34" charset="-122"/>
+                <a:cs typeface="Arial" pitchFamily="34" charset="-120"/>
+              </a:rPr>
+              <a:t>Text Generation</a:t>
+            </a:r>
+            <a:endParaRPr lang="en-US" sz="1800" dirty="0"/>
+          </a:p>
+        </p:txBody>
+      </p:sp>
+      <p:sp>
+        <p:nvSpPr>
+          <p:cNvPr id="5" name="Text 2"/>
+          <p:cNvSpPr/>
+          <p:nvPr/>
+        </p:nvSpPr>
+        <p:spPr>
+          <a:xfrm>
+            <a:off x="904875" y="1730276"/>
+            <a:ext cx="7480935" cy="266700"/>
+          </a:xfrm>
+          <a:prstGeom prst="rect">
+            <a:avLst/>
+          </a:prstGeom>
+          <a:noFill/>
+          <a:ln/>
+        </p:spPr>
+        <p:txBody>
+          <a:bodyPr wrap="square" lIns="0" tIns="0" rIns="0" bIns="0" rtlCol="0" anchor="t"/>
+          <a:lstStyle/>
+          <a:p>
+            <a:pPr marL="0" indent="0" algn="l">
+              <a:lnSpc>
+                <a:spcPts val="2100"/>
+              </a:lnSpc>
+              <a:spcBef>
+                <a:spcPts val="300"/>
+              </a:spcBef>
+              <a:spcAft>
+                <a:spcPts val="300"/>
+              </a:spcAft>
+              <a:buNone/>
+            </a:pPr>
+            <a:r>
+              <a:rPr lang="en-US" sz="1500" dirty="0">
+                <a:solidFill>
+                  <a:srgbClr val="FFFFFF"/>
+                </a:solidFill>
+                <a:latin typeface="Arial" pitchFamily="34" charset="0"/>
+                <a:ea typeface="Arial" pitchFamily="34" charset="-122"/>
+                <a:cs typeface="Arial" pitchFamily="34" charset="-120"/>
+              </a:rPr>
+              <a:t>ChatGPT • Claude • Gemini • Llama</a:t>
+            </a:r>
+            <a:endParaRPr lang="en-US" sz="1500" dirty="0"/>
+          </a:p>
+        </p:txBody>
+      </p:sp>
+      <p:pic>
+        <p:nvPicPr>
+          <p:cNvPr id="6" name="Image 1" descr="/tmp/rasterized-gradient-5034d783.png"/>
+          <p:cNvPicPr>
+            <a:picLocks noChangeAspect="1"/>
+          </p:cNvPicPr>
+          <p:nvPr/>
+        </p:nvPicPr>
+        <p:blipFill>
+          <a:blip r:embed="rId4"/>
+          <a:stretch>
+            <a:fillRect/>
+          </a:stretch>
+        </p:blipFill>
+        <p:spPr>
+          <a:xfrm>
+            <a:off x="666750" y="2463701"/>
+            <a:ext cx="7810500" cy="1034951"/>
+          </a:xfrm>
+          <a:prstGeom prst="rect">
+            <a:avLst/>
+          </a:prstGeom>
+        </p:spPr>
+      </p:pic>
+      <p:sp>
+        <p:nvSpPr>
+          <p:cNvPr id="7" name="Text 3"/>
+          <p:cNvSpPr/>
+          <p:nvPr/>
+        </p:nvSpPr>
+        <p:spPr>
+          <a:xfrm>
+            <a:off x="904875" y="2654201"/>
+            <a:ext cx="3750183" cy="253901"/>
+          </a:xfrm>
+          <a:prstGeom prst="rect">
+            <a:avLst/>
+          </a:prstGeom>
+          <a:noFill/>
+          <a:ln/>
+        </p:spPr>
+        <p:txBody>
+          <a:bodyPr wrap="square" lIns="0" tIns="0" rIns="0" bIns="0" rtlCol="0" anchor="t"/>
+          <a:lstStyle/>
+          <a:p>
+            <a:pPr marL="0" indent="0" algn="l">
+              <a:lnSpc>
+                <a:spcPts val="2000"/>
+              </a:lnSpc>
+              <a:spcAft>
+                <a:spcPts val="750"/>
+              </a:spcAft>
+              <a:buNone/>
+            </a:pPr>
+            <a:r>
+              <a:rPr lang="en-US" sz="1800" b="1" dirty="0">
+                <a:solidFill>
+                  <a:srgbClr val="FFFFFF"/>
+                </a:solidFill>
+                <a:latin typeface="Arial" pitchFamily="34" charset="0"/>
+                <a:ea typeface="Arial" pitchFamily="34" charset="-122"/>
+                <a:cs typeface="Arial" pitchFamily="34" charset="-120"/>
+              </a:rPr>
+              <a:t>Image Creation</a:t>
+            </a:r>
+            <a:endParaRPr lang="en-US" sz="1800" dirty="0"/>
+          </a:p>
+        </p:txBody>
+      </p:sp>
+      <p:sp>
+        <p:nvSpPr>
+          <p:cNvPr id="8" name="Text 4"/>
+          <p:cNvSpPr/>
+          <p:nvPr/>
+        </p:nvSpPr>
+        <p:spPr>
+          <a:xfrm>
+            <a:off x="904875" y="3003352"/>
+            <a:ext cx="7480935" cy="266700"/>
+          </a:xfrm>
+          <a:prstGeom prst="rect">
+            <a:avLst/>
+          </a:prstGeom>
+          <a:noFill/>
+          <a:ln/>
+        </p:spPr>
+        <p:txBody>
+          <a:bodyPr wrap="square" lIns="0" tIns="0" rIns="0" bIns="0" rtlCol="0" anchor="t"/>
+          <a:lstStyle/>
+          <a:p>
+            <a:pPr marL="0" indent="0" algn="l">
+              <a:lnSpc>
+                <a:spcPts val="2100"/>
+              </a:lnSpc>
+              <a:spcBef>
+                <a:spcPts val="300"/>
+              </a:spcBef>
+              <a:spcAft>
+                <a:spcPts val="300"/>
+              </a:spcAft>
+              <a:buNone/>
+            </a:pPr>
+            <a:r>
+              <a:rPr lang="en-US" sz="1500" dirty="0">
+                <a:solidFill>
+                  <a:srgbClr val="FFFFFF"/>
+                </a:solidFill>
+                <a:latin typeface="Arial" pitchFamily="34" charset="0"/>
+                <a:ea typeface="Arial" pitchFamily="34" charset="-122"/>
+                <a:cs typeface="Arial" pitchFamily="34" charset="-120"/>
+              </a:rPr>
+              <a:t>DALL-E 3 • Midjourney • Stable Diffusion</a:t>
+            </a:r>
+            <a:endParaRPr lang="en-US" sz="1500" dirty="0"/>
+          </a:p>
+        </p:txBody>
+      </p:sp>
+      <p:pic>
+        <p:nvPicPr>
+          <p:cNvPr id="9" name="Image 2" descr="/tmp/rasterized-gradient-3228e783.png"/>
+          <p:cNvPicPr>
+            <a:picLocks noChangeAspect="1"/>
+          </p:cNvPicPr>
+          <p:nvPr/>
+        </p:nvPicPr>
+        <p:blipFill>
+          <a:blip r:embed="rId5"/>
+          <a:stretch>
+            <a:fillRect/>
+          </a:stretch>
+        </p:blipFill>
+        <p:spPr>
+          <a:xfrm>
             <a:off x="666750" y="3736777"/>
             <a:ext cx="7810500" cy="1034951"/>
           </a:xfrm>
@@ -4433,7 +4206,7 @@
           <a:bodyPr wrap="square" lIns="0" tIns="0" rIns="0" bIns="0" rtlCol="0" anchor="t"/>
           <a:lstStyle/>
           <a:p>
-            <a:pPr algn="l" indent="0" marL="0">
+            <a:pPr marL="0" indent="0" algn="l">
               <a:lnSpc>
                 <a:spcPts val="2000"/>
               </a:lnSpc>
@@ -4478,7 +4251,7 @@
           <a:bodyPr wrap="square" lIns="0" tIns="0" rIns="0" bIns="0" rtlCol="0" anchor="t"/>
           <a:lstStyle/>
           <a:p>
-            <a:pPr algn="l" indent="0" marL="0">
+            <a:pPr marL="0" indent="0" algn="l">
               <a:lnSpc>
                 <a:spcPts val="2100"/>
               </a:lnSpc>
@@ -4521,6 +4294,7 @@
         <a:solidFill>
           <a:srgbClr val="FFFFFF"/>
         </a:solidFill>
+        <a:effectLst/>
       </p:bgPr>
     </p:bg>
     <p:spTree>
@@ -4558,7 +4332,7 @@
           <a:bodyPr wrap="square" lIns="0" tIns="0" rIns="0" bIns="0" rtlCol="0" anchor="t"/>
           <a:lstStyle/>
           <a:p>
-            <a:pPr algn="ctr" indent="0" marL="0">
+            <a:pPr marL="0" indent="0" algn="ctr">
               <a:lnSpc>
                 <a:spcPts val="2850"/>
               </a:lnSpc>
@@ -4607,7 +4381,7 @@
           <a:bodyPr wrap="square" rtlCol="0" anchor="ctr"/>
           <a:lstStyle/>
           <a:p>
-            <a:pPr indent="0" marL="0">
+            <a:pPr marL="0" indent="0">
               <a:buNone/>
             </a:pPr>
             <a:endParaRPr lang="en-US" dirty="0"/>
@@ -4635,7 +4409,7 @@
           <a:bodyPr wrap="square" lIns="0" tIns="0" rIns="0" bIns="0" rtlCol="0" anchor="t"/>
           <a:lstStyle/>
           <a:p>
-            <a:pPr algn="ctr" indent="0" marL="0">
+            <a:pPr marL="0" indent="0" algn="ctr">
               <a:lnSpc>
                 <a:spcPts val="2000"/>
               </a:lnSpc>
@@ -4680,7 +4454,7 @@
           <a:bodyPr wrap="square" lIns="80963" tIns="0" rIns="0" bIns="0" rtlCol="0" anchor="t"/>
           <a:lstStyle/>
           <a:p>
-            <a:pPr algn="l" marL="80963" indent="-80963">
+            <a:pPr marL="80963" indent="-80963" algn="l">
               <a:lnSpc>
                 <a:spcPts val="2100"/>
               </a:lnSpc>
@@ -4701,15 +4475,6 @@
               </a:rPr>
               <a:t>Purpose:</a:t>
             </a:r>
-            <a:pPr algn="l" indent="0" marL="0">
-              <a:lnSpc>
-                <a:spcPts val="2100"/>
-              </a:lnSpc>
-              <a:spcAft>
-                <a:spcPts val="675"/>
-              </a:spcAft>
-              <a:buNone/>
-            </a:pPr>
             <a:r>
               <a:rPr lang="en-US" sz="1350" dirty="0">
                 <a:solidFill>
@@ -4724,7 +4489,7 @@
             <a:endParaRPr lang="en-US" sz="1350" dirty="0"/>
           </a:p>
           <a:p>
-            <a:pPr algn="l" marL="80963" indent="-80963">
+            <a:pPr marL="80963" indent="-80963" algn="l">
               <a:lnSpc>
                 <a:spcPts val="2100"/>
               </a:lnSpc>
@@ -4745,15 +4510,6 @@
               </a:rPr>
               <a:t>Output:</a:t>
             </a:r>
-            <a:pPr algn="l" indent="0" marL="0">
-              <a:lnSpc>
-                <a:spcPts val="2100"/>
-              </a:lnSpc>
-              <a:spcAft>
-                <a:spcPts val="675"/>
-              </a:spcAft>
-              <a:buNone/>
-            </a:pPr>
             <a:r>
               <a:rPr lang="en-US" sz="1350" dirty="0">
                 <a:solidFill>
@@ -4768,7 +4524,7 @@
             <a:endParaRPr lang="en-US" sz="1350" dirty="0"/>
           </a:p>
           <a:p>
-            <a:pPr algn="l" marL="80963" indent="-80963">
+            <a:pPr marL="80963" indent="-80963" algn="l">
               <a:lnSpc>
                 <a:spcPts val="2100"/>
               </a:lnSpc>
@@ -4789,15 +4545,6 @@
               </a:rPr>
               <a:t>Examples:</a:t>
             </a:r>
-            <a:pPr algn="l" indent="0" marL="0">
-              <a:lnSpc>
-                <a:spcPts val="2100"/>
-              </a:lnSpc>
-              <a:spcAft>
-                <a:spcPts val="675"/>
-              </a:spcAft>
-              <a:buNone/>
-            </a:pPr>
             <a:r>
               <a:rPr lang="en-US" sz="1350" dirty="0">
                 <a:solidFill>
@@ -4812,7 +4559,7 @@
             <a:endParaRPr lang="en-US" sz="1350" dirty="0"/>
           </a:p>
           <a:p>
-            <a:pPr algn="l" marL="80963" indent="-80963">
+            <a:pPr marL="80963" indent="-80963" algn="l">
               <a:lnSpc>
                 <a:spcPts val="2100"/>
               </a:lnSpc>
@@ -4833,15 +4580,6 @@
               </a:rPr>
               <a:t>Strength:</a:t>
             </a:r>
-            <a:pPr algn="l" indent="0" marL="0">
-              <a:lnSpc>
-                <a:spcPts val="2100"/>
-              </a:lnSpc>
-              <a:spcAft>
-                <a:spcPts val="675"/>
-              </a:spcAft>
-              <a:buNone/>
-            </a:pPr>
             <a:r>
               <a:rPr lang="en-US" sz="1350" dirty="0">
                 <a:solidFill>
@@ -4882,7 +4620,7 @@
           <a:bodyPr wrap="square" rtlCol="0" anchor="ctr"/>
           <a:lstStyle/>
           <a:p>
-            <a:pPr indent="0" marL="0">
+            <a:pPr marL="0" indent="0">
               <a:buNone/>
             </a:pPr>
             <a:endParaRPr lang="en-US" dirty="0"/>
@@ -4910,7 +4648,7 @@
           <a:bodyPr wrap="square" lIns="0" tIns="0" rIns="0" bIns="0" rtlCol="0" anchor="t"/>
           <a:lstStyle/>
           <a:p>
-            <a:pPr algn="ctr" indent="0" marL="0">
+            <a:pPr marL="0" indent="0" algn="ctr">
               <a:lnSpc>
                 <a:spcPts val="2000"/>
               </a:lnSpc>
@@ -4955,7 +4693,7 @@
           <a:bodyPr wrap="square" lIns="80963" tIns="0" rIns="0" bIns="0" rtlCol="0" anchor="t"/>
           <a:lstStyle/>
           <a:p>
-            <a:pPr algn="l" marL="80963" indent="-80963">
+            <a:pPr marL="80963" indent="-80963" algn="l">
               <a:lnSpc>
                 <a:spcPts val="2100"/>
               </a:lnSpc>
@@ -4976,15 +4714,6 @@
               </a:rPr>
               <a:t>Purpose:</a:t>
             </a:r>
-            <a:pPr algn="l" indent="0" marL="0">
-              <a:lnSpc>
-                <a:spcPts val="2100"/>
-              </a:lnSpc>
-              <a:spcAft>
-                <a:spcPts val="675"/>
-              </a:spcAft>
-              <a:buNone/>
-            </a:pPr>
             <a:r>
               <a:rPr lang="en-US" sz="1350" dirty="0">
                 <a:solidFill>
@@ -4999,7 +4728,7 @@
             <a:endParaRPr lang="en-US" sz="1350" dirty="0"/>
           </a:p>
           <a:p>
-            <a:pPr algn="l" marL="80963" indent="-80963">
+            <a:pPr marL="80963" indent="-80963" algn="l">
               <a:lnSpc>
                 <a:spcPts val="2100"/>
               </a:lnSpc>
@@ -5020,15 +4749,6 @@
               </a:rPr>
               <a:t>Output:</a:t>
             </a:r>
-            <a:pPr algn="l" indent="0" marL="0">
-              <a:lnSpc>
-                <a:spcPts val="2100"/>
-              </a:lnSpc>
-              <a:spcAft>
-                <a:spcPts val="675"/>
-              </a:spcAft>
-              <a:buNone/>
-            </a:pPr>
             <a:r>
               <a:rPr lang="en-US" sz="1350" dirty="0">
                 <a:solidFill>
@@ -5043,7 +4763,7 @@
             <a:endParaRPr lang="en-US" sz="1350" dirty="0"/>
           </a:p>
           <a:p>
-            <a:pPr algn="l" marL="80963" indent="-80963">
+            <a:pPr marL="80963" indent="-80963" algn="l">
               <a:lnSpc>
                 <a:spcPts val="2100"/>
               </a:lnSpc>
@@ -5064,15 +4784,6 @@
               </a:rPr>
               <a:t>Examples:</a:t>
             </a:r>
-            <a:pPr algn="l" indent="0" marL="0">
-              <a:lnSpc>
-                <a:spcPts val="2100"/>
-              </a:lnSpc>
-              <a:spcAft>
-                <a:spcPts val="675"/>
-              </a:spcAft>
-              <a:buNone/>
-            </a:pPr>
             <a:r>
               <a:rPr lang="en-US" sz="1350" dirty="0">
                 <a:solidFill>
@@ -5087,7 +4798,7 @@
             <a:endParaRPr lang="en-US" sz="1350" dirty="0"/>
           </a:p>
           <a:p>
-            <a:pPr algn="l" marL="80963" indent="-80963">
+            <a:pPr marL="80963" indent="-80963" algn="l">
               <a:lnSpc>
                 <a:spcPts val="2100"/>
               </a:lnSpc>
@@ -5108,15 +4819,6 @@
               </a:rPr>
               <a:t>Strength:</a:t>
             </a:r>
-            <a:pPr algn="l" indent="0" marL="0">
-              <a:lnSpc>
-                <a:spcPts val="2100"/>
-              </a:lnSpc>
-              <a:spcAft>
-                <a:spcPts val="675"/>
-              </a:spcAft>
-              <a:buNone/>
-            </a:pPr>
             <a:r>
               <a:rPr lang="en-US" sz="1350" dirty="0">
                 <a:solidFill>
@@ -5148,6 +4850,7 @@
         <a:solidFill>
           <a:srgbClr val="FFFFFF"/>
         </a:solidFill>
+        <a:effectLst/>
       </p:bgPr>
     </p:bg>
     <p:spTree>
@@ -5185,7 +4888,7 @@
           <a:bodyPr wrap="square" lIns="0" tIns="0" rIns="0" bIns="0" rtlCol="0" anchor="t"/>
           <a:lstStyle/>
           <a:p>
-            <a:pPr algn="l" indent="0" marL="0">
+            <a:pPr marL="0" indent="0" algn="l">
               <a:lnSpc>
                 <a:spcPts val="3000"/>
               </a:lnSpc>
@@ -5230,7 +4933,7 @@
           <a:bodyPr wrap="square" lIns="0" tIns="0" rIns="0" bIns="0" rtlCol="0" anchor="t"/>
           <a:lstStyle/>
           <a:p>
-            <a:pPr algn="l" indent="0" marL="0">
+            <a:pPr marL="0" indent="0" algn="l">
               <a:lnSpc>
                 <a:spcPts val="2333"/>
               </a:lnSpc>
@@ -5275,7 +4978,7 @@
           <a:bodyPr wrap="square" lIns="85725" tIns="0" rIns="0" bIns="0" rtlCol="0" anchor="t"/>
           <a:lstStyle/>
           <a:p>
-            <a:pPr algn="l" marL="85725" indent="-85725">
+            <a:pPr marL="85725" indent="-85725" algn="l">
               <a:lnSpc>
                 <a:spcPts val="2333"/>
               </a:lnSpc>
@@ -5299,7 +5002,7 @@
             <a:endParaRPr lang="en-US" sz="1500" dirty="0"/>
           </a:p>
           <a:p>
-            <a:pPr algn="l" marL="85725" indent="-85725">
+            <a:pPr marL="85725" indent="-85725" algn="l">
               <a:lnSpc>
                 <a:spcPts val="2333"/>
               </a:lnSpc>
@@ -5323,7 +5026,7 @@
             <a:endParaRPr lang="en-US" sz="1500" dirty="0"/>
           </a:p>
           <a:p>
-            <a:pPr algn="l" marL="85725" indent="-85725">
+            <a:pPr marL="85725" indent="-85725" algn="l">
               <a:lnSpc>
                 <a:spcPts val="2333"/>
               </a:lnSpc>
@@ -5347,7 +5050,7 @@
             <a:endParaRPr lang="en-US" sz="1500" dirty="0"/>
           </a:p>
           <a:p>
-            <a:pPr algn="l" marL="85725" indent="-85725">
+            <a:pPr marL="85725" indent="-85725" algn="l">
               <a:lnSpc>
                 <a:spcPts val="2333"/>
               </a:lnSpc>
@@ -5371,7 +5074,7 @@
             <a:endParaRPr lang="en-US" sz="1500" dirty="0"/>
           </a:p>
           <a:p>
-            <a:pPr algn="l" marL="85725" indent="-85725">
+            <a:pPr marL="85725" indent="-85725" algn="l">
               <a:lnSpc>
                 <a:spcPts val="2333"/>
               </a:lnSpc>
@@ -5417,7 +5120,7 @@
           <a:bodyPr wrap="square" lIns="0" tIns="0" rIns="0" bIns="0" rtlCol="0" anchor="t"/>
           <a:lstStyle/>
           <a:p>
-            <a:pPr algn="l" indent="0" marL="0">
+            <a:pPr marL="0" indent="0" algn="l">
               <a:lnSpc>
                 <a:spcPts val="2333"/>
               </a:lnSpc>
@@ -5462,7 +5165,7 @@
           <a:bodyPr wrap="square" lIns="85725" tIns="0" rIns="0" bIns="0" rtlCol="0" anchor="t"/>
           <a:lstStyle/>
           <a:p>
-            <a:pPr algn="l" marL="85725" indent="-85725">
+            <a:pPr marL="85725" indent="-85725" algn="l">
               <a:lnSpc>
                 <a:spcPts val="2333"/>
               </a:lnSpc>
@@ -5483,15 +5186,6 @@
               </a:rPr>
               <a:t>GPT-5</a:t>
             </a:r>
-            <a:pPr algn="l" indent="0" marL="0">
-              <a:lnSpc>
-                <a:spcPts val="2333"/>
-              </a:lnSpc>
-              <a:spcAft>
-                <a:spcPts val="900"/>
-              </a:spcAft>
-              <a:buNone/>
-            </a:pPr>
             <a:r>
               <a:rPr lang="en-US" sz="1500" dirty="0">
                 <a:solidFill>
@@ -5506,7 +5200,7 @@
             <a:endParaRPr lang="en-US" sz="1500" dirty="0"/>
           </a:p>
           <a:p>
-            <a:pPr algn="l" marL="85725" indent="-85725">
+            <a:pPr marL="85725" indent="-85725" algn="l">
               <a:lnSpc>
                 <a:spcPts val="2333"/>
               </a:lnSpc>
@@ -5527,15 +5221,6 @@
               </a:rPr>
               <a:t>Claude</a:t>
             </a:r>
-            <a:pPr algn="l" indent="0" marL="0">
-              <a:lnSpc>
-                <a:spcPts val="2333"/>
-              </a:lnSpc>
-              <a:spcAft>
-                <a:spcPts val="900"/>
-              </a:spcAft>
-              <a:buNone/>
-            </a:pPr>
             <a:r>
               <a:rPr lang="en-US" sz="1500" dirty="0">
                 <a:solidFill>
@@ -5550,7 +5235,7 @@
             <a:endParaRPr lang="en-US" sz="1500" dirty="0"/>
           </a:p>
           <a:p>
-            <a:pPr algn="l" marL="85725" indent="-85725">
+            <a:pPr marL="85725" indent="-85725" algn="l">
               <a:lnSpc>
                 <a:spcPts val="2333"/>
               </a:lnSpc>
@@ -5571,15 +5256,6 @@
               </a:rPr>
               <a:t>Gemini</a:t>
             </a:r>
-            <a:pPr algn="l" indent="0" marL="0">
-              <a:lnSpc>
-                <a:spcPts val="2333"/>
-              </a:lnSpc>
-              <a:spcAft>
-                <a:spcPts val="900"/>
-              </a:spcAft>
-              <a:buNone/>
-            </a:pPr>
             <a:r>
               <a:rPr lang="en-US" sz="1500" dirty="0">
                 <a:solidFill>
@@ -5594,7 +5270,7 @@
             <a:endParaRPr lang="en-US" sz="1500" dirty="0"/>
           </a:p>
           <a:p>
-            <a:pPr algn="l" marL="85725" indent="-85725">
+            <a:pPr marL="85725" indent="-85725" algn="l">
               <a:lnSpc>
                 <a:spcPts val="2333"/>
               </a:lnSpc>
@@ -5615,15 +5291,6 @@
               </a:rPr>
               <a:t>Llama</a:t>
             </a:r>
-            <a:pPr algn="l" indent="0" marL="0">
-              <a:lnSpc>
-                <a:spcPts val="2333"/>
-              </a:lnSpc>
-              <a:spcAft>
-                <a:spcPts val="900"/>
-              </a:spcAft>
-              <a:buNone/>
-            </a:pPr>
             <a:r>
               <a:rPr lang="en-US" sz="1500" dirty="0">
                 <a:solidFill>
@@ -5638,7 +5305,7 @@
             <a:endParaRPr lang="en-US" sz="1500" dirty="0"/>
           </a:p>
           <a:p>
-            <a:pPr algn="l" marL="85725" indent="-85725">
+            <a:pPr marL="85725" indent="-85725" algn="l">
               <a:lnSpc>
                 <a:spcPts val="2333"/>
               </a:lnSpc>
@@ -5659,15 +5326,6 @@
               </a:rPr>
               <a:t>Mistral</a:t>
             </a:r>
-            <a:pPr algn="l" indent="0" marL="0">
-              <a:lnSpc>
-                <a:spcPts val="2333"/>
-              </a:lnSpc>
-              <a:spcAft>
-                <a:spcPts val="900"/>
-              </a:spcAft>
-              <a:buNone/>
-            </a:pPr>
             <a:r>
               <a:rPr lang="en-US" sz="1500" dirty="0">
                 <a:solidFill>
@@ -5699,6 +5357,7 @@
         <a:solidFill>
           <a:srgbClr val="FFFFFF"/>
         </a:solidFill>
+        <a:effectLst/>
       </p:bgPr>
     </p:bg>
     <p:spTree>
@@ -5736,7 +5395,7 @@
           <a:bodyPr wrap="square" lIns="0" tIns="0" rIns="0" bIns="0" rtlCol="0" anchor="t"/>
           <a:lstStyle/>
           <a:p>
-            <a:pPr algn="ctr" indent="0" marL="0">
+            <a:pPr marL="0" indent="0" algn="ctr">
               <a:lnSpc>
                 <a:spcPts val="2700"/>
               </a:lnSpc>
@@ -5787,7 +5446,7 @@
           <a:bodyPr wrap="square" rtlCol="0" anchor="ctr"/>
           <a:lstStyle/>
           <a:p>
-            <a:pPr indent="0" marL="0">
+            <a:pPr marL="0" indent="0">
               <a:buNone/>
             </a:pPr>
             <a:endParaRPr lang="en-US" dirty="0"/>
@@ -5816,6 +5475,13 @@
             <a:prstDash val="solid"/>
           </a:ln>
         </p:spPr>
+        <p:txBody>
+          <a:bodyPr/>
+          <a:lstStyle/>
+          <a:p>
+            <a:endParaRPr lang="en-PK"/>
+          </a:p>
+        </p:txBody>
       </p:sp>
       <p:sp>
         <p:nvSpPr>
@@ -5838,7 +5504,7 @@
           <a:bodyPr wrap="square" lIns="0" tIns="0" rIns="0" bIns="0" rtlCol="0" anchor="t"/>
           <a:lstStyle/>
           <a:p>
-            <a:pPr algn="l" indent="0" marL="0">
+            <a:pPr marL="0" indent="0" algn="l">
               <a:lnSpc>
                 <a:spcPts val="2000"/>
               </a:lnSpc>
@@ -5883,7 +5549,7 @@
           <a:bodyPr wrap="square" lIns="80963" tIns="0" rIns="0" bIns="0" rtlCol="0" anchor="t"/>
           <a:lstStyle/>
           <a:p>
-            <a:pPr algn="l" marL="80963" indent="-80963">
+            <a:pPr marL="80963" indent="-80963" algn="l">
               <a:lnSpc>
                 <a:spcPts val="2100"/>
               </a:lnSpc>
@@ -5907,7 +5573,7 @@
             <a:endParaRPr lang="en-US" sz="1350" dirty="0"/>
           </a:p>
           <a:p>
-            <a:pPr algn="l" marL="80963" indent="-80963">
+            <a:pPr marL="80963" indent="-80963" algn="l">
               <a:lnSpc>
                 <a:spcPts val="2100"/>
               </a:lnSpc>
@@ -5931,7 +5597,7 @@
             <a:endParaRPr lang="en-US" sz="1350" dirty="0"/>
           </a:p>
           <a:p>
-            <a:pPr algn="l" marL="80963" indent="-80963">
+            <a:pPr marL="80963" indent="-80963" algn="l">
               <a:lnSpc>
                 <a:spcPts val="2100"/>
               </a:lnSpc>
@@ -5955,7 +5621,7 @@
             <a:endParaRPr lang="en-US" sz="1350" dirty="0"/>
           </a:p>
           <a:p>
-            <a:pPr algn="l" marL="80963" indent="-80963">
+            <a:pPr marL="80963" indent="-80963" algn="l">
               <a:lnSpc>
                 <a:spcPts val="2100"/>
               </a:lnSpc>
@@ -6007,7 +5673,7 @@
           <a:bodyPr wrap="square" rtlCol="0" anchor="ctr"/>
           <a:lstStyle/>
           <a:p>
-            <a:pPr indent="0" marL="0">
+            <a:pPr marL="0" indent="0">
               <a:buNone/>
             </a:pPr>
             <a:endParaRPr lang="en-US" dirty="0"/>
@@ -6036,6 +5702,13 @@
             <a:prstDash val="solid"/>
           </a:ln>
         </p:spPr>
+        <p:txBody>
+          <a:bodyPr/>
+          <a:lstStyle/>
+          <a:p>
+            <a:endParaRPr lang="en-PK"/>
+          </a:p>
+        </p:txBody>
       </p:sp>
       <p:sp>
         <p:nvSpPr>
@@ -6058,7 +5731,7 @@
           <a:bodyPr wrap="square" lIns="0" tIns="0" rIns="0" bIns="0" rtlCol="0" anchor="t"/>
           <a:lstStyle/>
           <a:p>
-            <a:pPr algn="l" indent="0" marL="0">
+            <a:pPr marL="0" indent="0" algn="l">
               <a:lnSpc>
                 <a:spcPts val="2000"/>
               </a:lnSpc>
@@ -6103,7 +5776,7 @@
           <a:bodyPr wrap="square" lIns="80963" tIns="0" rIns="0" bIns="0" rtlCol="0" anchor="t"/>
           <a:lstStyle/>
           <a:p>
-            <a:pPr algn="l" marL="80963" indent="-80963">
+            <a:pPr marL="80963" indent="-80963" algn="l">
               <a:lnSpc>
                 <a:spcPts val="2100"/>
               </a:lnSpc>
@@ -6127,7 +5800,7 @@
             <a:endParaRPr lang="en-US" sz="1350" dirty="0"/>
           </a:p>
           <a:p>
-            <a:pPr algn="l" marL="80963" indent="-80963">
+            <a:pPr marL="80963" indent="-80963" algn="l">
               <a:lnSpc>
                 <a:spcPts val="2100"/>
               </a:lnSpc>
@@ -6151,7 +5824,7 @@
             <a:endParaRPr lang="en-US" sz="1350" dirty="0"/>
           </a:p>
           <a:p>
-            <a:pPr algn="l" marL="80963" indent="-80963">
+            <a:pPr marL="80963" indent="-80963" algn="l">
               <a:lnSpc>
                 <a:spcPts val="2100"/>
               </a:lnSpc>
@@ -6175,7 +5848,7 @@
             <a:endParaRPr lang="en-US" sz="1350" dirty="0"/>
           </a:p>
           <a:p>
-            <a:pPr algn="l" marL="80963" indent="-80963">
+            <a:pPr marL="80963" indent="-80963" algn="l">
               <a:lnSpc>
                 <a:spcPts val="2100"/>
               </a:lnSpc>
@@ -6221,7 +5894,7 @@
           <a:bodyPr wrap="square" lIns="0" tIns="0" rIns="0" bIns="0" rtlCol="0" anchor="t"/>
           <a:lstStyle/>
           <a:p>
-            <a:pPr algn="ctr" indent="0" marL="0">
+            <a:pPr marL="0" indent="0" algn="ctr">
               <a:lnSpc>
                 <a:spcPts val="2100"/>
               </a:lnSpc>
@@ -6264,6 +5937,7 @@
         <a:solidFill>
           <a:srgbClr val="FFFFFF"/>
         </a:solidFill>
+        <a:effectLst/>
       </p:bgPr>
     </p:bg>
     <p:spTree>
@@ -6301,7 +5975,7 @@
           <a:bodyPr wrap="square" lIns="0" tIns="0" rIns="0" bIns="0" rtlCol="0" anchor="t"/>
           <a:lstStyle/>
           <a:p>
-            <a:pPr algn="ctr" indent="0" marL="0">
+            <a:pPr marL="0" indent="0" algn="ctr">
               <a:lnSpc>
                 <a:spcPts val="2850"/>
               </a:lnSpc>
@@ -6346,7 +6020,7 @@
           <a:bodyPr wrap="square" lIns="0" tIns="0" rIns="0" bIns="0" rtlCol="0" anchor="t"/>
           <a:lstStyle/>
           <a:p>
-            <a:pPr algn="l" indent="0" marL="0">
+            <a:pPr marL="0" indent="0" algn="l">
               <a:lnSpc>
                 <a:spcPts val="2167"/>
               </a:lnSpc>
@@ -6391,7 +6065,7 @@
           <a:bodyPr wrap="square" lIns="90488" tIns="0" rIns="0" bIns="0" rtlCol="0" anchor="t"/>
           <a:lstStyle/>
           <a:p>
-            <a:pPr algn="l" marL="90488" indent="-90488">
+            <a:pPr marL="90488" indent="-90488" algn="l">
               <a:lnSpc>
                 <a:spcPts val="2100"/>
               </a:lnSpc>
@@ -6415,7 +6089,7 @@
             <a:endParaRPr lang="en-US" sz="1350" dirty="0"/>
           </a:p>
           <a:p>
-            <a:pPr algn="l" marL="90488" indent="-90488">
+            <a:pPr marL="90488" indent="-90488" algn="l">
               <a:lnSpc>
                 <a:spcPts val="2100"/>
               </a:lnSpc>
@@ -6439,7 +6113,7 @@
             <a:endParaRPr lang="en-US" sz="1350" dirty="0"/>
           </a:p>
           <a:p>
-            <a:pPr algn="l" marL="90488" indent="-90488">
+            <a:pPr marL="90488" indent="-90488" algn="l">
               <a:lnSpc>
                 <a:spcPts val="2100"/>
               </a:lnSpc>
@@ -6463,7 +6137,7 @@
             <a:endParaRPr lang="en-US" sz="1350" dirty="0"/>
           </a:p>
           <a:p>
-            <a:pPr algn="l" marL="90488" indent="-90488">
+            <a:pPr marL="90488" indent="-90488" algn="l">
               <a:lnSpc>
                 <a:spcPts val="2100"/>
               </a:lnSpc>
@@ -6487,7 +6161,7 @@
             <a:endParaRPr lang="en-US" sz="1350" dirty="0"/>
           </a:p>
           <a:p>
-            <a:pPr algn="l" marL="90488" indent="-90488">
+            <a:pPr marL="90488" indent="-90488" algn="l">
               <a:lnSpc>
                 <a:spcPts val="2100"/>
               </a:lnSpc>
@@ -6533,7 +6207,7 @@
           <a:bodyPr wrap="square" lIns="0" tIns="0" rIns="0" bIns="0" rtlCol="0" anchor="t"/>
           <a:lstStyle/>
           <a:p>
-            <a:pPr algn="l" indent="0" marL="0">
+            <a:pPr marL="0" indent="0" algn="l">
               <a:lnSpc>
                 <a:spcPts val="2167"/>
               </a:lnSpc>
@@ -6578,7 +6252,7 @@
           <a:bodyPr wrap="square" lIns="90488" tIns="0" rIns="0" bIns="0" rtlCol="0" anchor="t"/>
           <a:lstStyle/>
           <a:p>
-            <a:pPr algn="l" marL="90488" indent="-90488">
+            <a:pPr marL="90488" indent="-90488" algn="l">
               <a:lnSpc>
                 <a:spcPts val="2100"/>
               </a:lnSpc>
@@ -6602,7 +6276,7 @@
             <a:endParaRPr lang="en-US" sz="1350" dirty="0"/>
           </a:p>
           <a:p>
-            <a:pPr algn="l" marL="90488" indent="-90488">
+            <a:pPr marL="90488" indent="-90488" algn="l">
               <a:lnSpc>
                 <a:spcPts val="2100"/>
               </a:lnSpc>
@@ -6626,7 +6300,7 @@
             <a:endParaRPr lang="en-US" sz="1350" dirty="0"/>
           </a:p>
           <a:p>
-            <a:pPr algn="l" marL="90488" indent="-90488">
+            <a:pPr marL="90488" indent="-90488" algn="l">
               <a:lnSpc>
                 <a:spcPts val="2100"/>
               </a:lnSpc>
@@ -6650,7 +6324,7 @@
             <a:endParaRPr lang="en-US" sz="1350" dirty="0"/>
           </a:p>
           <a:p>
-            <a:pPr algn="l" marL="90488" indent="-90488">
+            <a:pPr marL="90488" indent="-90488" algn="l">
               <a:lnSpc>
                 <a:spcPts val="2100"/>
               </a:lnSpc>
@@ -6674,7 +6348,7 @@
             <a:endParaRPr lang="en-US" sz="1350" dirty="0"/>
           </a:p>
           <a:p>
-            <a:pPr algn="l" marL="90488" indent="-90488">
+            <a:pPr marL="90488" indent="-90488" algn="l">
               <a:lnSpc>
                 <a:spcPts val="2100"/>
               </a:lnSpc>
@@ -6701,14 +6375,14 @@
       </p:sp>
       <p:pic>
         <p:nvPicPr>
-          <p:cNvPr id="7" name="Image 0" descr="/tmp/rasterized-gradient-f5d025ea.png">    </p:cNvPr>
+          <p:cNvPr id="7" name="Image 0" descr="/tmp/rasterized-gradient-f5d025ea.png"/>
           <p:cNvPicPr>
             <a:picLocks noChangeAspect="1"/>
           </p:cNvPicPr>
           <p:nvPr/>
         </p:nvPicPr>
         <p:blipFill>
-          <a:blip r:embed="rId1"/>
+          <a:blip r:embed="rId3"/>
           <a:stretch>
             <a:fillRect/>
           </a:stretch>
@@ -6744,7 +6418,7 @@
           <a:bodyPr wrap="square" lIns="0" tIns="0" rIns="0" bIns="0" rtlCol="0" anchor="t"/>
           <a:lstStyle/>
           <a:p>
-            <a:pPr algn="ctr" indent="0" marL="0">
+            <a:pPr marL="0" indent="0" algn="ctr">
               <a:lnSpc>
                 <a:spcPts val="2310"/>
               </a:lnSpc>
@@ -6787,6 +6461,7 @@
         <a:solidFill>
           <a:srgbClr val="FFFFFF"/>
         </a:solidFill>
+        <a:effectLst/>
       </p:bgPr>
     </p:bg>
     <p:spTree>
@@ -6824,7 +6499,7 @@
           <a:bodyPr wrap="square" lIns="0" tIns="0" rIns="0" bIns="0" rtlCol="0" anchor="t"/>
           <a:lstStyle/>
           <a:p>
-            <a:pPr algn="l" indent="0" marL="0">
+            <a:pPr marL="0" indent="0" algn="l">
               <a:lnSpc>
                 <a:spcPts val="3000"/>
               </a:lnSpc>
@@ -6875,7 +6550,7 @@
           <a:bodyPr wrap="square" rtlCol="0" anchor="ctr"/>
           <a:lstStyle/>
           <a:p>
-            <a:pPr indent="0" marL="0">
+            <a:pPr marL="0" indent="0">
               <a:buNone/>
             </a:pPr>
             <a:endParaRPr lang="en-US" dirty="0"/>
@@ -6904,6 +6579,13 @@
             <a:prstDash val="solid"/>
           </a:ln>
         </p:spPr>
+        <p:txBody>
+          <a:bodyPr/>
+          <a:lstStyle/>
+          <a:p>
+            <a:endParaRPr lang="en-PK"/>
+          </a:p>
+        </p:txBody>
       </p:sp>
       <p:sp>
         <p:nvSpPr>
@@ -6926,7 +6608,7 @@
           <a:bodyPr wrap="square" lIns="0" tIns="0" rIns="0" bIns="0" rtlCol="0" anchor="t"/>
           <a:lstStyle/>
           <a:p>
-            <a:pPr algn="l" indent="0" marL="0">
+            <a:pPr marL="0" indent="0" algn="l">
               <a:lnSpc>
                 <a:spcPts val="2333"/>
               </a:lnSpc>
@@ -6971,7 +6653,7 @@
           <a:bodyPr wrap="square" lIns="95250" tIns="0" rIns="0" bIns="0" rtlCol="0" anchor="t"/>
           <a:lstStyle/>
           <a:p>
-            <a:pPr algn="l" marL="95250" indent="-95250">
+            <a:pPr marL="95250" indent="-95250" algn="l">
               <a:lnSpc>
                 <a:spcPts val="2100"/>
               </a:lnSpc>
@@ -6995,7 +6677,7 @@
             <a:endParaRPr lang="en-US" sz="1350" dirty="0"/>
           </a:p>
           <a:p>
-            <a:pPr algn="l" marL="95250" indent="-95250">
+            <a:pPr marL="95250" indent="-95250" algn="l">
               <a:lnSpc>
                 <a:spcPts val="2100"/>
               </a:lnSpc>
@@ -7019,7 +6701,7 @@
             <a:endParaRPr lang="en-US" sz="1350" dirty="0"/>
           </a:p>
           <a:p>
-            <a:pPr algn="l" marL="95250" indent="-95250">
+            <a:pPr marL="95250" indent="-95250" algn="l">
               <a:lnSpc>
                 <a:spcPts val="2100"/>
               </a:lnSpc>
@@ -7043,7 +6725,7 @@
             <a:endParaRPr lang="en-US" sz="1350" dirty="0"/>
           </a:p>
           <a:p>
-            <a:pPr algn="l" marL="95250" indent="-95250">
+            <a:pPr marL="95250" indent="-95250" algn="l">
               <a:lnSpc>
                 <a:spcPts val="2100"/>
               </a:lnSpc>
@@ -7067,7 +6749,7 @@
             <a:endParaRPr lang="en-US" sz="1350" dirty="0"/>
           </a:p>
           <a:p>
-            <a:pPr algn="l" marL="95250" indent="-95250">
+            <a:pPr marL="95250" indent="-95250" algn="l">
               <a:lnSpc>
                 <a:spcPts val="2100"/>
               </a:lnSpc>
@@ -7119,7 +6801,7 @@
           <a:bodyPr wrap="square" rtlCol="0" anchor="ctr"/>
           <a:lstStyle/>
           <a:p>
-            <a:pPr indent="0" marL="0">
+            <a:pPr marL="0" indent="0">
               <a:buNone/>
             </a:pPr>
             <a:endParaRPr lang="en-US" dirty="0"/>
@@ -7148,6 +6830,13 @@
             <a:prstDash val="solid"/>
           </a:ln>
         </p:spPr>
+        <p:txBody>
+          <a:bodyPr/>
+          <a:lstStyle/>
+          <a:p>
+            <a:endParaRPr lang="en-PK"/>
+          </a:p>
+        </p:txBody>
       </p:sp>
       <p:sp>
         <p:nvSpPr>
@@ -7170,7 +6859,7 @@
           <a:bodyPr wrap="square" lIns="0" tIns="0" rIns="0" bIns="0" rtlCol="0" anchor="t"/>
           <a:lstStyle/>
           <a:p>
-            <a:pPr algn="l" indent="0" marL="0">
+            <a:pPr marL="0" indent="0" algn="l">
               <a:lnSpc>
                 <a:spcPts val="2333"/>
               </a:lnSpc>
@@ -7215,7 +6904,7 @@
           <a:bodyPr wrap="square" lIns="95250" tIns="0" rIns="0" bIns="0" rtlCol="0" anchor="t"/>
           <a:lstStyle/>
           <a:p>
-            <a:pPr algn="l" marL="95250" indent="-95250">
+            <a:pPr marL="95250" indent="-95250" algn="l">
               <a:lnSpc>
                 <a:spcPts val="2100"/>
               </a:lnSpc>
@@ -7239,7 +6928,7 @@
             <a:endParaRPr lang="en-US" sz="1350" dirty="0"/>
           </a:p>
           <a:p>
-            <a:pPr algn="l" marL="95250" indent="-95250">
+            <a:pPr marL="95250" indent="-95250" algn="l">
               <a:lnSpc>
                 <a:spcPts val="2100"/>
               </a:lnSpc>
@@ -7263,7 +6952,7 @@
             <a:endParaRPr lang="en-US" sz="1350" dirty="0"/>
           </a:p>
           <a:p>
-            <a:pPr algn="l" marL="95250" indent="-95250">
+            <a:pPr marL="95250" indent="-95250" algn="l">
               <a:lnSpc>
                 <a:spcPts val="2100"/>
               </a:lnSpc>
@@ -7287,7 +6976,7 @@
             <a:endParaRPr lang="en-US" sz="1350" dirty="0"/>
           </a:p>
           <a:p>
-            <a:pPr algn="l" marL="95250" indent="-95250">
+            <a:pPr marL="95250" indent="-95250" algn="l">
               <a:lnSpc>
                 <a:spcPts val="2100"/>
               </a:lnSpc>
@@ -7311,7 +7000,7 @@
             <a:endParaRPr lang="en-US" sz="1350" dirty="0"/>
           </a:p>
           <a:p>
-            <a:pPr algn="l" marL="95250" indent="-95250">
+            <a:pPr marL="95250" indent="-95250" algn="l">
               <a:lnSpc>
                 <a:spcPts val="2100"/>
               </a:lnSpc>
@@ -7352,6 +7041,7 @@
         <a:solidFill>
           <a:srgbClr val="FFFFFF"/>
         </a:solidFill>
+        <a:effectLst/>
       </p:bgPr>
     </p:bg>
     <p:spTree>
@@ -7389,7 +7079,7 @@
           <a:bodyPr wrap="square" lIns="0" tIns="0" rIns="0" bIns="0" rtlCol="0" anchor="t"/>
           <a:lstStyle/>
           <a:p>
-            <a:pPr algn="ctr" indent="0" marL="0">
+            <a:pPr marL="0" indent="0" algn="ctr">
               <a:lnSpc>
                 <a:spcPts val="2850"/>
               </a:lnSpc>
@@ -7438,7 +7128,7 @@
           <a:bodyPr wrap="square" rtlCol="0" anchor="ctr"/>
           <a:lstStyle/>
           <a:p>
-            <a:pPr indent="0" marL="0">
+            <a:pPr marL="0" indent="0">
               <a:buNone/>
             </a:pPr>
             <a:endParaRPr lang="en-US" dirty="0"/>
@@ -7466,7 +7156,7 @@
           <a:bodyPr wrap="square" lIns="0" tIns="0" rIns="0" bIns="0" rtlCol="0" anchor="t"/>
           <a:lstStyle/>
           <a:p>
-            <a:pPr algn="ctr" indent="0" marL="0">
+            <a:pPr marL="0" indent="0" algn="ctr">
               <a:lnSpc>
                 <a:spcPts val="2100"/>
               </a:lnSpc>
@@ -7514,7 +7204,7 @@
           <a:bodyPr wrap="square" lIns="0" tIns="0" rIns="0" bIns="0" rtlCol="0" anchor="t"/>
           <a:lstStyle/>
           <a:p>
-            <a:pPr algn="l" indent="0" marL="0">
+            <a:pPr marL="0" indent="0" algn="l">
               <a:lnSpc>
                 <a:spcPts val="2000"/>
               </a:lnSpc>
@@ -7559,7 +7249,7 @@
           <a:bodyPr wrap="square" lIns="85725" tIns="0" rIns="0" bIns="0" rtlCol="0" anchor="t"/>
           <a:lstStyle/>
           <a:p>
-            <a:pPr algn="l" marL="85725" indent="-85725">
+            <a:pPr marL="85725" indent="-85725" algn="l">
               <a:lnSpc>
                 <a:spcPts val="2100"/>
               </a:lnSpc>
@@ -7583,7 +7273,7 @@
             <a:endParaRPr lang="en-US" sz="1350" dirty="0"/>
           </a:p>
           <a:p>
-            <a:pPr algn="l" marL="85725" indent="-85725">
+            <a:pPr marL="85725" indent="-85725" algn="l">
               <a:lnSpc>
                 <a:spcPts val="2100"/>
               </a:lnSpc>
@@ -7607,7 +7297,7 @@
             <a:endParaRPr lang="en-US" sz="1350" dirty="0"/>
           </a:p>
           <a:p>
-            <a:pPr algn="l" marL="85725" indent="-85725">
+            <a:pPr marL="85725" indent="-85725" algn="l">
               <a:lnSpc>
                 <a:spcPts val="2100"/>
               </a:lnSpc>
@@ -7631,7 +7321,7 @@
             <a:endParaRPr lang="en-US" sz="1350" dirty="0"/>
           </a:p>
           <a:p>
-            <a:pPr algn="l" marL="85725" indent="-85725">
+            <a:pPr marL="85725" indent="-85725" algn="l">
               <a:lnSpc>
                 <a:spcPts val="2100"/>
               </a:lnSpc>
@@ -7677,7 +7367,7 @@
           <a:bodyPr wrap="square" lIns="0" tIns="0" rIns="0" bIns="0" rtlCol="0" anchor="t"/>
           <a:lstStyle/>
           <a:p>
-            <a:pPr algn="l" indent="0" marL="0">
+            <a:pPr marL="0" indent="0" algn="l">
               <a:lnSpc>
                 <a:spcPts val="2000"/>
               </a:lnSpc>
@@ -7722,7 +7412,7 @@
           <a:bodyPr wrap="square" lIns="85725" tIns="0" rIns="0" bIns="0" rtlCol="0" anchor="t"/>
           <a:lstStyle/>
           <a:p>
-            <a:pPr algn="l" marL="85725" indent="-85725">
+            <a:pPr marL="85725" indent="-85725" algn="l">
               <a:lnSpc>
                 <a:spcPts val="2100"/>
               </a:lnSpc>
@@ -7746,7 +7436,7 @@
             <a:endParaRPr lang="en-US" sz="1350" dirty="0"/>
           </a:p>
           <a:p>
-            <a:pPr algn="l" marL="85725" indent="-85725">
+            <a:pPr marL="85725" indent="-85725" algn="l">
               <a:lnSpc>
                 <a:spcPts val="2100"/>
               </a:lnSpc>
@@ -7770,7 +7460,7 @@
             <a:endParaRPr lang="en-US" sz="1350" dirty="0"/>
           </a:p>
           <a:p>
-            <a:pPr algn="l" marL="85725" indent="-85725">
+            <a:pPr marL="85725" indent="-85725" algn="l">
               <a:lnSpc>
                 <a:spcPts val="2100"/>
               </a:lnSpc>
@@ -7794,7 +7484,7 @@
             <a:endParaRPr lang="en-US" sz="1350" dirty="0"/>
           </a:p>
           <a:p>
-            <a:pPr algn="l" marL="85725" indent="-85725">
+            <a:pPr marL="85725" indent="-85725" algn="l">
               <a:lnSpc>
                 <a:spcPts val="2100"/>
               </a:lnSpc>
@@ -7840,7 +7530,7 @@
           <a:bodyPr wrap="square" lIns="0" tIns="0" rIns="0" bIns="0" rtlCol="0" anchor="t"/>
           <a:lstStyle/>
           <a:p>
-            <a:pPr algn="ctr" indent="0" marL="0">
+            <a:pPr marL="0" indent="0" algn="ctr">
               <a:lnSpc>
                 <a:spcPts val="2100"/>
               </a:lnSpc>
@@ -7883,6 +7573,7 @@
         <a:solidFill>
           <a:srgbClr val="FFFFFF"/>
         </a:solidFill>
+        <a:effectLst/>
       </p:bgPr>
     </p:bg>
     <p:spTree>
@@ -7920,7 +7611,7 @@
           <a:bodyPr wrap="square" lIns="0" tIns="0" rIns="0" bIns="0" rtlCol="0" anchor="t"/>
           <a:lstStyle/>
           <a:p>
-            <a:pPr algn="ctr" indent="0" marL="0">
+            <a:pPr marL="0" indent="0" algn="ctr">
               <a:lnSpc>
                 <a:spcPts val="3000"/>
               </a:lnSpc>
@@ -7969,7 +7660,7 @@
           <a:bodyPr wrap="square" rtlCol="0" anchor="ctr"/>
           <a:lstStyle/>
           <a:p>
-            <a:pPr indent="0" marL="0">
+            <a:pPr marL="0" indent="0">
               <a:buNone/>
             </a:pPr>
             <a:endParaRPr lang="en-US" dirty="0"/>
@@ -7998,6 +7689,13 @@
             <a:prstDash val="solid"/>
           </a:ln>
         </p:spPr>
+        <p:txBody>
+          <a:bodyPr/>
+          <a:lstStyle/>
+          <a:p>
+            <a:endParaRPr lang="en-PK"/>
+          </a:p>
+        </p:txBody>
       </p:sp>
       <p:sp>
         <p:nvSpPr>
@@ -8020,7 +7718,7 @@
           <a:bodyPr wrap="square" lIns="0" tIns="0" rIns="0" bIns="0" rtlCol="0" anchor="t"/>
           <a:lstStyle/>
           <a:p>
-            <a:pPr algn="l" indent="0" marL="0">
+            <a:pPr marL="0" indent="0" algn="l">
               <a:lnSpc>
                 <a:spcPts val="2333"/>
               </a:lnSpc>
@@ -8065,7 +7763,7 @@
           <a:bodyPr wrap="square" lIns="0" tIns="0" rIns="0" bIns="0" rtlCol="0" anchor="t"/>
           <a:lstStyle/>
           <a:p>
-            <a:pPr algn="l" indent="0" marL="0">
+            <a:pPr marL="0" indent="0" algn="l">
               <a:lnSpc>
                 <a:spcPts val="2475"/>
               </a:lnSpc>
@@ -8113,7 +7811,7 @@
           <a:bodyPr wrap="square" lIns="95250" tIns="0" rIns="0" bIns="0" rtlCol="0" anchor="t"/>
           <a:lstStyle/>
           <a:p>
-            <a:pPr algn="l" marL="95250" indent="-95250">
+            <a:pPr marL="95250" indent="-95250" algn="l">
               <a:lnSpc>
                 <a:spcPts val="2100"/>
               </a:lnSpc>
@@ -8137,7 +7835,7 @@
             <a:endParaRPr lang="en-US" sz="1350" dirty="0"/>
           </a:p>
           <a:p>
-            <a:pPr algn="l" marL="95250" indent="-95250">
+            <a:pPr marL="95250" indent="-95250" algn="l">
               <a:lnSpc>
                 <a:spcPts val="2100"/>
               </a:lnSpc>
@@ -8161,7 +7859,7 @@
             <a:endParaRPr lang="en-US" sz="1350" dirty="0"/>
           </a:p>
           <a:p>
-            <a:pPr algn="l" marL="95250" indent="-95250">
+            <a:pPr marL="95250" indent="-95250" algn="l">
               <a:lnSpc>
                 <a:spcPts val="2100"/>
               </a:lnSpc>
@@ -8185,7 +7883,7 @@
             <a:endParaRPr lang="en-US" sz="1350" dirty="0"/>
           </a:p>
           <a:p>
-            <a:pPr algn="l" marL="95250" indent="-95250">
+            <a:pPr marL="95250" indent="-95250" algn="l">
               <a:lnSpc>
                 <a:spcPts val="2100"/>
               </a:lnSpc>
@@ -8231,7 +7929,7 @@
           <a:bodyPr wrap="square" lIns="0" tIns="0" rIns="0" bIns="0" rtlCol="0" anchor="t"/>
           <a:lstStyle/>
           <a:p>
-            <a:pPr algn="l" indent="0" marL="0">
+            <a:pPr marL="0" indent="0" algn="l">
               <a:lnSpc>
                 <a:spcPts val="2250"/>
               </a:lnSpc>
@@ -8274,6 +7972,7 @@
         <a:solidFill>
           <a:srgbClr val="FFFFFF"/>
         </a:solidFill>
+        <a:effectLst/>
       </p:bgPr>
     </p:bg>
     <p:spTree>
@@ -8311,7 +8010,7 @@
           <a:bodyPr wrap="square" lIns="0" tIns="0" rIns="0" bIns="0" rtlCol="0" anchor="t"/>
           <a:lstStyle/>
           <a:p>
-            <a:pPr algn="ctr" indent="0" marL="0">
+            <a:pPr marL="0" indent="0" algn="ctr">
               <a:lnSpc>
                 <a:spcPts val="3000"/>
               </a:lnSpc>
@@ -8356,7 +8055,7 @@
           <a:bodyPr wrap="square" lIns="0" tIns="0" rIns="0" bIns="0" rtlCol="0" anchor="t"/>
           <a:lstStyle/>
           <a:p>
-            <a:pPr algn="l" indent="0" marL="0">
+            <a:pPr marL="0" indent="0" algn="l">
               <a:lnSpc>
                 <a:spcPts val="2340"/>
               </a:lnSpc>
@@ -8401,7 +8100,7 @@
           <a:bodyPr wrap="square" lIns="85725" tIns="0" rIns="0" bIns="0" rtlCol="0" anchor="t"/>
           <a:lstStyle/>
           <a:p>
-            <a:pPr algn="l" marL="85725" indent="-85725">
+            <a:pPr marL="85725" indent="-85725" algn="l">
               <a:lnSpc>
                 <a:spcPts val="2217"/>
               </a:lnSpc>
@@ -8425,7 +8124,7 @@
             <a:endParaRPr lang="en-US" sz="1425" dirty="0"/>
           </a:p>
           <a:p>
-            <a:pPr algn="l" marL="85725" indent="-85725">
+            <a:pPr marL="85725" indent="-85725" algn="l">
               <a:lnSpc>
                 <a:spcPts val="2217"/>
               </a:lnSpc>
@@ -8449,7 +8148,7 @@
             <a:endParaRPr lang="en-US" sz="1425" dirty="0"/>
           </a:p>
           <a:p>
-            <a:pPr algn="l" marL="85725" indent="-85725">
+            <a:pPr marL="85725" indent="-85725" algn="l">
               <a:lnSpc>
                 <a:spcPts val="2217"/>
               </a:lnSpc>
@@ -8495,7 +8194,7 @@
           <a:bodyPr wrap="square" lIns="0" tIns="0" rIns="0" bIns="0" rtlCol="0" anchor="t"/>
           <a:lstStyle/>
           <a:p>
-            <a:pPr algn="l" indent="0" marL="0">
+            <a:pPr marL="0" indent="0" algn="l">
               <a:lnSpc>
                 <a:spcPts val="2340"/>
               </a:lnSpc>
@@ -8540,7 +8239,7 @@
           <a:bodyPr wrap="square" lIns="85725" tIns="0" rIns="0" bIns="0" rtlCol="0" anchor="t"/>
           <a:lstStyle/>
           <a:p>
-            <a:pPr algn="l" marL="85725" indent="-85725">
+            <a:pPr marL="85725" indent="-85725" algn="l">
               <a:lnSpc>
                 <a:spcPts val="2217"/>
               </a:lnSpc>
@@ -8564,7 +8263,7 @@
             <a:endParaRPr lang="en-US" sz="1425" dirty="0"/>
           </a:p>
           <a:p>
-            <a:pPr algn="l" marL="85725" indent="-85725">
+            <a:pPr marL="85725" indent="-85725" algn="l">
               <a:lnSpc>
                 <a:spcPts val="2217"/>
               </a:lnSpc>
@@ -8588,7 +8287,7 @@
             <a:endParaRPr lang="en-US" sz="1425" dirty="0"/>
           </a:p>
           <a:p>
-            <a:pPr algn="l" marL="85725" indent="-85725">
+            <a:pPr marL="85725" indent="-85725" algn="l">
               <a:lnSpc>
                 <a:spcPts val="2217"/>
               </a:lnSpc>
@@ -8636,7 +8335,7 @@
           <a:bodyPr wrap="square" rtlCol="0" anchor="ctr"/>
           <a:lstStyle/>
           <a:p>
-            <a:pPr indent="0" marL="0">
+            <a:pPr marL="0" indent="0">
               <a:buNone/>
             </a:pPr>
             <a:endParaRPr lang="en-US" dirty="0"/>
@@ -8665,6 +8364,13 @@
             <a:prstDash val="solid"/>
           </a:ln>
         </p:spPr>
+        <p:txBody>
+          <a:bodyPr/>
+          <a:lstStyle/>
+          <a:p>
+            <a:endParaRPr lang="en-PK"/>
+          </a:p>
+        </p:txBody>
       </p:sp>
       <p:sp>
         <p:nvSpPr>
@@ -8687,7 +8393,7 @@
           <a:bodyPr wrap="square" lIns="0" tIns="0" rIns="0" bIns="0" rtlCol="0" anchor="t"/>
           <a:lstStyle/>
           <a:p>
-            <a:pPr algn="l" indent="0" marL="0">
+            <a:pPr marL="0" indent="0" algn="l">
               <a:lnSpc>
                 <a:spcPts val="2100"/>
               </a:lnSpc>
@@ -8730,6 +8436,7 @@
         <a:solidFill>
           <a:srgbClr val="FFFFFF"/>
         </a:solidFill>
+        <a:effectLst/>
       </p:bgPr>
     </p:bg>
     <p:spTree>
@@ -8767,7 +8474,7 @@
           <a:bodyPr wrap="square" lIns="0" tIns="0" rIns="0" bIns="0" rtlCol="0" anchor="t"/>
           <a:lstStyle/>
           <a:p>
-            <a:pPr algn="ctr" indent="0" marL="0">
+            <a:pPr marL="0" indent="0" algn="ctr">
               <a:lnSpc>
                 <a:spcPts val="3000"/>
               </a:lnSpc>
@@ -8816,7 +8523,7 @@
           <a:bodyPr wrap="square" rtlCol="0" anchor="ctr"/>
           <a:lstStyle/>
           <a:p>
-            <a:pPr indent="0" marL="0">
+            <a:pPr marL="0" indent="0">
               <a:buNone/>
             </a:pPr>
             <a:endParaRPr lang="en-US" dirty="0"/>
@@ -8845,6 +8552,13 @@
             <a:prstDash val="solid"/>
           </a:ln>
         </p:spPr>
+        <p:txBody>
+          <a:bodyPr/>
+          <a:lstStyle/>
+          <a:p>
+            <a:endParaRPr lang="en-PK"/>
+          </a:p>
+        </p:txBody>
       </p:sp>
       <p:sp>
         <p:nvSpPr>
@@ -8867,7 +8581,7 @@
           <a:bodyPr wrap="square" lIns="0" tIns="0" rIns="0" bIns="0" rtlCol="0" anchor="t"/>
           <a:lstStyle/>
           <a:p>
-            <a:pPr algn="l" indent="0" marL="0">
+            <a:pPr marL="0" indent="0" algn="l">
               <a:lnSpc>
                 <a:spcPts val="2333"/>
               </a:lnSpc>
@@ -8912,7 +8626,7 @@
           <a:bodyPr wrap="square" lIns="104775" tIns="0" rIns="0" bIns="0" rtlCol="0" anchor="t"/>
           <a:lstStyle/>
           <a:p>
-            <a:pPr algn="l" marL="104775" indent="-104775">
+            <a:pPr marL="104775" indent="-104775" algn="l">
               <a:lnSpc>
                 <a:spcPts val="2025"/>
               </a:lnSpc>
@@ -8936,7 +8650,7 @@
             <a:endParaRPr lang="en-US" sz="1350" dirty="0"/>
           </a:p>
           <a:p>
-            <a:pPr algn="l" marL="104775" indent="-104775">
+            <a:pPr marL="104775" indent="-104775" algn="l">
               <a:lnSpc>
                 <a:spcPts val="2025"/>
               </a:lnSpc>
@@ -8960,7 +8674,7 @@
             <a:endParaRPr lang="en-US" sz="1350" dirty="0"/>
           </a:p>
           <a:p>
-            <a:pPr algn="l" marL="104775" indent="-104775">
+            <a:pPr marL="104775" indent="-104775" algn="l">
               <a:lnSpc>
                 <a:spcPts val="2025"/>
               </a:lnSpc>
@@ -9001,6 +8715,7 @@
         <a:solidFill>
           <a:srgbClr val="FFFFFF"/>
         </a:solidFill>
+        <a:effectLst/>
       </p:bgPr>
     </p:bg>
     <p:spTree>
@@ -9038,7 +8753,7 @@
           <a:bodyPr wrap="square" lIns="0" tIns="0" rIns="0" bIns="0" rtlCol="0" anchor="t"/>
           <a:lstStyle/>
           <a:p>
-            <a:pPr algn="l" indent="0" marL="0">
+            <a:pPr marL="0" indent="0" algn="l">
               <a:lnSpc>
                 <a:spcPts val="2850"/>
               </a:lnSpc>
@@ -9083,7 +8798,7 @@
           <a:bodyPr wrap="square" lIns="0" tIns="0" rIns="0" bIns="0" rtlCol="0" anchor="t"/>
           <a:lstStyle/>
           <a:p>
-            <a:pPr algn="l" indent="0" marL="0">
+            <a:pPr marL="0" indent="0" algn="l">
               <a:lnSpc>
                 <a:spcPts val="2167"/>
               </a:lnSpc>
@@ -9128,7 +8843,7 @@
           <a:bodyPr wrap="square" lIns="90488" tIns="0" rIns="0" bIns="0" rtlCol="0" anchor="t"/>
           <a:lstStyle/>
           <a:p>
-            <a:pPr algn="l" marL="90488" indent="-90488">
+            <a:pPr marL="90488" indent="-90488" algn="l">
               <a:lnSpc>
                 <a:spcPts val="2100"/>
               </a:lnSpc>
@@ -9152,7 +8867,7 @@
             <a:endParaRPr lang="en-US" sz="1350" dirty="0"/>
           </a:p>
           <a:p>
-            <a:pPr algn="l" marL="90488" indent="-90488">
+            <a:pPr marL="90488" indent="-90488" algn="l">
               <a:lnSpc>
                 <a:spcPts val="2100"/>
               </a:lnSpc>
@@ -9176,7 +8891,7 @@
             <a:endParaRPr lang="en-US" sz="1350" dirty="0"/>
           </a:p>
           <a:p>
-            <a:pPr algn="l" marL="90488" indent="-90488">
+            <a:pPr marL="90488" indent="-90488" algn="l">
               <a:lnSpc>
                 <a:spcPts val="2100"/>
               </a:lnSpc>
@@ -9200,7 +8915,7 @@
             <a:endParaRPr lang="en-US" sz="1350" dirty="0"/>
           </a:p>
           <a:p>
-            <a:pPr algn="l" marL="90488" indent="-90488">
+            <a:pPr marL="90488" indent="-90488" algn="l">
               <a:lnSpc>
                 <a:spcPts val="2100"/>
               </a:lnSpc>
@@ -9246,7 +8961,7 @@
           <a:bodyPr wrap="square" lIns="0" tIns="0" rIns="0" bIns="0" rtlCol="0" anchor="t"/>
           <a:lstStyle/>
           <a:p>
-            <a:pPr algn="l" indent="0" marL="0">
+            <a:pPr marL="0" indent="0" algn="l">
               <a:lnSpc>
                 <a:spcPts val="2167"/>
               </a:lnSpc>
@@ -9291,7 +9006,7 @@
           <a:bodyPr wrap="square" lIns="90488" tIns="0" rIns="0" bIns="0" rtlCol="0" anchor="t"/>
           <a:lstStyle/>
           <a:p>
-            <a:pPr algn="l" marL="90488" indent="-90488">
+            <a:pPr marL="90488" indent="-90488" algn="l">
               <a:lnSpc>
                 <a:spcPts val="2100"/>
               </a:lnSpc>
@@ -9315,7 +9030,7 @@
             <a:endParaRPr lang="en-US" sz="1350" dirty="0"/>
           </a:p>
           <a:p>
-            <a:pPr algn="l" marL="90488" indent="-90488">
+            <a:pPr marL="90488" indent="-90488" algn="l">
               <a:lnSpc>
                 <a:spcPts val="2100"/>
               </a:lnSpc>
@@ -9339,7 +9054,7 @@
             <a:endParaRPr lang="en-US" sz="1350" dirty="0"/>
           </a:p>
           <a:p>
-            <a:pPr algn="l" marL="90488" indent="-90488">
+            <a:pPr marL="90488" indent="-90488" algn="l">
               <a:lnSpc>
                 <a:spcPts val="2100"/>
               </a:lnSpc>
@@ -9363,7 +9078,7 @@
             <a:endParaRPr lang="en-US" sz="1350" dirty="0"/>
           </a:p>
           <a:p>
-            <a:pPr algn="l" marL="90488" indent="-90488">
+            <a:pPr marL="90488" indent="-90488" algn="l">
               <a:lnSpc>
                 <a:spcPts val="2100"/>
               </a:lnSpc>
@@ -9387,7 +9102,7 @@
             <a:endParaRPr lang="en-US" sz="1350" dirty="0"/>
           </a:p>
           <a:p>
-            <a:pPr algn="l" marL="90488" indent="-90488">
+            <a:pPr marL="90488" indent="-90488" algn="l">
               <a:lnSpc>
                 <a:spcPts val="2100"/>
               </a:lnSpc>
@@ -9435,7 +9150,7 @@
           <a:bodyPr wrap="square" rtlCol="0" anchor="ctr"/>
           <a:lstStyle/>
           <a:p>
-            <a:pPr indent="0" marL="0">
+            <a:pPr marL="0" indent="0">
               <a:buNone/>
             </a:pPr>
             <a:endParaRPr lang="en-US" dirty="0"/>
@@ -9464,6 +9179,13 @@
             <a:prstDash val="solid"/>
           </a:ln>
         </p:spPr>
+        <p:txBody>
+          <a:bodyPr/>
+          <a:lstStyle/>
+          <a:p>
+            <a:endParaRPr lang="en-PK"/>
+          </a:p>
+        </p:txBody>
       </p:sp>
       <p:sp>
         <p:nvSpPr>
@@ -9486,7 +9208,7 @@
           <a:bodyPr wrap="square" lIns="0" tIns="0" rIns="0" bIns="0" rtlCol="0" anchor="t"/>
           <a:lstStyle/>
           <a:p>
-            <a:pPr algn="ctr" indent="0" marL="0">
+            <a:pPr marL="0" indent="0" algn="ctr">
               <a:lnSpc>
                 <a:spcPts val="2100"/>
               </a:lnSpc>
@@ -9529,6 +9251,7 @@
         <a:solidFill>
           <a:srgbClr val="FFFFFF"/>
         </a:solidFill>
+        <a:effectLst/>
       </p:bgPr>
     </p:bg>
     <p:spTree>
@@ -9566,7 +9289,7 @@
           <a:bodyPr wrap="square" lIns="0" tIns="0" rIns="0" bIns="0" rtlCol="0" anchor="t"/>
           <a:lstStyle/>
           <a:p>
-            <a:pPr algn="ctr" indent="0" marL="0">
+            <a:pPr marL="0" indent="0" algn="ctr">
               <a:lnSpc>
                 <a:spcPts val="2700"/>
               </a:lnSpc>
@@ -9611,7 +9334,7 @@
           <a:bodyPr wrap="square" lIns="0" tIns="0" rIns="0" bIns="0" rtlCol="0" anchor="t"/>
           <a:lstStyle/>
           <a:p>
-            <a:pPr algn="ctr" indent="0" marL="0">
+            <a:pPr marL="0" indent="0" algn="ctr">
               <a:lnSpc>
                 <a:spcPts val="2333"/>
               </a:lnSpc>
@@ -9637,151 +9360,7 @@
       </p:sp>
       <p:pic>
         <p:nvPicPr>
-          <p:cNvPr id="4" name="Image 0" descr="/tmp/rasterized-gradient-fcb9f491.png">    </p:cNvPr>
-          <p:cNvPicPr>
-            <a:picLocks noChangeAspect="1"/>
-          </p:cNvPicPr>
-          <p:nvPr/>
-        </p:nvPicPr>
-        <p:blipFill>
-          <a:blip r:embed="rId1"/>
-          <a:stretch>
-            <a:fillRect/>
-          </a:stretch>
-        </p:blipFill>
-        <p:spPr>
-          <a:xfrm>
-            <a:off x="666750" y="1467892"/>
-            <a:ext cx="7810500" cy="596205"/>
-          </a:xfrm>
-          <a:prstGeom prst="rect">
-            <a:avLst/>
-          </a:prstGeom>
-        </p:spPr>
-      </p:pic>
-      <p:sp>
-        <p:nvSpPr>
-          <p:cNvPr id="5" name="Text 2"/>
-          <p:cNvSpPr/>
-          <p:nvPr/>
-        </p:nvSpPr>
-        <p:spPr>
-          <a:xfrm>
-            <a:off x="876300" y="1639342"/>
-            <a:ext cx="7539228" cy="253305"/>
-          </a:xfrm>
-          <a:prstGeom prst="rect">
-            <a:avLst/>
-          </a:prstGeom>
-          <a:noFill/>
-          <a:ln/>
-        </p:spPr>
-        <p:txBody>
-          <a:bodyPr wrap="square" lIns="0" tIns="0" rIns="0" bIns="0" rtlCol="0" anchor="t"/>
-          <a:lstStyle/>
-          <a:p>
-            <a:pPr algn="l" indent="0" marL="0">
-              <a:lnSpc>
-                <a:spcPts val="1995"/>
-              </a:lnSpc>
-              <a:spcBef>
-                <a:spcPts val="300"/>
-              </a:spcBef>
-              <a:spcAft>
-                <a:spcPts val="300"/>
-              </a:spcAft>
-              <a:buNone/>
-            </a:pPr>
-            <a:r>
-              <a:rPr lang="en-US" sz="1425" dirty="0">
-                <a:solidFill>
-                  <a:srgbClr val="FFFFFF"/>
-                </a:solidFill>
-                <a:latin typeface="Arial" pitchFamily="34" charset="0"/>
-                <a:ea typeface="Arial" pitchFamily="34" charset="-122"/>
-                <a:cs typeface="Arial" pitchFamily="34" charset="-120"/>
-              </a:rPr>
-              <a:t>✓ AI is collaboration, not replacement</a:t>
-            </a:r>
-            <a:endParaRPr lang="en-US" sz="1425" dirty="0"/>
-          </a:p>
-        </p:txBody>
-      </p:sp>
-      <p:pic>
-        <p:nvPicPr>
-          <p:cNvPr id="6" name="Image 1" descr="/tmp/rasterized-gradient-8eaede37.png">    </p:cNvPr>
-          <p:cNvPicPr>
-            <a:picLocks noChangeAspect="1"/>
-          </p:cNvPicPr>
-          <p:nvPr/>
-        </p:nvPicPr>
-        <p:blipFill>
-          <a:blip r:embed="rId2"/>
-          <a:stretch>
-            <a:fillRect/>
-          </a:stretch>
-        </p:blipFill>
-        <p:spPr>
-          <a:xfrm>
-            <a:off x="666750" y="2178397"/>
-            <a:ext cx="7810500" cy="596205"/>
-          </a:xfrm>
-          <a:prstGeom prst="rect">
-            <a:avLst/>
-          </a:prstGeom>
-        </p:spPr>
-      </p:pic>
-      <p:sp>
-        <p:nvSpPr>
-          <p:cNvPr id="7" name="Text 3"/>
-          <p:cNvSpPr/>
-          <p:nvPr/>
-        </p:nvSpPr>
-        <p:spPr>
-          <a:xfrm>
-            <a:off x="876300" y="2349847"/>
-            <a:ext cx="7539228" cy="253305"/>
-          </a:xfrm>
-          <a:prstGeom prst="rect">
-            <a:avLst/>
-          </a:prstGeom>
-          <a:noFill/>
-          <a:ln/>
-        </p:spPr>
-        <p:txBody>
-          <a:bodyPr wrap="square" lIns="0" tIns="0" rIns="0" bIns="0" rtlCol="0" anchor="t"/>
-          <a:lstStyle/>
-          <a:p>
-            <a:pPr algn="l" indent="0" marL="0">
-              <a:lnSpc>
-                <a:spcPts val="1995"/>
-              </a:lnSpc>
-              <a:spcBef>
-                <a:spcPts val="300"/>
-              </a:spcBef>
-              <a:spcAft>
-                <a:spcPts val="300"/>
-              </a:spcAft>
-              <a:buNone/>
-            </a:pPr>
-            <a:r>
-              <a:rPr lang="en-US" sz="1425" dirty="0">
-                <a:solidFill>
-                  <a:srgbClr val="FFFFFF"/>
-                </a:solidFill>
-                <a:latin typeface="Arial" pitchFamily="34" charset="0"/>
-                <a:ea typeface="Arial" pitchFamily="34" charset="-122"/>
-                <a:cs typeface="Arial" pitchFamily="34" charset="-120"/>
-              </a:rPr>
-              <a:t>✓ Start small, experiment, scale</a:t>
-            </a:r>
-            <a:endParaRPr lang="en-US" sz="1425" dirty="0"/>
-          </a:p>
-        </p:txBody>
-      </p:sp>
-      <p:pic>
-        <p:nvPicPr>
-          <p:cNvPr id="8" name="Image 2" descr="/tmp/rasterized-gradient-d532019e.png">    </p:cNvPr>
+          <p:cNvPr id="4" name="Image 0" descr="/tmp/rasterized-gradient-fcb9f491.png"/>
           <p:cNvPicPr>
             <a:picLocks noChangeAspect="1"/>
           </p:cNvPicPr>
@@ -9795,7 +9374,7 @@
         </p:blipFill>
         <p:spPr>
           <a:xfrm>
-            <a:off x="666750" y="2888903"/>
+            <a:off x="666750" y="1467892"/>
             <a:ext cx="7810500" cy="596205"/>
           </a:xfrm>
           <a:prstGeom prst="rect">
@@ -9805,13 +9384,13 @@
       </p:pic>
       <p:sp>
         <p:nvSpPr>
-          <p:cNvPr id="9" name="Text 4"/>
-          <p:cNvSpPr/>
-          <p:nvPr/>
-        </p:nvSpPr>
-        <p:spPr>
-          <a:xfrm>
-            <a:off x="876300" y="3060353"/>
+          <p:cNvPr id="5" name="Text 2"/>
+          <p:cNvSpPr/>
+          <p:nvPr/>
+        </p:nvSpPr>
+        <p:spPr>
+          <a:xfrm>
+            <a:off x="876300" y="1639342"/>
             <a:ext cx="7539228" cy="253305"/>
           </a:xfrm>
           <a:prstGeom prst="rect">
@@ -9824,7 +9403,7 @@
           <a:bodyPr wrap="square" lIns="0" tIns="0" rIns="0" bIns="0" rtlCol="0" anchor="t"/>
           <a:lstStyle/>
           <a:p>
-            <a:pPr algn="l" indent="0" marL="0">
+            <a:pPr marL="0" indent="0" algn="l">
               <a:lnSpc>
                 <a:spcPts val="1995"/>
               </a:lnSpc>
@@ -9845,7 +9424,7 @@
                 <a:ea typeface="Arial" pitchFamily="34" charset="-122"/>
                 <a:cs typeface="Arial" pitchFamily="34" charset="-120"/>
               </a:rPr>
-              <a:t>✓ Augment your unique skills</a:t>
+              <a:t>✓ AI is collaboration, not replacement</a:t>
             </a:r>
             <a:endParaRPr lang="en-US" sz="1425" dirty="0"/>
           </a:p>
@@ -9853,7 +9432,7 @@
       </p:sp>
       <p:pic>
         <p:nvPicPr>
-          <p:cNvPr id="10" name="Image 3" descr="/tmp/rasterized-gradient-df922607.png">    </p:cNvPr>
+          <p:cNvPr id="6" name="Image 1" descr="/tmp/rasterized-gradient-8eaede37.png"/>
           <p:cNvPicPr>
             <a:picLocks noChangeAspect="1"/>
           </p:cNvPicPr>
@@ -9867,7 +9446,7 @@
         </p:blipFill>
         <p:spPr>
           <a:xfrm>
-            <a:off x="666750" y="3599408"/>
+            <a:off x="666750" y="2178397"/>
             <a:ext cx="7810500" cy="596205"/>
           </a:xfrm>
           <a:prstGeom prst="rect">
@@ -9877,13 +9456,13 @@
       </p:pic>
       <p:sp>
         <p:nvSpPr>
-          <p:cNvPr id="11" name="Text 5"/>
-          <p:cNvSpPr/>
-          <p:nvPr/>
-        </p:nvSpPr>
-        <p:spPr>
-          <a:xfrm>
-            <a:off x="876300" y="3770858"/>
+          <p:cNvPr id="7" name="Text 3"/>
+          <p:cNvSpPr/>
+          <p:nvPr/>
+        </p:nvSpPr>
+        <p:spPr>
+          <a:xfrm>
+            <a:off x="876300" y="2349847"/>
             <a:ext cx="7539228" cy="253305"/>
           </a:xfrm>
           <a:prstGeom prst="rect">
@@ -9896,7 +9475,7 @@
           <a:bodyPr wrap="square" lIns="0" tIns="0" rIns="0" bIns="0" rtlCol="0" anchor="t"/>
           <a:lstStyle/>
           <a:p>
-            <a:pPr algn="l" indent="0" marL="0">
+            <a:pPr marL="0" indent="0" algn="l">
               <a:lnSpc>
                 <a:spcPts val="1995"/>
               </a:lnSpc>
@@ -9917,6 +9496,150 @@
                 <a:ea typeface="Arial" pitchFamily="34" charset="-122"/>
                 <a:cs typeface="Arial" pitchFamily="34" charset="-120"/>
               </a:rPr>
+              <a:t>✓ Start small, experiment, scale</a:t>
+            </a:r>
+            <a:endParaRPr lang="en-US" sz="1425" dirty="0"/>
+          </a:p>
+        </p:txBody>
+      </p:sp>
+      <p:pic>
+        <p:nvPicPr>
+          <p:cNvPr id="8" name="Image 2" descr="/tmp/rasterized-gradient-d532019e.png"/>
+          <p:cNvPicPr>
+            <a:picLocks noChangeAspect="1"/>
+          </p:cNvPicPr>
+          <p:nvPr/>
+        </p:nvPicPr>
+        <p:blipFill>
+          <a:blip r:embed="rId5"/>
+          <a:stretch>
+            <a:fillRect/>
+          </a:stretch>
+        </p:blipFill>
+        <p:spPr>
+          <a:xfrm>
+            <a:off x="666750" y="2888903"/>
+            <a:ext cx="7810500" cy="596205"/>
+          </a:xfrm>
+          <a:prstGeom prst="rect">
+            <a:avLst/>
+          </a:prstGeom>
+        </p:spPr>
+      </p:pic>
+      <p:sp>
+        <p:nvSpPr>
+          <p:cNvPr id="9" name="Text 4"/>
+          <p:cNvSpPr/>
+          <p:nvPr/>
+        </p:nvSpPr>
+        <p:spPr>
+          <a:xfrm>
+            <a:off x="876300" y="3060353"/>
+            <a:ext cx="7539228" cy="253305"/>
+          </a:xfrm>
+          <a:prstGeom prst="rect">
+            <a:avLst/>
+          </a:prstGeom>
+          <a:noFill/>
+          <a:ln/>
+        </p:spPr>
+        <p:txBody>
+          <a:bodyPr wrap="square" lIns="0" tIns="0" rIns="0" bIns="0" rtlCol="0" anchor="t"/>
+          <a:lstStyle/>
+          <a:p>
+            <a:pPr marL="0" indent="0" algn="l">
+              <a:lnSpc>
+                <a:spcPts val="1995"/>
+              </a:lnSpc>
+              <a:spcBef>
+                <a:spcPts val="300"/>
+              </a:spcBef>
+              <a:spcAft>
+                <a:spcPts val="300"/>
+              </a:spcAft>
+              <a:buNone/>
+            </a:pPr>
+            <a:r>
+              <a:rPr lang="en-US" sz="1425" dirty="0">
+                <a:solidFill>
+                  <a:srgbClr val="FFFFFF"/>
+                </a:solidFill>
+                <a:latin typeface="Arial" pitchFamily="34" charset="0"/>
+                <a:ea typeface="Arial" pitchFamily="34" charset="-122"/>
+                <a:cs typeface="Arial" pitchFamily="34" charset="-120"/>
+              </a:rPr>
+              <a:t>✓ Augment your unique skills</a:t>
+            </a:r>
+            <a:endParaRPr lang="en-US" sz="1425" dirty="0"/>
+          </a:p>
+        </p:txBody>
+      </p:sp>
+      <p:pic>
+        <p:nvPicPr>
+          <p:cNvPr id="10" name="Image 3" descr="/tmp/rasterized-gradient-df922607.png"/>
+          <p:cNvPicPr>
+            <a:picLocks noChangeAspect="1"/>
+          </p:cNvPicPr>
+          <p:nvPr/>
+        </p:nvPicPr>
+        <p:blipFill>
+          <a:blip r:embed="rId6"/>
+          <a:stretch>
+            <a:fillRect/>
+          </a:stretch>
+        </p:blipFill>
+        <p:spPr>
+          <a:xfrm>
+            <a:off x="666750" y="3599408"/>
+            <a:ext cx="7810500" cy="596205"/>
+          </a:xfrm>
+          <a:prstGeom prst="rect">
+            <a:avLst/>
+          </a:prstGeom>
+        </p:spPr>
+      </p:pic>
+      <p:sp>
+        <p:nvSpPr>
+          <p:cNvPr id="11" name="Text 5"/>
+          <p:cNvSpPr/>
+          <p:nvPr/>
+        </p:nvSpPr>
+        <p:spPr>
+          <a:xfrm>
+            <a:off x="876300" y="3770858"/>
+            <a:ext cx="7539228" cy="253305"/>
+          </a:xfrm>
+          <a:prstGeom prst="rect">
+            <a:avLst/>
+          </a:prstGeom>
+          <a:noFill/>
+          <a:ln/>
+        </p:spPr>
+        <p:txBody>
+          <a:bodyPr wrap="square" lIns="0" tIns="0" rIns="0" bIns="0" rtlCol="0" anchor="t"/>
+          <a:lstStyle/>
+          <a:p>
+            <a:pPr marL="0" indent="0" algn="l">
+              <a:lnSpc>
+                <a:spcPts val="1995"/>
+              </a:lnSpc>
+              <a:spcBef>
+                <a:spcPts val="300"/>
+              </a:spcBef>
+              <a:spcAft>
+                <a:spcPts val="300"/>
+              </a:spcAft>
+              <a:buNone/>
+            </a:pPr>
+            <a:r>
+              <a:rPr lang="en-US" sz="1425" dirty="0">
+                <a:solidFill>
+                  <a:srgbClr val="FFFFFF"/>
+                </a:solidFill>
+                <a:latin typeface="Arial" pitchFamily="34" charset="0"/>
+                <a:ea typeface="Arial" pitchFamily="34" charset="-122"/>
+                <a:cs typeface="Arial" pitchFamily="34" charset="-120"/>
+              </a:rPr>
               <a:t>✓ Stay curious and critical</a:t>
             </a:r>
             <a:endParaRPr lang="en-US" sz="1425" dirty="0"/>
@@ -9944,7 +9667,7 @@
           <a:bodyPr wrap="square" lIns="0" tIns="0" rIns="0" bIns="0" rtlCol="0" anchor="t"/>
           <a:lstStyle/>
           <a:p>
-            <a:pPr algn="ctr" indent="0" marL="0">
+            <a:pPr marL="0" indent="0" algn="ctr">
               <a:lnSpc>
                 <a:spcPts val="2205"/>
               </a:lnSpc>
@@ -9985,7 +9708,7 @@
     <p:bg>
       <p:bgPr>
         <a:blipFill dpi="0" rotWithShape="1">
-          <a:blip r:embed="rId1">
+          <a:blip r:embed="rId3">
             <a:lum/>
           </a:blip>
           <a:srcRect/>
@@ -10031,7 +9754,7 @@
           <a:bodyPr wrap="square" lIns="0" tIns="0" rIns="0" bIns="0" rtlCol="0" anchor="t"/>
           <a:lstStyle/>
           <a:p>
-            <a:pPr algn="ctr" indent="0" marL="0">
+            <a:pPr marL="0" indent="0" algn="ctr">
               <a:lnSpc>
                 <a:spcPts val="4200"/>
               </a:lnSpc>
@@ -10076,7 +9799,7 @@
           <a:bodyPr wrap="square" lIns="0" tIns="0" rIns="0" bIns="0" rtlCol="0" anchor="t"/>
           <a:lstStyle/>
           <a:p>
-            <a:pPr algn="ctr" indent="0" marL="0">
+            <a:pPr marL="0" indent="0" algn="ctr">
               <a:lnSpc>
                 <a:spcPts val="3000"/>
               </a:lnSpc>
@@ -10121,7 +9844,7 @@
           <a:bodyPr wrap="square" lIns="0" tIns="0" rIns="0" bIns="0" rtlCol="0" anchor="t"/>
           <a:lstStyle/>
           <a:p>
-            <a:pPr algn="ctr" indent="0" marL="0">
+            <a:pPr marL="0" indent="0" algn="ctr">
               <a:lnSpc>
                 <a:spcPts val="2520"/>
               </a:lnSpc>
@@ -10169,7 +9892,7 @@
           <a:bodyPr wrap="square" lIns="0" tIns="0" rIns="0" bIns="0" rtlCol="0" anchor="t"/>
           <a:lstStyle/>
           <a:p>
-            <a:pPr algn="ctr" indent="0" marL="0">
+            <a:pPr marL="0" indent="0" algn="ctr">
               <a:lnSpc>
                 <a:spcPts val="2520"/>
               </a:lnSpc>
@@ -10217,7 +9940,7 @@
           <a:bodyPr wrap="square" lIns="0" tIns="0" rIns="0" bIns="0" rtlCol="0" anchor="t"/>
           <a:lstStyle/>
           <a:p>
-            <a:pPr algn="ctr" indent="0" marL="0">
+            <a:pPr marL="0" indent="0" algn="ctr">
               <a:lnSpc>
                 <a:spcPts val="2730"/>
               </a:lnSpc>
@@ -10265,7 +9988,7 @@
           <a:bodyPr wrap="square" lIns="0" tIns="0" rIns="0" bIns="0" rtlCol="0" anchor="t"/>
           <a:lstStyle/>
           <a:p>
-            <a:pPr algn="ctr" indent="0" marL="0">
+            <a:pPr marL="0" indent="0" algn="ctr">
               <a:lnSpc>
                 <a:spcPts val="3360"/>
               </a:lnSpc>
@@ -10308,6 +10031,7 @@
         <a:solidFill>
           <a:srgbClr val="FFFFFF"/>
         </a:solidFill>
+        <a:effectLst/>
       </p:bgPr>
     </p:bg>
     <p:spTree>
@@ -10345,7 +10069,7 @@
           <a:bodyPr wrap="square" lIns="0" tIns="0" rIns="0" bIns="0" rtlCol="0" anchor="t"/>
           <a:lstStyle/>
           <a:p>
-            <a:pPr algn="l" indent="0" marL="0">
+            <a:pPr marL="0" indent="0" algn="l">
               <a:lnSpc>
                 <a:spcPts val="2700"/>
               </a:lnSpc>
@@ -10390,7 +10114,7 @@
           <a:bodyPr wrap="square" lIns="0" tIns="0" rIns="0" bIns="0" rtlCol="0" anchor="t"/>
           <a:lstStyle/>
           <a:p>
-            <a:pPr algn="l" indent="0" marL="0">
+            <a:pPr marL="0" indent="0" algn="l">
               <a:lnSpc>
                 <a:spcPts val="2000"/>
               </a:lnSpc>
@@ -10435,7 +10159,7 @@
           <a:bodyPr wrap="square" lIns="0" tIns="0" rIns="0" bIns="0" rtlCol="0" anchor="t"/>
           <a:lstStyle/>
           <a:p>
-            <a:pPr algn="l" indent="0" marL="0">
+            <a:pPr marL="0" indent="0" algn="l">
               <a:lnSpc>
                 <a:spcPts val="2000"/>
               </a:lnSpc>
@@ -10480,7 +10204,7 @@
           <a:bodyPr wrap="square" lIns="85725" tIns="0" rIns="0" bIns="0" rtlCol="0" anchor="t"/>
           <a:lstStyle/>
           <a:p>
-            <a:pPr algn="l" marL="85725" indent="-85725">
+            <a:pPr marL="85725" indent="-85725" algn="l">
               <a:lnSpc>
                 <a:spcPts val="1983"/>
               </a:lnSpc>
@@ -10504,7 +10228,7 @@
             <a:endParaRPr lang="en-US" sz="1275" dirty="0"/>
           </a:p>
           <a:p>
-            <a:pPr algn="l" marL="85725" indent="-85725">
+            <a:pPr marL="85725" indent="-85725" algn="l">
               <a:lnSpc>
                 <a:spcPts val="1983"/>
               </a:lnSpc>
@@ -10528,7 +10252,7 @@
             <a:endParaRPr lang="en-US" sz="1275" dirty="0"/>
           </a:p>
           <a:p>
-            <a:pPr algn="l" marL="85725" indent="-85725">
+            <a:pPr marL="85725" indent="-85725" algn="l">
               <a:lnSpc>
                 <a:spcPts val="1983"/>
               </a:lnSpc>
@@ -10552,7 +10276,7 @@
             <a:endParaRPr lang="en-US" sz="1275" dirty="0"/>
           </a:p>
           <a:p>
-            <a:pPr algn="l" marL="85725" indent="-85725">
+            <a:pPr marL="85725" indent="-85725" algn="l">
               <a:lnSpc>
                 <a:spcPts val="1983"/>
               </a:lnSpc>
@@ -10576,7 +10300,7 @@
             <a:endParaRPr lang="en-US" sz="1275" dirty="0"/>
           </a:p>
           <a:p>
-            <a:pPr algn="l" marL="85725" indent="-85725">
+            <a:pPr marL="85725" indent="-85725" algn="l">
               <a:lnSpc>
                 <a:spcPts val="1983"/>
               </a:lnSpc>
@@ -10622,7 +10346,7 @@
           <a:bodyPr wrap="square" lIns="0" tIns="0" rIns="0" bIns="0" rtlCol="0" anchor="t"/>
           <a:lstStyle/>
           <a:p>
-            <a:pPr algn="ctr" indent="0" marL="0">
+            <a:pPr marL="0" indent="0" algn="ctr">
               <a:lnSpc>
                 <a:spcPts val="1995"/>
               </a:lnSpc>
@@ -10663,7 +10387,7 @@
     <p:bg>
       <p:bgPr>
         <a:blipFill dpi="0" rotWithShape="1">
-          <a:blip r:embed="rId1">
+          <a:blip r:embed="rId3">
             <a:lum/>
           </a:blip>
           <a:srcRect/>
@@ -10709,7 +10433,7 @@
           <a:bodyPr wrap="square" lIns="0" tIns="0" rIns="0" bIns="0" rtlCol="0" anchor="t"/>
           <a:lstStyle/>
           <a:p>
-            <a:pPr algn="ctr" indent="0" marL="0">
+            <a:pPr marL="0" indent="0" algn="ctr">
               <a:lnSpc>
                 <a:spcPts val="4200"/>
               </a:lnSpc>
@@ -10754,7 +10478,7 @@
           <a:bodyPr wrap="square" lIns="0" tIns="0" rIns="0" bIns="0" rtlCol="0" anchor="t"/>
           <a:lstStyle/>
           <a:p>
-            <a:pPr algn="ctr" indent="0" marL="0">
+            <a:pPr marL="0" indent="0" algn="ctr">
               <a:lnSpc>
                 <a:spcPts val="3667"/>
               </a:lnSpc>
@@ -10799,7 +10523,7 @@
           <a:bodyPr wrap="square" lIns="0" tIns="0" rIns="0" bIns="0" rtlCol="0" anchor="t"/>
           <a:lstStyle/>
           <a:p>
-            <a:pPr algn="ctr" indent="0" marL="0">
+            <a:pPr marL="0" indent="0" algn="ctr">
               <a:lnSpc>
                 <a:spcPts val="2730"/>
               </a:lnSpc>
@@ -10847,7 +10571,7 @@
           <a:bodyPr wrap="square" lIns="0" tIns="0" rIns="0" bIns="0" rtlCol="0" anchor="t"/>
           <a:lstStyle/>
           <a:p>
-            <a:pPr algn="ctr" indent="0" marL="0">
+            <a:pPr marL="0" indent="0" algn="ctr">
               <a:lnSpc>
                 <a:spcPts val="3360"/>
               </a:lnSpc>
@@ -10895,7 +10619,7 @@
           <a:bodyPr wrap="square" lIns="0" tIns="0" rIns="0" bIns="0" rtlCol="0" anchor="t"/>
           <a:lstStyle/>
           <a:p>
-            <a:pPr algn="ctr" indent="0" marL="0">
+            <a:pPr marL="0" indent="0" algn="ctr">
               <a:lnSpc>
                 <a:spcPts val="2520"/>
               </a:lnSpc>
@@ -10916,7 +10640,7 @@
                 <a:ea typeface="Arial" pitchFamily="34" charset="-122"/>
                 <a:cs typeface="Arial" pitchFamily="34" charset="-120"/>
               </a:rPr>
-              <a:t>Today, you join the transformation</a:t>
+              <a:t>Today, lets join the transformation</a:t>
             </a:r>
             <a:endParaRPr lang="en-US" sz="1800" dirty="0"/>
           </a:p>
@@ -10938,6 +10662,7 @@
         <a:solidFill>
           <a:srgbClr val="FFFFFF"/>
         </a:solidFill>
+        <a:effectLst/>
       </p:bgPr>
     </p:bg>
     <p:spTree>
@@ -10975,7 +10700,7 @@
           <a:bodyPr wrap="square" lIns="0" tIns="0" rIns="0" bIns="0" rtlCol="0" anchor="t"/>
           <a:lstStyle/>
           <a:p>
-            <a:pPr algn="l" indent="0" marL="0">
+            <a:pPr marL="0" indent="0" algn="l">
               <a:lnSpc>
                 <a:spcPts val="2850"/>
               </a:lnSpc>
@@ -11020,7 +10745,7 @@
           <a:bodyPr wrap="square" lIns="0" tIns="0" rIns="0" bIns="0" rtlCol="0" anchor="t"/>
           <a:lstStyle/>
           <a:p>
-            <a:pPr algn="ctr" indent="0" marL="0">
+            <a:pPr marL="0" indent="0" algn="ctr">
               <a:lnSpc>
                 <a:spcPts val="2500"/>
               </a:lnSpc>
@@ -11065,7 +10790,7 @@
           <a:bodyPr wrap="square" lIns="85725" tIns="0" rIns="0" bIns="0" rtlCol="0" anchor="t"/>
           <a:lstStyle/>
           <a:p>
-            <a:pPr algn="l" marL="85725" indent="-85725">
+            <a:pPr marL="85725" indent="-85725" algn="l">
               <a:lnSpc>
                 <a:spcPts val="2333"/>
               </a:lnSpc>
@@ -11089,7 +10814,7 @@
             <a:endParaRPr lang="en-US" sz="1500" dirty="0"/>
           </a:p>
           <a:p>
-            <a:pPr algn="l" marL="85725" indent="-85725">
+            <a:pPr marL="85725" indent="-85725" algn="l">
               <a:lnSpc>
                 <a:spcPts val="2333"/>
               </a:lnSpc>
@@ -11113,7 +10838,7 @@
             <a:endParaRPr lang="en-US" sz="1500" dirty="0"/>
           </a:p>
           <a:p>
-            <a:pPr algn="l" marL="85725" indent="-85725">
+            <a:pPr marL="85725" indent="-85725" algn="l">
               <a:lnSpc>
                 <a:spcPts val="2333"/>
               </a:lnSpc>
@@ -11159,7 +10884,7 @@
           <a:bodyPr wrap="square" lIns="85725" tIns="0" rIns="0" bIns="0" rtlCol="0" anchor="t"/>
           <a:lstStyle/>
           <a:p>
-            <a:pPr algn="l" marL="85725" indent="-85725">
+            <a:pPr marL="85725" indent="-85725" algn="l">
               <a:lnSpc>
                 <a:spcPts val="2333"/>
               </a:lnSpc>
@@ -11183,7 +10908,7 @@
             <a:endParaRPr lang="en-US" sz="1500" dirty="0"/>
           </a:p>
           <a:p>
-            <a:pPr algn="l" marL="85725" indent="-85725">
+            <a:pPr marL="85725" indent="-85725" algn="l">
               <a:lnSpc>
                 <a:spcPts val="2333"/>
               </a:lnSpc>
@@ -11207,7 +10932,7 @@
             <a:endParaRPr lang="en-US" sz="1500" dirty="0"/>
           </a:p>
           <a:p>
-            <a:pPr algn="l" marL="85725" indent="-85725">
+            <a:pPr marL="85725" indent="-85725" algn="l">
               <a:lnSpc>
                 <a:spcPts val="2333"/>
               </a:lnSpc>
@@ -11255,7 +10980,7 @@
           <a:bodyPr wrap="square" rtlCol="0" anchor="ctr"/>
           <a:lstStyle/>
           <a:p>
-            <a:pPr indent="0" marL="0">
+            <a:pPr marL="0" indent="0">
               <a:buNone/>
             </a:pPr>
             <a:endParaRPr lang="en-US" dirty="0"/>
@@ -11284,6 +11009,13 @@
             <a:prstDash val="solid"/>
           </a:ln>
         </p:spPr>
+        <p:txBody>
+          <a:bodyPr/>
+          <a:lstStyle/>
+          <a:p>
+            <a:endParaRPr lang="en-PK"/>
+          </a:p>
+        </p:txBody>
       </p:sp>
       <p:sp>
         <p:nvSpPr>
@@ -11306,7 +11038,7 @@
           <a:bodyPr wrap="square" lIns="0" tIns="0" rIns="0" bIns="0" rtlCol="0" anchor="t"/>
           <a:lstStyle/>
           <a:p>
-            <a:pPr algn="ctr" indent="0" marL="0">
+            <a:pPr marL="0" indent="0" algn="ctr">
               <a:lnSpc>
                 <a:spcPts val="2100"/>
               </a:lnSpc>
@@ -11349,6 +11081,7 @@
         <a:solidFill>
           <a:srgbClr val="FFFFFF"/>
         </a:solidFill>
+        <a:effectLst/>
       </p:bgPr>
     </p:bg>
     <p:spTree>
@@ -11386,7 +11119,7 @@
           <a:bodyPr wrap="square" lIns="0" tIns="0" rIns="0" bIns="0" rtlCol="0" anchor="t"/>
           <a:lstStyle/>
           <a:p>
-            <a:pPr algn="ctr" indent="0" marL="0">
+            <a:pPr marL="0" indent="0" algn="ctr">
               <a:lnSpc>
                 <a:spcPts val="3000"/>
               </a:lnSpc>
@@ -11412,139 +11145,7 @@
       </p:sp>
       <p:pic>
         <p:nvPicPr>
-          <p:cNvPr id="3" name="Image 0" descr="/tmp/rasterized-gradient-8207ef9e.png">    </p:cNvPr>
-          <p:cNvPicPr>
-            <a:picLocks noChangeAspect="1"/>
-          </p:cNvPicPr>
-          <p:nvPr/>
-        </p:nvPicPr>
-        <p:blipFill>
-          <a:blip r:embed="rId1"/>
-          <a:stretch>
-            <a:fillRect/>
-          </a:stretch>
-        </p:blipFill>
-        <p:spPr>
-          <a:xfrm>
-            <a:off x="666750" y="1190625"/>
-            <a:ext cx="3786188" cy="712440"/>
-          </a:xfrm>
-          <a:prstGeom prst="rect">
-            <a:avLst/>
-          </a:prstGeom>
-        </p:spPr>
-      </p:pic>
-      <p:sp>
-        <p:nvSpPr>
-          <p:cNvPr id="4" name="Text 1"/>
-          <p:cNvSpPr/>
-          <p:nvPr/>
-        </p:nvSpPr>
-        <p:spPr>
-          <a:xfrm>
-            <a:off x="842629" y="1400175"/>
-            <a:ext cx="3434429" cy="293340"/>
-          </a:xfrm>
-          <a:prstGeom prst="rect">
-            <a:avLst/>
-          </a:prstGeom>
-          <a:noFill/>
-          <a:ln/>
-        </p:spPr>
-        <p:txBody>
-          <a:bodyPr wrap="square" lIns="0" tIns="0" rIns="0" bIns="0" rtlCol="0" anchor="t"/>
-          <a:lstStyle/>
-          <a:p>
-            <a:pPr algn="ctr" indent="0" marL="0">
-              <a:lnSpc>
-                <a:spcPts val="2310"/>
-              </a:lnSpc>
-              <a:buNone/>
-            </a:pPr>
-            <a:r>
-              <a:rPr lang="en-US" sz="1650" dirty="0">
-                <a:solidFill>
-                  <a:srgbClr val="FFFFFF"/>
-                </a:solidFill>
-                <a:latin typeface="Arial" pitchFamily="34" charset="0"/>
-                <a:ea typeface="Arial" pitchFamily="34" charset="-122"/>
-                <a:cs typeface="Arial" pitchFamily="34" charset="-120"/>
-              </a:rPr>
-              <a:t>📱 Face recognition</a:t>
-            </a:r>
-            <a:endParaRPr lang="en-US" sz="1650" dirty="0"/>
-          </a:p>
-        </p:txBody>
-      </p:sp>
-      <p:pic>
-        <p:nvPicPr>
-          <p:cNvPr id="5" name="Image 1" descr="/tmp/rasterized-gradient-a9f19bca.png">    </p:cNvPr>
-          <p:cNvPicPr>
-            <a:picLocks noChangeAspect="1"/>
-          </p:cNvPicPr>
-          <p:nvPr/>
-        </p:nvPicPr>
-        <p:blipFill>
-          <a:blip r:embed="rId2"/>
-          <a:stretch>
-            <a:fillRect/>
-          </a:stretch>
-        </p:blipFill>
-        <p:spPr>
-          <a:xfrm>
-            <a:off x="4691063" y="1190625"/>
-            <a:ext cx="3786188" cy="712440"/>
-          </a:xfrm>
-          <a:prstGeom prst="rect">
-            <a:avLst/>
-          </a:prstGeom>
-        </p:spPr>
-      </p:pic>
-      <p:sp>
-        <p:nvSpPr>
-          <p:cNvPr id="6" name="Text 2"/>
-          <p:cNvSpPr/>
-          <p:nvPr/>
-        </p:nvSpPr>
-        <p:spPr>
-          <a:xfrm>
-            <a:off x="4866942" y="1400175"/>
-            <a:ext cx="3434429" cy="293340"/>
-          </a:xfrm>
-          <a:prstGeom prst="rect">
-            <a:avLst/>
-          </a:prstGeom>
-          <a:noFill/>
-          <a:ln/>
-        </p:spPr>
-        <p:txBody>
-          <a:bodyPr wrap="square" lIns="0" tIns="0" rIns="0" bIns="0" rtlCol="0" anchor="t"/>
-          <a:lstStyle/>
-          <a:p>
-            <a:pPr algn="ctr" indent="0" marL="0">
-              <a:lnSpc>
-                <a:spcPts val="2310"/>
-              </a:lnSpc>
-              <a:buNone/>
-            </a:pPr>
-            <a:r>
-              <a:rPr lang="en-US" sz="1650" dirty="0">
-                <a:solidFill>
-                  <a:srgbClr val="FFFFFF"/>
-                </a:solidFill>
-                <a:latin typeface="Arial" pitchFamily="34" charset="0"/>
-                <a:ea typeface="Arial" pitchFamily="34" charset="-122"/>
-                <a:cs typeface="Arial" pitchFamily="34" charset="-120"/>
-              </a:rPr>
-              <a:t>🎵 Spotify</a:t>
-            </a:r>
-            <a:endParaRPr lang="en-US" sz="1650" dirty="0"/>
-          </a:p>
-        </p:txBody>
-      </p:sp>
-      <p:pic>
-        <p:nvPicPr>
-          <p:cNvPr id="7" name="Image 2" descr="/tmp/rasterized-gradient-da6e8192.png">    </p:cNvPr>
+          <p:cNvPr id="3" name="Image 0" descr="/tmp/rasterized-gradient-8207ef9e.png"/>
           <p:cNvPicPr>
             <a:picLocks noChangeAspect="1"/>
           </p:cNvPicPr>
@@ -11558,7 +11159,7 @@
         </p:blipFill>
         <p:spPr>
           <a:xfrm>
-            <a:off x="666750" y="2141190"/>
+            <a:off x="666750" y="1190625"/>
             <a:ext cx="3786188" cy="712440"/>
           </a:xfrm>
           <a:prstGeom prst="rect">
@@ -11568,13 +11169,13 @@
       </p:pic>
       <p:sp>
         <p:nvSpPr>
-          <p:cNvPr id="8" name="Text 3"/>
-          <p:cNvSpPr/>
-          <p:nvPr/>
-        </p:nvSpPr>
-        <p:spPr>
-          <a:xfrm>
-            <a:off x="842629" y="2350740"/>
+          <p:cNvPr id="4" name="Text 1"/>
+          <p:cNvSpPr/>
+          <p:nvPr/>
+        </p:nvSpPr>
+        <p:spPr>
+          <a:xfrm>
+            <a:off x="842629" y="1400175"/>
             <a:ext cx="3434429" cy="293340"/>
           </a:xfrm>
           <a:prstGeom prst="rect">
@@ -11587,7 +11188,7 @@
           <a:bodyPr wrap="square" lIns="0" tIns="0" rIns="0" bIns="0" rtlCol="0" anchor="t"/>
           <a:lstStyle/>
           <a:p>
-            <a:pPr algn="ctr" indent="0" marL="0">
+            <a:pPr marL="0" indent="0" algn="ctr">
               <a:lnSpc>
                 <a:spcPts val="2310"/>
               </a:lnSpc>
@@ -11602,7 +11203,7 @@
                 <a:ea typeface="Arial" pitchFamily="34" charset="-122"/>
                 <a:cs typeface="Arial" pitchFamily="34" charset="-120"/>
               </a:rPr>
-              <a:t>🗺️ Google Maps</a:t>
+              <a:t>📱 Face recognition</a:t>
             </a:r>
             <a:endParaRPr lang="en-US" sz="1650" dirty="0"/>
           </a:p>
@@ -11610,7 +11211,7 @@
       </p:sp>
       <p:pic>
         <p:nvPicPr>
-          <p:cNvPr id="9" name="Image 3" descr="/tmp/rasterized-gradient-18708037.png">    </p:cNvPr>
+          <p:cNvPr id="5" name="Image 1" descr="/tmp/rasterized-gradient-a9f19bca.png"/>
           <p:cNvPicPr>
             <a:picLocks noChangeAspect="1"/>
           </p:cNvPicPr>
@@ -11624,7 +11225,7 @@
         </p:blipFill>
         <p:spPr>
           <a:xfrm>
-            <a:off x="4691063" y="2141190"/>
+            <a:off x="4691063" y="1190625"/>
             <a:ext cx="3786188" cy="712440"/>
           </a:xfrm>
           <a:prstGeom prst="rect">
@@ -11634,13 +11235,13 @@
       </p:pic>
       <p:sp>
         <p:nvSpPr>
-          <p:cNvPr id="10" name="Text 4"/>
-          <p:cNvSpPr/>
-          <p:nvPr/>
-        </p:nvSpPr>
-        <p:spPr>
-          <a:xfrm>
-            <a:off x="4866942" y="2350740"/>
+          <p:cNvPr id="6" name="Text 2"/>
+          <p:cNvSpPr/>
+          <p:nvPr/>
+        </p:nvSpPr>
+        <p:spPr>
+          <a:xfrm>
+            <a:off x="4866942" y="1400175"/>
             <a:ext cx="3434429" cy="293340"/>
           </a:xfrm>
           <a:prstGeom prst="rect">
@@ -11653,7 +11254,7 @@
           <a:bodyPr wrap="square" lIns="0" tIns="0" rIns="0" bIns="0" rtlCol="0" anchor="t"/>
           <a:lstStyle/>
           <a:p>
-            <a:pPr algn="ctr" indent="0" marL="0">
+            <a:pPr marL="0" indent="0" algn="ctr">
               <a:lnSpc>
                 <a:spcPts val="2310"/>
               </a:lnSpc>
@@ -11668,7 +11269,7 @@
                 <a:ea typeface="Arial" pitchFamily="34" charset="-122"/>
                 <a:cs typeface="Arial" pitchFamily="34" charset="-120"/>
               </a:rPr>
-              <a:t>🛒 Amazon</a:t>
+              <a:t>🎵 Spotify</a:t>
             </a:r>
             <a:endParaRPr lang="en-US" sz="1650" dirty="0"/>
           </a:p>
@@ -11676,7 +11277,7 @@
       </p:sp>
       <p:pic>
         <p:nvPicPr>
-          <p:cNvPr id="11" name="Image 4" descr="/tmp/rasterized-gradient-4c61f480.png">    </p:cNvPr>
+          <p:cNvPr id="7" name="Image 2" descr="/tmp/rasterized-gradient-da6e8192.png"/>
           <p:cNvPicPr>
             <a:picLocks noChangeAspect="1"/>
           </p:cNvPicPr>
@@ -11690,7 +11291,7 @@
         </p:blipFill>
         <p:spPr>
           <a:xfrm>
-            <a:off x="666750" y="3091755"/>
+            <a:off x="666750" y="2141190"/>
             <a:ext cx="3786188" cy="712440"/>
           </a:xfrm>
           <a:prstGeom prst="rect">
@@ -11700,13 +11301,13 @@
       </p:pic>
       <p:sp>
         <p:nvSpPr>
-          <p:cNvPr id="12" name="Text 5"/>
-          <p:cNvSpPr/>
-          <p:nvPr/>
-        </p:nvSpPr>
-        <p:spPr>
-          <a:xfrm>
-            <a:off x="842629" y="3301305"/>
+          <p:cNvPr id="8" name="Text 3"/>
+          <p:cNvSpPr/>
+          <p:nvPr/>
+        </p:nvSpPr>
+        <p:spPr>
+          <a:xfrm>
+            <a:off x="842629" y="2350740"/>
             <a:ext cx="3434429" cy="293340"/>
           </a:xfrm>
           <a:prstGeom prst="rect">
@@ -11719,7 +11320,7 @@
           <a:bodyPr wrap="square" lIns="0" tIns="0" rIns="0" bIns="0" rtlCol="0" anchor="t"/>
           <a:lstStyle/>
           <a:p>
-            <a:pPr algn="ctr" indent="0" marL="0">
+            <a:pPr marL="0" indent="0" algn="ctr">
               <a:lnSpc>
                 <a:spcPts val="2310"/>
               </a:lnSpc>
@@ -11734,7 +11335,7 @@
                 <a:ea typeface="Arial" pitchFamily="34" charset="-122"/>
                 <a:cs typeface="Arial" pitchFamily="34" charset="-120"/>
               </a:rPr>
-              <a:t>🎬 Netflix</a:t>
+              <a:t>🗺️ Google Maps</a:t>
             </a:r>
             <a:endParaRPr lang="en-US" sz="1650" dirty="0"/>
           </a:p>
@@ -11742,7 +11343,7 @@
       </p:sp>
       <p:pic>
         <p:nvPicPr>
-          <p:cNvPr id="13" name="Image 5" descr="/tmp/rasterized-gradient-0dd7b3b5.png">    </p:cNvPr>
+          <p:cNvPr id="9" name="Image 3" descr="/tmp/rasterized-gradient-18708037.png"/>
           <p:cNvPicPr>
             <a:picLocks noChangeAspect="1"/>
           </p:cNvPicPr>
@@ -11756,6 +11357,138 @@
         </p:blipFill>
         <p:spPr>
           <a:xfrm>
+            <a:off x="4691063" y="2141190"/>
+            <a:ext cx="3786188" cy="712440"/>
+          </a:xfrm>
+          <a:prstGeom prst="rect">
+            <a:avLst/>
+          </a:prstGeom>
+        </p:spPr>
+      </p:pic>
+      <p:sp>
+        <p:nvSpPr>
+          <p:cNvPr id="10" name="Text 4"/>
+          <p:cNvSpPr/>
+          <p:nvPr/>
+        </p:nvSpPr>
+        <p:spPr>
+          <a:xfrm>
+            <a:off x="4866942" y="2350740"/>
+            <a:ext cx="3434429" cy="293340"/>
+          </a:xfrm>
+          <a:prstGeom prst="rect">
+            <a:avLst/>
+          </a:prstGeom>
+          <a:noFill/>
+          <a:ln/>
+        </p:spPr>
+        <p:txBody>
+          <a:bodyPr wrap="square" lIns="0" tIns="0" rIns="0" bIns="0" rtlCol="0" anchor="t"/>
+          <a:lstStyle/>
+          <a:p>
+            <a:pPr marL="0" indent="0" algn="ctr">
+              <a:lnSpc>
+                <a:spcPts val="2310"/>
+              </a:lnSpc>
+              <a:buNone/>
+            </a:pPr>
+            <a:r>
+              <a:rPr lang="en-US" sz="1650" dirty="0">
+                <a:solidFill>
+                  <a:srgbClr val="FFFFFF"/>
+                </a:solidFill>
+                <a:latin typeface="Arial" pitchFamily="34" charset="0"/>
+                <a:ea typeface="Arial" pitchFamily="34" charset="-122"/>
+                <a:cs typeface="Arial" pitchFamily="34" charset="-120"/>
+              </a:rPr>
+              <a:t>🛒 Amazon</a:t>
+            </a:r>
+            <a:endParaRPr lang="en-US" sz="1650" dirty="0"/>
+          </a:p>
+        </p:txBody>
+      </p:sp>
+      <p:pic>
+        <p:nvPicPr>
+          <p:cNvPr id="11" name="Image 4" descr="/tmp/rasterized-gradient-4c61f480.png"/>
+          <p:cNvPicPr>
+            <a:picLocks noChangeAspect="1"/>
+          </p:cNvPicPr>
+          <p:nvPr/>
+        </p:nvPicPr>
+        <p:blipFill>
+          <a:blip r:embed="rId7"/>
+          <a:stretch>
+            <a:fillRect/>
+          </a:stretch>
+        </p:blipFill>
+        <p:spPr>
+          <a:xfrm>
+            <a:off x="666750" y="3091755"/>
+            <a:ext cx="3786188" cy="712440"/>
+          </a:xfrm>
+          <a:prstGeom prst="rect">
+            <a:avLst/>
+          </a:prstGeom>
+        </p:spPr>
+      </p:pic>
+      <p:sp>
+        <p:nvSpPr>
+          <p:cNvPr id="12" name="Text 5"/>
+          <p:cNvSpPr/>
+          <p:nvPr/>
+        </p:nvSpPr>
+        <p:spPr>
+          <a:xfrm>
+            <a:off x="842629" y="3301305"/>
+            <a:ext cx="3434429" cy="293340"/>
+          </a:xfrm>
+          <a:prstGeom prst="rect">
+            <a:avLst/>
+          </a:prstGeom>
+          <a:noFill/>
+          <a:ln/>
+        </p:spPr>
+        <p:txBody>
+          <a:bodyPr wrap="square" lIns="0" tIns="0" rIns="0" bIns="0" rtlCol="0" anchor="t"/>
+          <a:lstStyle/>
+          <a:p>
+            <a:pPr marL="0" indent="0" algn="ctr">
+              <a:lnSpc>
+                <a:spcPts val="2310"/>
+              </a:lnSpc>
+              <a:buNone/>
+            </a:pPr>
+            <a:r>
+              <a:rPr lang="en-US" sz="1650" dirty="0">
+                <a:solidFill>
+                  <a:srgbClr val="FFFFFF"/>
+                </a:solidFill>
+                <a:latin typeface="Arial" pitchFamily="34" charset="0"/>
+                <a:ea typeface="Arial" pitchFamily="34" charset="-122"/>
+                <a:cs typeface="Arial" pitchFamily="34" charset="-120"/>
+              </a:rPr>
+              <a:t>🎬 Netflix</a:t>
+            </a:r>
+            <a:endParaRPr lang="en-US" sz="1650" dirty="0"/>
+          </a:p>
+        </p:txBody>
+      </p:sp>
+      <p:pic>
+        <p:nvPicPr>
+          <p:cNvPr id="13" name="Image 5" descr="/tmp/rasterized-gradient-0dd7b3b5.png"/>
+          <p:cNvPicPr>
+            <a:picLocks noChangeAspect="1"/>
+          </p:cNvPicPr>
+          <p:nvPr/>
+        </p:nvPicPr>
+        <p:blipFill>
+          <a:blip r:embed="rId8"/>
+          <a:stretch>
+            <a:fillRect/>
+          </a:stretch>
+        </p:blipFill>
+        <p:spPr>
+          <a:xfrm>
             <a:off x="4691063" y="3091755"/>
             <a:ext cx="3786188" cy="712440"/>
           </a:xfrm>
@@ -11785,7 +11518,7 @@
           <a:bodyPr wrap="square" lIns="0" tIns="0" rIns="0" bIns="0" rtlCol="0" anchor="t"/>
           <a:lstStyle/>
           <a:p>
-            <a:pPr algn="ctr" indent="0" marL="0">
+            <a:pPr marL="0" indent="0" algn="ctr">
               <a:lnSpc>
                 <a:spcPts val="2310"/>
               </a:lnSpc>
@@ -11822,6 +11555,7 @@
         <a:solidFill>
           <a:srgbClr val="FFFFFF"/>
         </a:solidFill>
+        <a:effectLst/>
       </p:bgPr>
     </p:bg>
     <p:spTree>
@@ -11859,7 +11593,7 @@
           <a:bodyPr wrap="square" lIns="0" tIns="0" rIns="0" bIns="0" rtlCol="0" anchor="t"/>
           <a:lstStyle/>
           <a:p>
-            <a:pPr algn="l" indent="0" marL="0">
+            <a:pPr marL="0" indent="0" algn="l">
               <a:lnSpc>
                 <a:spcPts val="2700"/>
               </a:lnSpc>
@@ -11904,7 +11638,7 @@
           <a:bodyPr wrap="square" lIns="0" tIns="0" rIns="0" bIns="0" rtlCol="0" anchor="t"/>
           <a:lstStyle/>
           <a:p>
-            <a:pPr algn="l" indent="0" marL="0">
+            <a:pPr marL="0" indent="0" algn="l">
               <a:lnSpc>
                 <a:spcPts val="1917"/>
               </a:lnSpc>
@@ -11952,7 +11686,7 @@
           <a:bodyPr wrap="square" lIns="85725" tIns="0" rIns="0" bIns="0" rtlCol="0" anchor="t"/>
           <a:lstStyle/>
           <a:p>
-            <a:pPr algn="l" marL="85725" indent="-85725">
+            <a:pPr marL="85725" indent="-85725" algn="l">
               <a:lnSpc>
                 <a:spcPts val="2100"/>
               </a:lnSpc>
@@ -11973,15 +11707,6 @@
               </a:rPr>
               <a:t>🎯 AlphaGo (2016):</a:t>
             </a:r>
-            <a:pPr algn="l" indent="0" marL="0">
-              <a:lnSpc>
-                <a:spcPts val="2100"/>
-              </a:lnSpc>
-              <a:spcAft>
-                <a:spcPts val="675"/>
-              </a:spcAft>
-              <a:buNone/>
-            </a:pPr>
             <a:r>
               <a:rPr lang="en-US" sz="1350" dirty="0">
                 <a:solidFill>
@@ -11996,7 +11721,7 @@
             <a:endParaRPr lang="en-US" sz="1350" dirty="0"/>
           </a:p>
           <a:p>
-            <a:pPr algn="l" marL="85725" indent="-85725">
+            <a:pPr marL="85725" indent="-85725" algn="l">
               <a:lnSpc>
                 <a:spcPts val="2100"/>
               </a:lnSpc>
@@ -12017,15 +11742,6 @@
               </a:rPr>
               <a:t>🚗 Tesla (2017):</a:t>
             </a:r>
-            <a:pPr algn="l" indent="0" marL="0">
-              <a:lnSpc>
-                <a:spcPts val="2100"/>
-              </a:lnSpc>
-              <a:spcAft>
-                <a:spcPts val="675"/>
-              </a:spcAft>
-              <a:buNone/>
-            </a:pPr>
             <a:r>
               <a:rPr lang="en-US" sz="1350" dirty="0">
                 <a:solidFill>
@@ -12040,7 +11756,7 @@
             <a:endParaRPr lang="en-US" sz="1350" dirty="0"/>
           </a:p>
           <a:p>
-            <a:pPr algn="l" marL="85725" indent="-85725">
+            <a:pPr marL="85725" indent="-85725" algn="l">
               <a:lnSpc>
                 <a:spcPts val="2100"/>
               </a:lnSpc>
@@ -12061,15 +11777,6 @@
               </a:rPr>
               <a:t>🔍 Medical AI (2018):</a:t>
             </a:r>
-            <a:pPr algn="l" indent="0" marL="0">
-              <a:lnSpc>
-                <a:spcPts val="2100"/>
-              </a:lnSpc>
-              <a:spcAft>
-                <a:spcPts val="675"/>
-              </a:spcAft>
-              <a:buNone/>
-            </a:pPr>
             <a:r>
               <a:rPr lang="en-US" sz="1350" dirty="0">
                 <a:solidFill>
@@ -12106,7 +11813,7 @@
           <a:bodyPr wrap="square" lIns="0" tIns="0" rIns="0" bIns="0" rtlCol="0" anchor="t"/>
           <a:lstStyle/>
           <a:p>
-            <a:pPr algn="l" indent="0" marL="0">
+            <a:pPr marL="0" indent="0" algn="l">
               <a:lnSpc>
                 <a:spcPts val="1917"/>
               </a:lnSpc>
@@ -12154,7 +11861,7 @@
           <a:bodyPr wrap="square" lIns="85725" tIns="0" rIns="0" bIns="0" rtlCol="0" anchor="t"/>
           <a:lstStyle/>
           <a:p>
-            <a:pPr algn="l" marL="85725" indent="-85725">
+            <a:pPr marL="85725" indent="-85725" algn="l">
               <a:lnSpc>
                 <a:spcPts val="2100"/>
               </a:lnSpc>
@@ -12175,15 +11882,6 @@
               </a:rPr>
               <a:t>💬 ChatGPT (2022):</a:t>
             </a:r>
-            <a:pPr algn="l" indent="0" marL="0">
-              <a:lnSpc>
-                <a:spcPts val="2100"/>
-              </a:lnSpc>
-              <a:spcAft>
-                <a:spcPts val="675"/>
-              </a:spcAft>
-              <a:buNone/>
-            </a:pPr>
             <a:r>
               <a:rPr lang="en-US" sz="1350" dirty="0">
                 <a:solidFill>
@@ -12198,7 +11896,7 @@
             <a:endParaRPr lang="en-US" sz="1350" dirty="0"/>
           </a:p>
           <a:p>
-            <a:pPr algn="l" marL="85725" indent="-85725">
+            <a:pPr marL="85725" indent="-85725" algn="l">
               <a:lnSpc>
                 <a:spcPts val="2100"/>
               </a:lnSpc>
@@ -12219,15 +11917,6 @@
               </a:rPr>
               <a:t>🎨 DALL-E (2023):</a:t>
             </a:r>
-            <a:pPr algn="l" indent="0" marL="0">
-              <a:lnSpc>
-                <a:spcPts val="2100"/>
-              </a:lnSpc>
-              <a:spcAft>
-                <a:spcPts val="675"/>
-              </a:spcAft>
-              <a:buNone/>
-            </a:pPr>
             <a:r>
               <a:rPr lang="en-US" sz="1350" dirty="0">
                 <a:solidFill>
@@ -12242,7 +11931,7 @@
             <a:endParaRPr lang="en-US" sz="1350" dirty="0"/>
           </a:p>
           <a:p>
-            <a:pPr algn="l" marL="85725" indent="-85725">
+            <a:pPr marL="85725" indent="-85725" algn="l">
               <a:lnSpc>
                 <a:spcPts val="2100"/>
               </a:lnSpc>
@@ -12263,15 +11952,6 @@
               </a:rPr>
               <a:t>🌍 Climate AI (2024):</a:t>
             </a:r>
-            <a:pPr algn="l" indent="0" marL="0">
-              <a:lnSpc>
-                <a:spcPts val="2100"/>
-              </a:lnSpc>
-              <a:spcAft>
-                <a:spcPts val="675"/>
-              </a:spcAft>
-              <a:buNone/>
-            </a:pPr>
             <a:r>
               <a:rPr lang="en-US" sz="1350" dirty="0">
                 <a:solidFill>
@@ -12310,7 +11990,7 @@
           <a:bodyPr wrap="square" rtlCol="0" anchor="ctr"/>
           <a:lstStyle/>
           <a:p>
-            <a:pPr indent="0" marL="0">
+            <a:pPr marL="0" indent="0">
               <a:buNone/>
             </a:pPr>
             <a:endParaRPr lang="en-US" dirty="0"/>
@@ -12339,6 +12019,13 @@
             <a:prstDash val="solid"/>
           </a:ln>
         </p:spPr>
+        <p:txBody>
+          <a:bodyPr/>
+          <a:lstStyle/>
+          <a:p>
+            <a:endParaRPr lang="en-PK"/>
+          </a:p>
+        </p:txBody>
       </p:sp>
       <p:sp>
         <p:nvSpPr>
@@ -12361,7 +12048,7 @@
           <a:bodyPr wrap="square" lIns="0" tIns="0" rIns="0" bIns="0" rtlCol="0" anchor="t"/>
           <a:lstStyle/>
           <a:p>
-            <a:pPr algn="l" indent="0" marL="0">
+            <a:pPr marL="0" indent="0" algn="l">
               <a:lnSpc>
                 <a:spcPts val="1890"/>
               </a:lnSpc>
@@ -12404,6 +12091,7 @@
         <a:solidFill>
           <a:srgbClr val="FFFFFF"/>
         </a:solidFill>
+        <a:effectLst/>
       </p:bgPr>
     </p:bg>
     <p:spTree>
@@ -12441,7 +12129,7 @@
           <a:bodyPr wrap="square" lIns="0" tIns="0" rIns="0" bIns="0" rtlCol="0" anchor="t"/>
           <a:lstStyle/>
           <a:p>
-            <a:pPr algn="l" indent="0" marL="0">
+            <a:pPr marL="0" indent="0" algn="l">
               <a:lnSpc>
                 <a:spcPts val="3000"/>
               </a:lnSpc>
@@ -12486,7 +12174,7 @@
           <a:bodyPr wrap="square" lIns="0" tIns="0" rIns="0" bIns="0" rtlCol="0" anchor="t"/>
           <a:lstStyle/>
           <a:p>
-            <a:pPr algn="ctr" indent="0" marL="0">
+            <a:pPr marL="0" indent="0" algn="ctr">
               <a:lnSpc>
                 <a:spcPts val="2333"/>
               </a:lnSpc>
@@ -12535,7 +12223,7 @@
           <a:bodyPr wrap="square" rtlCol="0" anchor="ctr"/>
           <a:lstStyle/>
           <a:p>
-            <a:pPr indent="0" marL="0">
+            <a:pPr marL="0" indent="0">
               <a:buNone/>
             </a:pPr>
             <a:endParaRPr lang="en-US" dirty="0"/>
@@ -12563,7 +12251,7 @@
           <a:bodyPr wrap="square" lIns="0" tIns="0" rIns="0" bIns="0" rtlCol="0" anchor="t"/>
           <a:lstStyle/>
           <a:p>
-            <a:pPr algn="ctr" indent="0" marL="0">
+            <a:pPr marL="0" indent="0" algn="ctr">
               <a:lnSpc>
                 <a:spcPts val="3360"/>
               </a:lnSpc>
@@ -12586,7 +12274,88 @@
               </a:rPr>
               <a:t>📚 Training Data </a:t>
             </a:r>
-            <a:pPr algn="ctr" indent="0" marL="0">
+            <a:r>
+              <a:rPr lang="en-US" sz="2100" b="1" dirty="0">
+                <a:solidFill>
+                  <a:srgbClr val="FFD700"/>
+                </a:solidFill>
+                <a:latin typeface="Arial" pitchFamily="34" charset="0"/>
+                <a:ea typeface="Arial" pitchFamily="34" charset="-122"/>
+                <a:cs typeface="Arial" pitchFamily="34" charset="-120"/>
+              </a:rPr>
+              <a:t>→</a:t>
+            </a:r>
+            <a:r>
+              <a:rPr lang="en-US" sz="1800" dirty="0">
+                <a:solidFill>
+                  <a:srgbClr val="2C3E50"/>
+                </a:solidFill>
+                <a:latin typeface="Arial" pitchFamily="34" charset="0"/>
+                <a:ea typeface="Arial" pitchFamily="34" charset="-122"/>
+                <a:cs typeface="Arial" pitchFamily="34" charset="-120"/>
+              </a:rPr>
+              <a:t> 🔍 Find Patterns </a:t>
+            </a:r>
+            <a:r>
+              <a:rPr lang="en-US" sz="2100" b="1" dirty="0">
+                <a:solidFill>
+                  <a:srgbClr val="FFD700"/>
+                </a:solidFill>
+                <a:latin typeface="Arial" pitchFamily="34" charset="0"/>
+                <a:ea typeface="Arial" pitchFamily="34" charset="-122"/>
+                <a:cs typeface="Arial" pitchFamily="34" charset="-120"/>
+              </a:rPr>
+              <a:t>→</a:t>
+            </a:r>
+            <a:r>
+              <a:rPr lang="en-US" sz="1800" dirty="0">
+                <a:solidFill>
+                  <a:srgbClr val="2C3E50"/>
+                </a:solidFill>
+                <a:latin typeface="Arial" pitchFamily="34" charset="0"/>
+                <a:ea typeface="Arial" pitchFamily="34" charset="-122"/>
+                <a:cs typeface="Arial" pitchFamily="34" charset="-120"/>
+              </a:rPr>
+              <a:t> 🧪 Test &amp; Validate 
+</a:t>
+            </a:r>
+            <a:r>
+              <a:rPr lang="en-US" sz="2100" b="1" dirty="0">
+                <a:solidFill>
+                  <a:srgbClr val="FFD700"/>
+                </a:solidFill>
+                <a:latin typeface="Arial" pitchFamily="34" charset="0"/>
+                <a:ea typeface="Arial" pitchFamily="34" charset="-122"/>
+                <a:cs typeface="Arial" pitchFamily="34" charset="-120"/>
+              </a:rPr>
+              <a:t>↑</a:t>
+            </a:r>
+            <a:r>
+              <a:rPr lang="en-US" sz="1800" dirty="0">
+                <a:solidFill>
+                  <a:srgbClr val="2C3E50"/>
+                </a:solidFill>
+                <a:latin typeface="Arial" pitchFamily="34" charset="0"/>
+                <a:ea typeface="Arial" pitchFamily="34" charset="-122"/>
+                <a:cs typeface="Arial" pitchFamily="34" charset="-120"/>
+              </a:rPr>
+              <a:t>  </a:t>
+            </a:r>
+            <a:r>
+              <a:rPr lang="en-US" sz="2100" b="1" dirty="0">
+                <a:solidFill>
+                  <a:srgbClr val="FFD700"/>
+                </a:solidFill>
+                <a:latin typeface="Arial" pitchFamily="34" charset="0"/>
+                <a:ea typeface="Arial" pitchFamily="34" charset="-122"/>
+                <a:cs typeface="Arial" pitchFamily="34" charset="-120"/>
+              </a:rPr>
+              <a:t>↓</a:t>
+            </a:r>
+            <a:endParaRPr lang="en-US" sz="1800" dirty="0"/>
+          </a:p>
+          <a:p>
+            <a:pPr marL="0" indent="0" algn="ctr">
               <a:lnSpc>
                 <a:spcPts val="3360"/>
               </a:lnSpc>
@@ -12599,17 +12368,20 @@
               <a:buNone/>
             </a:pPr>
             <a:r>
-              <a:rPr lang="en-US" sz="2100" b="1" dirty="0">
-                <a:solidFill>
-                  <a:srgbClr val="FFD700"/>
-                </a:solidFill>
-                <a:latin typeface="Arial" pitchFamily="34" charset="0"/>
-                <a:ea typeface="Arial" pitchFamily="34" charset="-122"/>
-                <a:cs typeface="Arial" pitchFamily="34" charset="-120"/>
-              </a:rPr>
-              <a:t>→</a:t>
-            </a:r>
-            <a:pPr algn="ctr" indent="0" marL="0">
+              <a:rPr lang="en-US" sz="1800" dirty="0">
+                <a:solidFill>
+                  <a:srgbClr val="2C3E50"/>
+                </a:solidFill>
+                <a:latin typeface="Arial" pitchFamily="34" charset="0"/>
+                <a:ea typeface="Arial" pitchFamily="34" charset="-122"/>
+                <a:cs typeface="Arial" pitchFamily="34" charset="-120"/>
+              </a:rPr>
+              <a:t> </a:t>
+            </a:r>
+            <a:endParaRPr lang="en-US" sz="1800" dirty="0"/>
+          </a:p>
+          <a:p>
+            <a:pPr marL="0" indent="0" algn="ctr">
               <a:lnSpc>
                 <a:spcPts val="3360"/>
               </a:lnSpc>
@@ -12622,6 +12394,17 @@
               <a:buNone/>
             </a:pPr>
             <a:r>
+              <a:rPr lang="en-US" sz="2100" b="1" dirty="0">
+                <a:solidFill>
+                  <a:srgbClr val="FFD700"/>
+                </a:solidFill>
+                <a:latin typeface="Arial" pitchFamily="34" charset="0"/>
+                <a:ea typeface="Arial" pitchFamily="34" charset="-122"/>
+                <a:cs typeface="Arial" pitchFamily="34" charset="-120"/>
+              </a:rPr>
+              <a:t>←</a:t>
+            </a:r>
+            <a:r>
               <a:rPr lang="en-US" sz="1800" dirty="0">
                 <a:solidFill>
                   <a:srgbClr val="2C3E50"/>
@@ -12630,20 +12413,8 @@
                 <a:ea typeface="Arial" pitchFamily="34" charset="-122"/>
                 <a:cs typeface="Arial" pitchFamily="34" charset="-120"/>
               </a:rPr>
-              <a:t> 🔍 Find Patterns </a:t>
-            </a:r>
-            <a:pPr algn="ctr" indent="0" marL="0">
-              <a:lnSpc>
-                <a:spcPts val="3360"/>
-              </a:lnSpc>
-              <a:spcBef>
-                <a:spcPts val="300"/>
-              </a:spcBef>
-              <a:spcAft>
-                <a:spcPts val="300"/>
-              </a:spcAft>
-              <a:buNone/>
-            </a:pPr>
+              <a:t> 🔄 Improve </a:t>
+            </a:r>
             <a:r>
               <a:rPr lang="en-US" sz="2100" b="1" dirty="0">
                 <a:solidFill>
@@ -12653,246 +12424,8 @@
                 <a:ea typeface="Arial" pitchFamily="34" charset="-122"/>
                 <a:cs typeface="Arial" pitchFamily="34" charset="-120"/>
               </a:rPr>
-              <a:t>→</a:t>
-            </a:r>
-            <a:pPr algn="ctr" indent="0" marL="0">
-              <a:lnSpc>
-                <a:spcPts val="3360"/>
-              </a:lnSpc>
-              <a:spcBef>
-                <a:spcPts val="300"/>
-              </a:spcBef>
-              <a:spcAft>
-                <a:spcPts val="300"/>
-              </a:spcAft>
-              <a:buNone/>
-            </a:pPr>
-            <a:r>
-              <a:rPr lang="en-US" sz="1800" dirty="0">
-                <a:solidFill>
-                  <a:srgbClr val="2C3E50"/>
-                </a:solidFill>
-                <a:latin typeface="Arial" pitchFamily="34" charset="0"/>
-                <a:ea typeface="Arial" pitchFamily="34" charset="-122"/>
-                <a:cs typeface="Arial" pitchFamily="34" charset="-120"/>
-              </a:rPr>
-              <a:t> 🧪 Test &amp; Validate 
-</a:t>
-            </a:r>
-            <a:pPr algn="ctr" indent="0" marL="0">
-              <a:lnSpc>
-                <a:spcPts val="3360"/>
-              </a:lnSpc>
-              <a:spcBef>
-                <a:spcPts val="300"/>
-              </a:spcBef>
-              <a:spcAft>
-                <a:spcPts val="300"/>
-              </a:spcAft>
-              <a:buNone/>
-            </a:pPr>
-            <a:r>
-              <a:rPr lang="en-US" sz="2100" b="1" dirty="0">
-                <a:solidFill>
-                  <a:srgbClr val="FFD700"/>
-                </a:solidFill>
-                <a:latin typeface="Arial" pitchFamily="34" charset="0"/>
-                <a:ea typeface="Arial" pitchFamily="34" charset="-122"/>
-                <a:cs typeface="Arial" pitchFamily="34" charset="-120"/>
-              </a:rPr>
-              <a:t>↑</a:t>
-            </a:r>
-            <a:pPr algn="ctr" indent="0" marL="0">
-              <a:lnSpc>
-                <a:spcPts val="3360"/>
-              </a:lnSpc>
-              <a:spcBef>
-                <a:spcPts val="300"/>
-              </a:spcBef>
-              <a:spcAft>
-                <a:spcPts val="300"/>
-              </a:spcAft>
-              <a:buNone/>
-            </a:pPr>
-            <a:r>
-              <a:rPr lang="en-US" sz="1800" dirty="0">
-                <a:solidFill>
-                  <a:srgbClr val="2C3E50"/>
-                </a:solidFill>
-                <a:latin typeface="Arial" pitchFamily="34" charset="0"/>
-                <a:ea typeface="Arial" pitchFamily="34" charset="-122"/>
-                <a:cs typeface="Arial" pitchFamily="34" charset="-120"/>
-              </a:rPr>
-              <a:t> </a:t>
-            </a:r>
-            <a:pPr algn="ctr" indent="0" marL="0">
-              <a:lnSpc>
-                <a:spcPts val="3360"/>
-              </a:lnSpc>
-              <a:spcBef>
-                <a:spcPts val="300"/>
-              </a:spcBef>
-              <a:spcAft>
-                <a:spcPts val="300"/>
-              </a:spcAft>
-              <a:buNone/>
-            </a:pPr>
-            <a:r>
-              <a:rPr lang="en-US" sz="1800" dirty="0">
-                <a:solidFill>
-                  <a:srgbClr val="2C3E50"/>
-                </a:solidFill>
-                <a:latin typeface="Arial" pitchFamily="34" charset="0"/>
-                <a:ea typeface="Arial" pitchFamily="34" charset="-122"/>
-                <a:cs typeface="Arial" pitchFamily="34" charset="-120"/>
-              </a:rPr>
-              <a:t> </a:t>
-            </a:r>
-            <a:pPr algn="ctr" indent="0" marL="0">
-              <a:lnSpc>
-                <a:spcPts val="3360"/>
-              </a:lnSpc>
-              <a:spcBef>
-                <a:spcPts val="300"/>
-              </a:spcBef>
-              <a:spcAft>
-                <a:spcPts val="300"/>
-              </a:spcAft>
-              <a:buNone/>
-            </a:pPr>
-            <a:r>
-              <a:rPr lang="en-US" sz="2100" b="1" dirty="0">
-                <a:solidFill>
-                  <a:srgbClr val="FFD700"/>
-                </a:solidFill>
-                <a:latin typeface="Arial" pitchFamily="34" charset="0"/>
-                <a:ea typeface="Arial" pitchFamily="34" charset="-122"/>
-                <a:cs typeface="Arial" pitchFamily="34" charset="-120"/>
-              </a:rPr>
-              <a:t>↓</a:t>
-            </a:r>
-            <a:pPr algn="ctr" indent="0" marL="0">
-              <a:lnSpc>
-                <a:spcPts val="3360"/>
-              </a:lnSpc>
-              <a:spcBef>
-                <a:spcPts val="300"/>
-              </a:spcBef>
-              <a:spcAft>
-                <a:spcPts val="300"/>
-              </a:spcAft>
-              <a:buNone/>
-            </a:pPr>
-            <a:endParaRPr lang="en-US" sz="1800" dirty="0"/>
-          </a:p>
-          <a:p>
-            <a:pPr algn="ctr" indent="0" marL="0">
-              <a:lnSpc>
-                <a:spcPts val="3360"/>
-              </a:lnSpc>
-              <a:spcBef>
-                <a:spcPts val="300"/>
-              </a:spcBef>
-              <a:spcAft>
-                <a:spcPts val="300"/>
-              </a:spcAft>
-              <a:buNone/>
-            </a:pPr>
-            <a:r>
-              <a:rPr lang="en-US" sz="1800" dirty="0">
-                <a:solidFill>
-                  <a:srgbClr val="2C3E50"/>
-                </a:solidFill>
-                <a:latin typeface="Arial" pitchFamily="34" charset="0"/>
-                <a:ea typeface="Arial" pitchFamily="34" charset="-122"/>
-                <a:cs typeface="Arial" pitchFamily="34" charset="-120"/>
-              </a:rPr>
-              <a:t> </a:t>
-            </a:r>
-            <a:endParaRPr lang="en-US" sz="1800" dirty="0"/>
-          </a:p>
-          <a:p>
-            <a:pPr algn="ctr" indent="0" marL="0">
-              <a:lnSpc>
-                <a:spcPts val="3360"/>
-              </a:lnSpc>
-              <a:spcBef>
-                <a:spcPts val="300"/>
-              </a:spcBef>
-              <a:spcAft>
-                <a:spcPts val="300"/>
-              </a:spcAft>
-              <a:buNone/>
-            </a:pPr>
-            <a:r>
-              <a:rPr lang="en-US" sz="2100" b="1" dirty="0">
-                <a:solidFill>
-                  <a:srgbClr val="FFD700"/>
-                </a:solidFill>
-                <a:latin typeface="Arial" pitchFamily="34" charset="0"/>
-                <a:ea typeface="Arial" pitchFamily="34" charset="-122"/>
-                <a:cs typeface="Arial" pitchFamily="34" charset="-120"/>
-              </a:rPr>
               <a:t>←</a:t>
             </a:r>
-            <a:pPr algn="ctr" indent="0" marL="0">
-              <a:lnSpc>
-                <a:spcPts val="3360"/>
-              </a:lnSpc>
-              <a:spcBef>
-                <a:spcPts val="300"/>
-              </a:spcBef>
-              <a:spcAft>
-                <a:spcPts val="300"/>
-              </a:spcAft>
-              <a:buNone/>
-            </a:pPr>
-            <a:r>
-              <a:rPr lang="en-US" sz="1800" dirty="0">
-                <a:solidFill>
-                  <a:srgbClr val="2C3E50"/>
-                </a:solidFill>
-                <a:latin typeface="Arial" pitchFamily="34" charset="0"/>
-                <a:ea typeface="Arial" pitchFamily="34" charset="-122"/>
-                <a:cs typeface="Arial" pitchFamily="34" charset="-120"/>
-              </a:rPr>
-              <a:t> 🔄 Improve </a:t>
-            </a:r>
-            <a:pPr algn="ctr" indent="0" marL="0">
-              <a:lnSpc>
-                <a:spcPts val="3360"/>
-              </a:lnSpc>
-              <a:spcBef>
-                <a:spcPts val="300"/>
-              </a:spcBef>
-              <a:spcAft>
-                <a:spcPts val="300"/>
-              </a:spcAft>
-              <a:buNone/>
-            </a:pPr>
-            <a:r>
-              <a:rPr lang="en-US" sz="2100" b="1" dirty="0">
-                <a:solidFill>
-                  <a:srgbClr val="FFD700"/>
-                </a:solidFill>
-                <a:latin typeface="Arial" pitchFamily="34" charset="0"/>
-                <a:ea typeface="Arial" pitchFamily="34" charset="-122"/>
-                <a:cs typeface="Arial" pitchFamily="34" charset="-120"/>
-              </a:rPr>
-              <a:t>←</a:t>
-            </a:r>
-            <a:pPr algn="ctr" indent="0" marL="0">
-              <a:lnSpc>
-                <a:spcPts val="3360"/>
-              </a:lnSpc>
-              <a:spcBef>
-                <a:spcPts val="300"/>
-              </a:spcBef>
-              <a:spcAft>
-                <a:spcPts val="300"/>
-              </a:spcAft>
-              <a:buNone/>
-            </a:pPr>
             <a:r>
               <a:rPr lang="en-US" sz="1800" dirty="0">
                 <a:solidFill>
@@ -12924,6 +12457,7 @@
         <a:solidFill>
           <a:srgbClr val="FFFFFF"/>
         </a:solidFill>
+        <a:effectLst/>
       </p:bgPr>
     </p:bg>
     <p:spTree>
@@ -12961,7 +12495,7 @@
           <a:bodyPr wrap="square" lIns="0" tIns="0" rIns="0" bIns="0" rtlCol="0" anchor="t"/>
           <a:lstStyle/>
           <a:p>
-            <a:pPr algn="ctr" indent="0" marL="0">
+            <a:pPr marL="0" indent="0" algn="ctr">
               <a:lnSpc>
                 <a:spcPts val="3000"/>
               </a:lnSpc>
@@ -12987,333 +12521,7 @@
       </p:sp>
       <p:pic>
         <p:nvPicPr>
-          <p:cNvPr id="3" name="Image 0" descr="/tmp/rasterized-gradient-e5d9cbb9.png">    </p:cNvPr>
-          <p:cNvPicPr>
-            <a:picLocks noChangeAspect="1"/>
-          </p:cNvPicPr>
-          <p:nvPr/>
-        </p:nvPicPr>
-        <p:blipFill>
-          <a:blip r:embed="rId1"/>
-          <a:stretch>
-            <a:fillRect/>
-          </a:stretch>
-        </p:blipFill>
-        <p:spPr>
-          <a:xfrm>
-            <a:off x="666750" y="1238250"/>
-            <a:ext cx="2230785" cy="3704034"/>
-          </a:xfrm>
-          <a:prstGeom prst="rect">
-            <a:avLst/>
-          </a:prstGeom>
-        </p:spPr>
-      </p:pic>
-      <p:sp>
-        <p:nvSpPr>
-          <p:cNvPr id="4" name="Text 1"/>
-          <p:cNvSpPr/>
-          <p:nvPr/>
-        </p:nvSpPr>
-        <p:spPr>
-          <a:xfrm>
-            <a:off x="1043690" y="1524000"/>
-            <a:ext cx="1476756" cy="592634"/>
-          </a:xfrm>
-          <a:prstGeom prst="rect">
-            <a:avLst/>
-          </a:prstGeom>
-          <a:noFill/>
-          <a:ln/>
-        </p:spPr>
-        <p:txBody>
-          <a:bodyPr wrap="square" lIns="0" tIns="0" rIns="0" bIns="0" rtlCol="0" anchor="t"/>
-          <a:lstStyle/>
-          <a:p>
-            <a:pPr algn="ctr" indent="0" marL="0">
-              <a:lnSpc>
-                <a:spcPts val="2333"/>
-              </a:lnSpc>
-              <a:spcAft>
-                <a:spcPts val="1500"/>
-              </a:spcAft>
-              <a:buNone/>
-            </a:pPr>
-            <a:r>
-              <a:rPr lang="en-US" sz="2100" b="1" dirty="0">
-                <a:solidFill>
-                  <a:srgbClr val="FFFFFF"/>
-                </a:solidFill>
-                <a:latin typeface="Arial" pitchFamily="34" charset="0"/>
-                <a:ea typeface="Arial" pitchFamily="34" charset="-122"/>
-                <a:cs typeface="Arial" pitchFamily="34" charset="-120"/>
-              </a:rPr>
-              <a:t>👨‍🏫 Supervised</a:t>
-            </a:r>
-            <a:endParaRPr lang="en-US" sz="2100" dirty="0"/>
-          </a:p>
-        </p:txBody>
-      </p:sp>
-      <p:sp>
-        <p:nvSpPr>
-          <p:cNvPr id="5" name="Text 2"/>
-          <p:cNvSpPr/>
-          <p:nvPr/>
-        </p:nvSpPr>
-        <p:spPr>
-          <a:xfrm>
-            <a:off x="952500" y="2459534"/>
-            <a:ext cx="1659285" cy="2197001"/>
-          </a:xfrm>
-          <a:prstGeom prst="rect">
-            <a:avLst/>
-          </a:prstGeom>
-          <a:noFill/>
-          <a:ln/>
-        </p:spPr>
-        <p:txBody>
-          <a:bodyPr wrap="square" lIns="85725" tIns="0" rIns="0" bIns="0" rtlCol="0" anchor="t"/>
-          <a:lstStyle/>
-          <a:p>
-            <a:pPr algn="l" marL="85725" indent="-85725">
-              <a:lnSpc>
-                <a:spcPts val="2333"/>
-              </a:lnSpc>
-              <a:spcAft>
-                <a:spcPts val="900"/>
-              </a:spcAft>
-              <a:buSzPct val="100000"/>
-              <a:buChar char="•"/>
-            </a:pPr>
-            <a:r>
-              <a:rPr lang="en-US" sz="1500" dirty="0">
-                <a:solidFill>
-                  <a:srgbClr val="FFFFFF"/>
-                </a:solidFill>
-                <a:latin typeface="Arial" pitchFamily="34" charset="0"/>
-                <a:ea typeface="Arial" pitchFamily="34" charset="-122"/>
-                <a:cs typeface="Arial" pitchFamily="34" charset="-120"/>
-              </a:rPr>
-              <a:t>Spam detection</a:t>
-            </a:r>
-            <a:endParaRPr lang="en-US" sz="1500" dirty="0"/>
-          </a:p>
-          <a:p>
-            <a:pPr algn="l" marL="85725" indent="-85725">
-              <a:lnSpc>
-                <a:spcPts val="2333"/>
-              </a:lnSpc>
-              <a:spcAft>
-                <a:spcPts val="900"/>
-              </a:spcAft>
-              <a:buSzPct val="100000"/>
-              <a:buChar char="•"/>
-            </a:pPr>
-            <a:r>
-              <a:rPr lang="en-US" sz="1500" dirty="0">
-                <a:solidFill>
-                  <a:srgbClr val="FFFFFF"/>
-                </a:solidFill>
-                <a:latin typeface="Arial" pitchFamily="34" charset="0"/>
-                <a:ea typeface="Arial" pitchFamily="34" charset="-122"/>
-                <a:cs typeface="Arial" pitchFamily="34" charset="-120"/>
-              </a:rPr>
-              <a:t>Medical diagnosis</a:t>
-            </a:r>
-            <a:endParaRPr lang="en-US" sz="1500" dirty="0"/>
-          </a:p>
-          <a:p>
-            <a:pPr algn="l" marL="85725" indent="-85725">
-              <a:lnSpc>
-                <a:spcPts val="2333"/>
-              </a:lnSpc>
-              <a:spcAft>
-                <a:spcPts val="900"/>
-              </a:spcAft>
-              <a:buSzPct val="100000"/>
-              <a:buChar char="•"/>
-            </a:pPr>
-            <a:r>
-              <a:rPr lang="en-US" sz="1500" dirty="0">
-                <a:solidFill>
-                  <a:srgbClr val="FFFFFF"/>
-                </a:solidFill>
-                <a:latin typeface="Arial" pitchFamily="34" charset="0"/>
-                <a:ea typeface="Arial" pitchFamily="34" charset="-122"/>
-                <a:cs typeface="Arial" pitchFamily="34" charset="-120"/>
-              </a:rPr>
-              <a:t>Price prediction</a:t>
-            </a:r>
-            <a:endParaRPr lang="en-US" sz="1500" dirty="0"/>
-          </a:p>
-        </p:txBody>
-      </p:sp>
-      <p:pic>
-        <p:nvPicPr>
-          <p:cNvPr id="6" name="Image 1" descr="/tmp/rasterized-gradient-43cc4621.png">    </p:cNvPr>
-          <p:cNvPicPr>
-            <a:picLocks noChangeAspect="1"/>
-          </p:cNvPicPr>
-          <p:nvPr/>
-        </p:nvPicPr>
-        <p:blipFill>
-          <a:blip r:embed="rId2"/>
-          <a:stretch>
-            <a:fillRect/>
-          </a:stretch>
-        </p:blipFill>
-        <p:spPr>
-          <a:xfrm>
-            <a:off x="3183285" y="1534567"/>
-            <a:ext cx="2569369" cy="3111401"/>
-          </a:xfrm>
-          <a:prstGeom prst="rect">
-            <a:avLst/>
-          </a:prstGeom>
-        </p:spPr>
-      </p:pic>
-      <p:sp>
-        <p:nvSpPr>
-          <p:cNvPr id="7" name="Text 3"/>
-          <p:cNvSpPr/>
-          <p:nvPr/>
-        </p:nvSpPr>
-        <p:spPr>
-          <a:xfrm>
-            <a:off x="3564428" y="1820317"/>
-            <a:ext cx="1807083" cy="592634"/>
-          </a:xfrm>
-          <a:prstGeom prst="rect">
-            <a:avLst/>
-          </a:prstGeom>
-          <a:noFill/>
-          <a:ln/>
-        </p:spPr>
-        <p:txBody>
-          <a:bodyPr wrap="square" lIns="0" tIns="0" rIns="0" bIns="0" rtlCol="0" anchor="t"/>
-          <a:lstStyle/>
-          <a:p>
-            <a:pPr algn="ctr" indent="0" marL="0">
-              <a:lnSpc>
-                <a:spcPts val="2333"/>
-              </a:lnSpc>
-              <a:spcAft>
-                <a:spcPts val="1500"/>
-              </a:spcAft>
-              <a:buNone/>
-            </a:pPr>
-            <a:r>
-              <a:rPr lang="en-US" sz="2100" b="1" dirty="0">
-                <a:solidFill>
-                  <a:srgbClr val="FFFFFF"/>
-                </a:solidFill>
-                <a:latin typeface="Arial" pitchFamily="34" charset="0"/>
-                <a:ea typeface="Arial" pitchFamily="34" charset="-122"/>
-                <a:cs typeface="Arial" pitchFamily="34" charset="-120"/>
-              </a:rPr>
-              <a:t>🕵️ Unsupervised</a:t>
-            </a:r>
-            <a:endParaRPr lang="en-US" sz="2100" dirty="0"/>
-          </a:p>
-        </p:txBody>
-      </p:sp>
-      <p:sp>
-        <p:nvSpPr>
-          <p:cNvPr id="8" name="Text 4"/>
-          <p:cNvSpPr/>
-          <p:nvPr/>
-        </p:nvSpPr>
-        <p:spPr>
-          <a:xfrm>
-            <a:off x="3469035" y="2755850"/>
-            <a:ext cx="1997869" cy="1604367"/>
-          </a:xfrm>
-          <a:prstGeom prst="rect">
-            <a:avLst/>
-          </a:prstGeom>
-          <a:noFill/>
-          <a:ln/>
-        </p:spPr>
-        <p:txBody>
-          <a:bodyPr wrap="square" lIns="85725" tIns="0" rIns="0" bIns="0" rtlCol="0" anchor="t"/>
-          <a:lstStyle/>
-          <a:p>
-            <a:pPr algn="l" marL="85725" indent="-85725">
-              <a:lnSpc>
-                <a:spcPts val="2333"/>
-              </a:lnSpc>
-              <a:spcAft>
-                <a:spcPts val="900"/>
-              </a:spcAft>
-              <a:buSzPct val="100000"/>
-              <a:buChar char="•"/>
-            </a:pPr>
-            <a:r>
-              <a:rPr lang="en-US" sz="1500" dirty="0">
-                <a:solidFill>
-                  <a:srgbClr val="FFFFFF"/>
-                </a:solidFill>
-                <a:latin typeface="Arial" pitchFamily="34" charset="0"/>
-                <a:ea typeface="Arial" pitchFamily="34" charset="-122"/>
-                <a:cs typeface="Arial" pitchFamily="34" charset="-120"/>
-              </a:rPr>
-              <a:t>Customer segments</a:t>
-            </a:r>
-            <a:endParaRPr lang="en-US" sz="1500" dirty="0"/>
-          </a:p>
-          <a:p>
-            <a:pPr algn="l" marL="85725" indent="-85725">
-              <a:lnSpc>
-                <a:spcPts val="2333"/>
-              </a:lnSpc>
-              <a:spcAft>
-                <a:spcPts val="900"/>
-              </a:spcAft>
-              <a:buSzPct val="100000"/>
-              <a:buChar char="•"/>
-            </a:pPr>
-            <a:r>
-              <a:rPr lang="en-US" sz="1500" dirty="0">
-                <a:solidFill>
-                  <a:srgbClr val="FFFFFF"/>
-                </a:solidFill>
-                <a:latin typeface="Arial" pitchFamily="34" charset="0"/>
-                <a:ea typeface="Arial" pitchFamily="34" charset="-122"/>
-                <a:cs typeface="Arial" pitchFamily="34" charset="-120"/>
-              </a:rPr>
-              <a:t>Recommendations</a:t>
-            </a:r>
-            <a:endParaRPr lang="en-US" sz="1500" dirty="0"/>
-          </a:p>
-          <a:p>
-            <a:pPr algn="l" marL="85725" indent="-85725">
-              <a:lnSpc>
-                <a:spcPts val="2333"/>
-              </a:lnSpc>
-              <a:spcAft>
-                <a:spcPts val="900"/>
-              </a:spcAft>
-              <a:buSzPct val="100000"/>
-              <a:buChar char="•"/>
-            </a:pPr>
-            <a:r>
-              <a:rPr lang="en-US" sz="1500" dirty="0">
-                <a:solidFill>
-                  <a:srgbClr val="FFFFFF"/>
-                </a:solidFill>
-                <a:latin typeface="Arial" pitchFamily="34" charset="0"/>
-                <a:ea typeface="Arial" pitchFamily="34" charset="-122"/>
-                <a:cs typeface="Arial" pitchFamily="34" charset="-120"/>
-              </a:rPr>
-              <a:t>Anomaly detection</a:t>
-            </a:r>
-            <a:endParaRPr lang="en-US" sz="1500" dirty="0"/>
-          </a:p>
-        </p:txBody>
-      </p:sp>
-      <p:pic>
-        <p:nvPicPr>
-          <p:cNvPr id="9" name="Image 2" descr="/tmp/rasterized-gradient-94f67e42.png">    </p:cNvPr>
+          <p:cNvPr id="3" name="Image 0" descr="/tmp/rasterized-gradient-e5d9cbb9.png"/>
           <p:cNvPicPr>
             <a:picLocks noChangeAspect="1"/>
           </p:cNvPicPr>
@@ -13327,6 +12535,332 @@
         </p:blipFill>
         <p:spPr>
           <a:xfrm>
+            <a:off x="666750" y="1238250"/>
+            <a:ext cx="2230785" cy="3704034"/>
+          </a:xfrm>
+          <a:prstGeom prst="rect">
+            <a:avLst/>
+          </a:prstGeom>
+        </p:spPr>
+      </p:pic>
+      <p:sp>
+        <p:nvSpPr>
+          <p:cNvPr id="4" name="Text 1"/>
+          <p:cNvSpPr/>
+          <p:nvPr/>
+        </p:nvSpPr>
+        <p:spPr>
+          <a:xfrm>
+            <a:off x="1043690" y="1524000"/>
+            <a:ext cx="1476756" cy="592634"/>
+          </a:xfrm>
+          <a:prstGeom prst="rect">
+            <a:avLst/>
+          </a:prstGeom>
+          <a:noFill/>
+          <a:ln/>
+        </p:spPr>
+        <p:txBody>
+          <a:bodyPr wrap="square" lIns="0" tIns="0" rIns="0" bIns="0" rtlCol="0" anchor="t"/>
+          <a:lstStyle/>
+          <a:p>
+            <a:pPr marL="0" indent="0" algn="ctr">
+              <a:lnSpc>
+                <a:spcPts val="2333"/>
+              </a:lnSpc>
+              <a:spcAft>
+                <a:spcPts val="1500"/>
+              </a:spcAft>
+              <a:buNone/>
+            </a:pPr>
+            <a:r>
+              <a:rPr lang="en-US" sz="2100" b="1" dirty="0">
+                <a:solidFill>
+                  <a:srgbClr val="FFFFFF"/>
+                </a:solidFill>
+                <a:latin typeface="Arial" pitchFamily="34" charset="0"/>
+                <a:ea typeface="Arial" pitchFamily="34" charset="-122"/>
+                <a:cs typeface="Arial" pitchFamily="34" charset="-120"/>
+              </a:rPr>
+              <a:t>👨‍🏫 Supervised</a:t>
+            </a:r>
+            <a:endParaRPr lang="en-US" sz="2100" dirty="0"/>
+          </a:p>
+        </p:txBody>
+      </p:sp>
+      <p:sp>
+        <p:nvSpPr>
+          <p:cNvPr id="5" name="Text 2"/>
+          <p:cNvSpPr/>
+          <p:nvPr/>
+        </p:nvSpPr>
+        <p:spPr>
+          <a:xfrm>
+            <a:off x="952500" y="2459534"/>
+            <a:ext cx="1659285" cy="2197001"/>
+          </a:xfrm>
+          <a:prstGeom prst="rect">
+            <a:avLst/>
+          </a:prstGeom>
+          <a:noFill/>
+          <a:ln/>
+        </p:spPr>
+        <p:txBody>
+          <a:bodyPr wrap="square" lIns="85725" tIns="0" rIns="0" bIns="0" rtlCol="0" anchor="t"/>
+          <a:lstStyle/>
+          <a:p>
+            <a:pPr marL="85725" indent="-85725" algn="l">
+              <a:lnSpc>
+                <a:spcPts val="2333"/>
+              </a:lnSpc>
+              <a:spcAft>
+                <a:spcPts val="900"/>
+              </a:spcAft>
+              <a:buSzPct val="100000"/>
+              <a:buChar char="•"/>
+            </a:pPr>
+            <a:r>
+              <a:rPr lang="en-US" sz="1500" dirty="0">
+                <a:solidFill>
+                  <a:srgbClr val="FFFFFF"/>
+                </a:solidFill>
+                <a:latin typeface="Arial" pitchFamily="34" charset="0"/>
+                <a:ea typeface="Arial" pitchFamily="34" charset="-122"/>
+                <a:cs typeface="Arial" pitchFamily="34" charset="-120"/>
+              </a:rPr>
+              <a:t>Spam detection</a:t>
+            </a:r>
+            <a:endParaRPr lang="en-US" sz="1500" dirty="0"/>
+          </a:p>
+          <a:p>
+            <a:pPr marL="85725" indent="-85725" algn="l">
+              <a:lnSpc>
+                <a:spcPts val="2333"/>
+              </a:lnSpc>
+              <a:spcAft>
+                <a:spcPts val="900"/>
+              </a:spcAft>
+              <a:buSzPct val="100000"/>
+              <a:buChar char="•"/>
+            </a:pPr>
+            <a:r>
+              <a:rPr lang="en-US" sz="1500" dirty="0">
+                <a:solidFill>
+                  <a:srgbClr val="FFFFFF"/>
+                </a:solidFill>
+                <a:latin typeface="Arial" pitchFamily="34" charset="0"/>
+                <a:ea typeface="Arial" pitchFamily="34" charset="-122"/>
+                <a:cs typeface="Arial" pitchFamily="34" charset="-120"/>
+              </a:rPr>
+              <a:t>Medical diagnosis</a:t>
+            </a:r>
+            <a:endParaRPr lang="en-US" sz="1500" dirty="0"/>
+          </a:p>
+          <a:p>
+            <a:pPr marL="85725" indent="-85725" algn="l">
+              <a:lnSpc>
+                <a:spcPts val="2333"/>
+              </a:lnSpc>
+              <a:spcAft>
+                <a:spcPts val="900"/>
+              </a:spcAft>
+              <a:buSzPct val="100000"/>
+              <a:buChar char="•"/>
+            </a:pPr>
+            <a:r>
+              <a:rPr lang="en-US" sz="1500" dirty="0">
+                <a:solidFill>
+                  <a:srgbClr val="FFFFFF"/>
+                </a:solidFill>
+                <a:latin typeface="Arial" pitchFamily="34" charset="0"/>
+                <a:ea typeface="Arial" pitchFamily="34" charset="-122"/>
+                <a:cs typeface="Arial" pitchFamily="34" charset="-120"/>
+              </a:rPr>
+              <a:t>Price prediction</a:t>
+            </a:r>
+            <a:endParaRPr lang="en-US" sz="1500" dirty="0"/>
+          </a:p>
+        </p:txBody>
+      </p:sp>
+      <p:pic>
+        <p:nvPicPr>
+          <p:cNvPr id="6" name="Image 1" descr="/tmp/rasterized-gradient-43cc4621.png"/>
+          <p:cNvPicPr>
+            <a:picLocks noChangeAspect="1"/>
+          </p:cNvPicPr>
+          <p:nvPr/>
+        </p:nvPicPr>
+        <p:blipFill>
+          <a:blip r:embed="rId4"/>
+          <a:stretch>
+            <a:fillRect/>
+          </a:stretch>
+        </p:blipFill>
+        <p:spPr>
+          <a:xfrm>
+            <a:off x="3183285" y="1534567"/>
+            <a:ext cx="2569369" cy="3111401"/>
+          </a:xfrm>
+          <a:prstGeom prst="rect">
+            <a:avLst/>
+          </a:prstGeom>
+        </p:spPr>
+      </p:pic>
+      <p:sp>
+        <p:nvSpPr>
+          <p:cNvPr id="7" name="Text 3"/>
+          <p:cNvSpPr/>
+          <p:nvPr/>
+        </p:nvSpPr>
+        <p:spPr>
+          <a:xfrm>
+            <a:off x="3564428" y="1820317"/>
+            <a:ext cx="1807083" cy="592634"/>
+          </a:xfrm>
+          <a:prstGeom prst="rect">
+            <a:avLst/>
+          </a:prstGeom>
+          <a:noFill/>
+          <a:ln/>
+        </p:spPr>
+        <p:txBody>
+          <a:bodyPr wrap="square" lIns="0" tIns="0" rIns="0" bIns="0" rtlCol="0" anchor="t"/>
+          <a:lstStyle/>
+          <a:p>
+            <a:pPr marL="0" indent="0" algn="ctr">
+              <a:lnSpc>
+                <a:spcPts val="2333"/>
+              </a:lnSpc>
+              <a:spcAft>
+                <a:spcPts val="1500"/>
+              </a:spcAft>
+              <a:buNone/>
+            </a:pPr>
+            <a:r>
+              <a:rPr lang="en-US" sz="2100" b="1" dirty="0">
+                <a:solidFill>
+                  <a:srgbClr val="FFFFFF"/>
+                </a:solidFill>
+                <a:latin typeface="Arial" pitchFamily="34" charset="0"/>
+                <a:ea typeface="Arial" pitchFamily="34" charset="-122"/>
+                <a:cs typeface="Arial" pitchFamily="34" charset="-120"/>
+              </a:rPr>
+              <a:t>🕵️ Unsupervised</a:t>
+            </a:r>
+            <a:endParaRPr lang="en-US" sz="2100" dirty="0"/>
+          </a:p>
+        </p:txBody>
+      </p:sp>
+      <p:sp>
+        <p:nvSpPr>
+          <p:cNvPr id="8" name="Text 4"/>
+          <p:cNvSpPr/>
+          <p:nvPr/>
+        </p:nvSpPr>
+        <p:spPr>
+          <a:xfrm>
+            <a:off x="3469035" y="2755850"/>
+            <a:ext cx="1997869" cy="1604367"/>
+          </a:xfrm>
+          <a:prstGeom prst="rect">
+            <a:avLst/>
+          </a:prstGeom>
+          <a:noFill/>
+          <a:ln/>
+        </p:spPr>
+        <p:txBody>
+          <a:bodyPr wrap="square" lIns="85725" tIns="0" rIns="0" bIns="0" rtlCol="0" anchor="t"/>
+          <a:lstStyle/>
+          <a:p>
+            <a:pPr marL="85725" indent="-85725" algn="l">
+              <a:lnSpc>
+                <a:spcPts val="2333"/>
+              </a:lnSpc>
+              <a:spcAft>
+                <a:spcPts val="900"/>
+              </a:spcAft>
+              <a:buSzPct val="100000"/>
+              <a:buChar char="•"/>
+            </a:pPr>
+            <a:r>
+              <a:rPr lang="en-US" sz="1500" dirty="0">
+                <a:solidFill>
+                  <a:srgbClr val="FFFFFF"/>
+                </a:solidFill>
+                <a:latin typeface="Arial" pitchFamily="34" charset="0"/>
+                <a:ea typeface="Arial" pitchFamily="34" charset="-122"/>
+                <a:cs typeface="Arial" pitchFamily="34" charset="-120"/>
+              </a:rPr>
+              <a:t>Customer segments</a:t>
+            </a:r>
+            <a:endParaRPr lang="en-US" sz="1500" dirty="0"/>
+          </a:p>
+          <a:p>
+            <a:pPr marL="85725" indent="-85725" algn="l">
+              <a:lnSpc>
+                <a:spcPts val="2333"/>
+              </a:lnSpc>
+              <a:spcAft>
+                <a:spcPts val="900"/>
+              </a:spcAft>
+              <a:buSzPct val="100000"/>
+              <a:buChar char="•"/>
+            </a:pPr>
+            <a:r>
+              <a:rPr lang="en-US" sz="1500" dirty="0">
+                <a:solidFill>
+                  <a:srgbClr val="FFFFFF"/>
+                </a:solidFill>
+                <a:latin typeface="Arial" pitchFamily="34" charset="0"/>
+                <a:ea typeface="Arial" pitchFamily="34" charset="-122"/>
+                <a:cs typeface="Arial" pitchFamily="34" charset="-120"/>
+              </a:rPr>
+              <a:t>Recommendations</a:t>
+            </a:r>
+            <a:endParaRPr lang="en-US" sz="1500" dirty="0"/>
+          </a:p>
+          <a:p>
+            <a:pPr marL="85725" indent="-85725" algn="l">
+              <a:lnSpc>
+                <a:spcPts val="2333"/>
+              </a:lnSpc>
+              <a:spcAft>
+                <a:spcPts val="900"/>
+              </a:spcAft>
+              <a:buSzPct val="100000"/>
+              <a:buChar char="•"/>
+            </a:pPr>
+            <a:r>
+              <a:rPr lang="en-US" sz="1500" dirty="0">
+                <a:solidFill>
+                  <a:srgbClr val="FFFFFF"/>
+                </a:solidFill>
+                <a:latin typeface="Arial" pitchFamily="34" charset="0"/>
+                <a:ea typeface="Arial" pitchFamily="34" charset="-122"/>
+                <a:cs typeface="Arial" pitchFamily="34" charset="-120"/>
+              </a:rPr>
+              <a:t>Anomaly detection</a:t>
+            </a:r>
+            <a:endParaRPr lang="en-US" sz="1500" dirty="0"/>
+          </a:p>
+        </p:txBody>
+      </p:sp>
+      <p:pic>
+        <p:nvPicPr>
+          <p:cNvPr id="9" name="Image 2" descr="/tmp/rasterized-gradient-94f67e42.png"/>
+          <p:cNvPicPr>
+            <a:picLocks noChangeAspect="1"/>
+          </p:cNvPicPr>
+          <p:nvPr/>
+        </p:nvPicPr>
+        <p:blipFill>
+          <a:blip r:embed="rId5"/>
+          <a:stretch>
+            <a:fillRect/>
+          </a:stretch>
+        </p:blipFill>
+        <p:spPr>
+          <a:xfrm>
             <a:off x="6038404" y="1534567"/>
             <a:ext cx="2438846" cy="3111401"/>
           </a:xfrm>
@@ -13356,7 +12890,7 @@
           <a:bodyPr wrap="square" lIns="0" tIns="0" rIns="0" bIns="0" rtlCol="0" anchor="t"/>
           <a:lstStyle/>
           <a:p>
-            <a:pPr algn="ctr" indent="0" marL="0">
+            <a:pPr marL="0" indent="0" algn="ctr">
               <a:lnSpc>
                 <a:spcPts val="2333"/>
               </a:lnSpc>
@@ -13401,7 +12935,7 @@
           <a:bodyPr wrap="square" lIns="85725" tIns="0" rIns="0" bIns="0" rtlCol="0" anchor="t"/>
           <a:lstStyle/>
           <a:p>
-            <a:pPr algn="l" marL="85725" indent="-85725">
+            <a:pPr marL="85725" indent="-85725" algn="l">
               <a:lnSpc>
                 <a:spcPts val="2333"/>
               </a:lnSpc>
@@ -13425,7 +12959,7 @@
             <a:endParaRPr lang="en-US" sz="1500" dirty="0"/>
           </a:p>
           <a:p>
-            <a:pPr algn="l" marL="85725" indent="-85725">
+            <a:pPr marL="85725" indent="-85725" algn="l">
               <a:lnSpc>
                 <a:spcPts val="2333"/>
               </a:lnSpc>
@@ -13449,7 +12983,7 @@
             <a:endParaRPr lang="en-US" sz="1500" dirty="0"/>
           </a:p>
           <a:p>
-            <a:pPr algn="l" marL="85725" indent="-85725">
+            <a:pPr marL="85725" indent="-85725" algn="l">
               <a:lnSpc>
                 <a:spcPts val="2333"/>
               </a:lnSpc>
@@ -13775,4 +13309,319 @@
     </a:ext>
   </a:extLst>
 </a:theme>
+</file>
+
+<file path=ppt/theme/theme2.xml><?xml version="1.0" encoding="utf-8"?>
+<a:theme xmlns:a="http://schemas.openxmlformats.org/drawingml/2006/main" name="Office Theme">
+  <a:themeElements>
+    <a:clrScheme name="Office">
+      <a:dk1>
+        <a:sysClr val="windowText" lastClr="000000"/>
+      </a:dk1>
+      <a:lt1>
+        <a:sysClr val="window" lastClr="FFFFFF"/>
+      </a:lt1>
+      <a:dk2>
+        <a:srgbClr val="0E2841"/>
+      </a:dk2>
+      <a:lt2>
+        <a:srgbClr val="E8E8E8"/>
+      </a:lt2>
+      <a:accent1>
+        <a:srgbClr val="156082"/>
+      </a:accent1>
+      <a:accent2>
+        <a:srgbClr val="E97132"/>
+      </a:accent2>
+      <a:accent3>
+        <a:srgbClr val="196B24"/>
+      </a:accent3>
+      <a:accent4>
+        <a:srgbClr val="0F9ED5"/>
+      </a:accent4>
+      <a:accent5>
+        <a:srgbClr val="A02B93"/>
+      </a:accent5>
+      <a:accent6>
+        <a:srgbClr val="4EA72E"/>
+      </a:accent6>
+      <a:hlink>
+        <a:srgbClr val="467886"/>
+      </a:hlink>
+      <a:folHlink>
+        <a:srgbClr val="96607D"/>
+      </a:folHlink>
+    </a:clrScheme>
+    <a:fontScheme name="Office">
+      <a:majorFont>
+        <a:latin typeface="Aptos Display" panose="02110004020202020204"/>
+        <a:ea typeface=""/>
+        <a:cs typeface=""/>
+        <a:font script="Jpan" typeface="游ゴシック Light"/>
+        <a:font script="Hang" typeface="맑은 고딕"/>
+        <a:font script="Hans" typeface="等线 Light"/>
+        <a:font script="Hant" typeface="新細明體"/>
+        <a:font script="Arab" typeface="Times New Roman"/>
+        <a:font script="Hebr" typeface="Times New Roman"/>
+        <a:font script="Thai" typeface="Angsana New"/>
+        <a:font script="Ethi" typeface="Nyala"/>
+        <a:font script="Beng" typeface="Vrinda"/>
+        <a:font script="Gujr" typeface="Shruti"/>
+        <a:font script="Khmr" typeface="MoolBoran"/>
+        <a:font script="Knda" typeface="Tunga"/>
+        <a:font script="Guru" typeface="Raavi"/>
+        <a:font script="Cans" typeface="Euphemia"/>
+        <a:font script="Cher" typeface="Plantagenet Cherokee"/>
+        <a:font script="Yiii" typeface="Microsoft Yi Baiti"/>
+        <a:font script="Tibt" typeface="Microsoft Himalaya"/>
+        <a:font script="Thaa" typeface="MV Boli"/>
+        <a:font script="Deva" typeface="Mangal"/>
+        <a:font script="Telu" typeface="Gautami"/>
+        <a:font script="Taml" typeface="Latha"/>
+        <a:font script="Syrc" typeface="Estrangelo Edessa"/>
+        <a:font script="Orya" typeface="Kalinga"/>
+        <a:font script="Mlym" typeface="Kartika"/>
+        <a:font script="Laoo" typeface="DokChampa"/>
+        <a:font script="Sinh" typeface="Iskoola Pota"/>
+        <a:font script="Mong" typeface="Mongolian Baiti"/>
+        <a:font script="Viet" typeface="Times New Roman"/>
+        <a:font script="Uigh" typeface="Microsoft Uighur"/>
+        <a:font script="Geor" typeface="Sylfaen"/>
+        <a:font script="Armn" typeface="Arial"/>
+        <a:font script="Bugi" typeface="Leelawadee UI"/>
+        <a:font script="Bopo" typeface="Microsoft JhengHei"/>
+        <a:font script="Java" typeface="Javanese Text"/>
+        <a:font script="Lisu" typeface="Segoe UI"/>
+        <a:font script="Mymr" typeface="Myanmar Text"/>
+        <a:font script="Nkoo" typeface="Ebrima"/>
+        <a:font script="Olck" typeface="Nirmala UI"/>
+        <a:font script="Osma" typeface="Ebrima"/>
+        <a:font script="Phag" typeface="Phagspa"/>
+        <a:font script="Syrn" typeface="Estrangelo Edessa"/>
+        <a:font script="Syrj" typeface="Estrangelo Edessa"/>
+        <a:font script="Syre" typeface="Estrangelo Edessa"/>
+        <a:font script="Sora" typeface="Nirmala UI"/>
+        <a:font script="Tale" typeface="Microsoft Tai Le"/>
+        <a:font script="Talu" typeface="Microsoft New Tai Lue"/>
+        <a:font script="Tfng" typeface="Ebrima"/>
+      </a:majorFont>
+      <a:minorFont>
+        <a:latin typeface="Aptos" panose="02110004020202020204"/>
+        <a:ea typeface=""/>
+        <a:cs typeface=""/>
+        <a:font script="Jpan" typeface="游ゴシック"/>
+        <a:font script="Hang" typeface="맑은 고딕"/>
+        <a:font script="Hans" typeface="等线"/>
+        <a:font script="Hant" typeface="新細明體"/>
+        <a:font script="Arab" typeface="Arial"/>
+        <a:font script="Hebr" typeface="Arial"/>
+        <a:font script="Thai" typeface="Cordia New"/>
+        <a:font script="Ethi" typeface="Nyala"/>
+        <a:font script="Beng" typeface="Vrinda"/>
+        <a:font script="Gujr" typeface="Shruti"/>
+        <a:font script="Khmr" typeface="DaunPenh"/>
+        <a:font script="Knda" typeface="Tunga"/>
+        <a:font script="Guru" typeface="Raavi"/>
+        <a:font script="Cans" typeface="Euphemia"/>
+        <a:font script="Cher" typeface="Plantagenet Cherokee"/>
+        <a:font script="Yiii" typeface="Microsoft Yi Baiti"/>
+        <a:font script="Tibt" typeface="Microsoft Himalaya"/>
+        <a:font script="Thaa" typeface="MV Boli"/>
+        <a:font script="Deva" typeface="Mangal"/>
+        <a:font script="Telu" typeface="Gautami"/>
+        <a:font script="Taml" typeface="Latha"/>
+        <a:font script="Syrc" typeface="Estrangelo Edessa"/>
+        <a:font script="Orya" typeface="Kalinga"/>
+        <a:font script="Mlym" typeface="Kartika"/>
+        <a:font script="Laoo" typeface="DokChampa"/>
+        <a:font script="Sinh" typeface="Iskoola Pota"/>
+        <a:font script="Mong" typeface="Mongolian Baiti"/>
+        <a:font script="Viet" typeface="Arial"/>
+        <a:font script="Uigh" typeface="Microsoft Uighur"/>
+        <a:font script="Geor" typeface="Sylfaen"/>
+        <a:font script="Armn" typeface="Arial"/>
+        <a:font script="Bugi" typeface="Leelawadee UI"/>
+        <a:font script="Bopo" typeface="Microsoft JhengHei"/>
+        <a:font script="Java" typeface="Javanese Text"/>
+        <a:font script="Lisu" typeface="Segoe UI"/>
+        <a:font script="Mymr" typeface="Myanmar Text"/>
+        <a:font script="Nkoo" typeface="Ebrima"/>
+        <a:font script="Olck" typeface="Nirmala UI"/>
+        <a:font script="Osma" typeface="Ebrima"/>
+        <a:font script="Phag" typeface="Phagspa"/>
+        <a:font script="Syrn" typeface="Estrangelo Edessa"/>
+        <a:font script="Syrj" typeface="Estrangelo Edessa"/>
+        <a:font script="Syre" typeface="Estrangelo Edessa"/>
+        <a:font script="Sora" typeface="Nirmala UI"/>
+        <a:font script="Tale" typeface="Microsoft Tai Le"/>
+        <a:font script="Talu" typeface="Microsoft New Tai Lue"/>
+        <a:font script="Tfng" typeface="Ebrima"/>
+      </a:minorFont>
+    </a:fontScheme>
+    <a:fmtScheme name="Office">
+      <a:fillStyleLst>
+        <a:solidFill>
+          <a:schemeClr val="phClr"/>
+        </a:solidFill>
+        <a:gradFill rotWithShape="1">
+          <a:gsLst>
+            <a:gs pos="0">
+              <a:schemeClr val="phClr">
+                <a:lumMod val="110000"/>
+                <a:satMod val="105000"/>
+                <a:tint val="67000"/>
+              </a:schemeClr>
+            </a:gs>
+            <a:gs pos="50000">
+              <a:schemeClr val="phClr">
+                <a:lumMod val="105000"/>
+                <a:satMod val="103000"/>
+                <a:tint val="73000"/>
+              </a:schemeClr>
+            </a:gs>
+            <a:gs pos="100000">
+              <a:schemeClr val="phClr">
+                <a:lumMod val="105000"/>
+                <a:satMod val="109000"/>
+                <a:tint val="81000"/>
+              </a:schemeClr>
+            </a:gs>
+          </a:gsLst>
+          <a:lin ang="5400000" scaled="0"/>
+        </a:gradFill>
+        <a:gradFill rotWithShape="1">
+          <a:gsLst>
+            <a:gs pos="0">
+              <a:schemeClr val="phClr">
+                <a:satMod val="103000"/>
+                <a:lumMod val="102000"/>
+                <a:tint val="94000"/>
+              </a:schemeClr>
+            </a:gs>
+            <a:gs pos="50000">
+              <a:schemeClr val="phClr">
+                <a:satMod val="110000"/>
+                <a:lumMod val="100000"/>
+                <a:shade val="100000"/>
+              </a:schemeClr>
+            </a:gs>
+            <a:gs pos="100000">
+              <a:schemeClr val="phClr">
+                <a:lumMod val="99000"/>
+                <a:satMod val="120000"/>
+                <a:shade val="78000"/>
+              </a:schemeClr>
+            </a:gs>
+          </a:gsLst>
+          <a:lin ang="5400000" scaled="0"/>
+        </a:gradFill>
+      </a:fillStyleLst>
+      <a:lnStyleLst>
+        <a:ln w="12700" cap="flat" cmpd="sng" algn="ctr">
+          <a:solidFill>
+            <a:schemeClr val="phClr"/>
+          </a:solidFill>
+          <a:prstDash val="solid"/>
+          <a:miter lim="800000"/>
+        </a:ln>
+        <a:ln w="19050" cap="flat" cmpd="sng" algn="ctr">
+          <a:solidFill>
+            <a:schemeClr val="phClr"/>
+          </a:solidFill>
+          <a:prstDash val="solid"/>
+          <a:miter lim="800000"/>
+        </a:ln>
+        <a:ln w="25400" cap="flat" cmpd="sng" algn="ctr">
+          <a:solidFill>
+            <a:schemeClr val="phClr"/>
+          </a:solidFill>
+          <a:prstDash val="solid"/>
+          <a:miter lim="800000"/>
+        </a:ln>
+      </a:lnStyleLst>
+      <a:effectStyleLst>
+        <a:effectStyle>
+          <a:effectLst/>
+        </a:effectStyle>
+        <a:effectStyle>
+          <a:effectLst/>
+        </a:effectStyle>
+        <a:effectStyle>
+          <a:effectLst>
+            <a:outerShdw blurRad="57150" dist="19050" dir="5400000" algn="ctr" rotWithShape="0">
+              <a:srgbClr val="000000">
+                <a:alpha val="63000"/>
+              </a:srgbClr>
+            </a:outerShdw>
+          </a:effectLst>
+        </a:effectStyle>
+      </a:effectStyleLst>
+      <a:bgFillStyleLst>
+        <a:solidFill>
+          <a:schemeClr val="phClr"/>
+        </a:solidFill>
+        <a:solidFill>
+          <a:schemeClr val="phClr">
+            <a:tint val="95000"/>
+            <a:satMod val="170000"/>
+          </a:schemeClr>
+        </a:solidFill>
+        <a:gradFill rotWithShape="1">
+          <a:gsLst>
+            <a:gs pos="0">
+              <a:schemeClr val="phClr">
+                <a:tint val="93000"/>
+                <a:satMod val="150000"/>
+                <a:shade val="98000"/>
+                <a:lumMod val="102000"/>
+              </a:schemeClr>
+            </a:gs>
+            <a:gs pos="50000">
+              <a:schemeClr val="phClr">
+                <a:tint val="98000"/>
+                <a:satMod val="130000"/>
+                <a:shade val="90000"/>
+                <a:lumMod val="103000"/>
+              </a:schemeClr>
+            </a:gs>
+            <a:gs pos="100000">
+              <a:schemeClr val="phClr">
+                <a:shade val="63000"/>
+                <a:satMod val="120000"/>
+              </a:schemeClr>
+            </a:gs>
+          </a:gsLst>
+          <a:lin ang="5400000" scaled="0"/>
+        </a:gradFill>
+      </a:bgFillStyleLst>
+    </a:fmtScheme>
+  </a:themeElements>
+  <a:objectDefaults>
+    <a:lnDef>
+      <a:spPr/>
+      <a:bodyPr/>
+      <a:lstStyle/>
+      <a:style>
+        <a:lnRef idx="2">
+          <a:schemeClr val="accent1"/>
+        </a:lnRef>
+        <a:fillRef idx="0">
+          <a:schemeClr val="accent1"/>
+        </a:fillRef>
+        <a:effectRef idx="1">
+          <a:schemeClr val="accent1"/>
+        </a:effectRef>
+        <a:fontRef idx="minor">
+          <a:schemeClr val="tx1"/>
+        </a:fontRef>
+      </a:style>
+    </a:lnDef>
+  </a:objectDefaults>
+  <a:extraClrSchemeLst/>
+  <a:extLst>
+    <a:ext uri="{05A4C25C-085E-4340-85A3-A5531E510DB2}">
+      <thm15:themeFamily xmlns:thm15="http://schemas.microsoft.com/office/thememl/2012/main" name="Office Theme" id="{2E142A2C-CD16-42D6-873A-C26D2A0506FA}" vid="{1BDDFF52-6CD6-40A5-AB3C-68EB2F1E4D0A}"/>
+    </a:ext>
+  </a:extLst>
+</a:theme>
 </file>